--- a/MF1833061-沈思远 课程报告/课程报告.pptx
+++ b/MF1833061-沈思远 课程报告/课程报告.pptx
@@ -6,6 +6,16 @@
   </p:sldMasterIdLst>
   <p:sldIdLst>
     <p:sldId id="256" r:id="rId2"/>
+    <p:sldId id="257" r:id="rId3"/>
+    <p:sldId id="258" r:id="rId4"/>
+    <p:sldId id="260" r:id="rId5"/>
+    <p:sldId id="259" r:id="rId6"/>
+    <p:sldId id="261" r:id="rId7"/>
+    <p:sldId id="262" r:id="rId8"/>
+    <p:sldId id="263" r:id="rId9"/>
+    <p:sldId id="264" r:id="rId10"/>
+    <p:sldId id="265" r:id="rId11"/>
+    <p:sldId id="266" r:id="rId12"/>
   </p:sldIdLst>
   <p:sldSz cx="12192000" cy="6858000"/>
   <p:notesSz cx="6858000" cy="9144000"/>
@@ -129,7 +139,7 @@
           <p:cNvPr id="2" name="标题 1">
             <a:extLst>
               <a:ext uri="{FF2B5EF4-FFF2-40B4-BE49-F238E27FC236}">
-                <a16:creationId xmlns:a16="http://schemas.microsoft.com/office/drawing/2014/main" id="{B78CC3B7-D470-4637-9F7E-1437F5B21EB0}"/>
+                <a16:creationId xmlns:a16="http://schemas.microsoft.com/office/drawing/2014/main" id="{670B5A91-6FBA-49A0-BFF0-FAAA62C7A219}"/>
               </a:ext>
             </a:extLst>
           </p:cNvPr>
@@ -166,7 +176,7 @@
           <p:cNvPr id="3" name="副标题 2">
             <a:extLst>
               <a:ext uri="{FF2B5EF4-FFF2-40B4-BE49-F238E27FC236}">
-                <a16:creationId xmlns:a16="http://schemas.microsoft.com/office/drawing/2014/main" id="{E68A9628-4722-4AD7-BD74-EA74BC60A3E3}"/>
+                <a16:creationId xmlns:a16="http://schemas.microsoft.com/office/drawing/2014/main" id="{22BC5708-7E4C-4852-AEE2-2955CB793991}"/>
               </a:ext>
             </a:extLst>
           </p:cNvPr>
@@ -236,7 +246,7 @@
           <p:cNvPr id="4" name="日期占位符 3">
             <a:extLst>
               <a:ext uri="{FF2B5EF4-FFF2-40B4-BE49-F238E27FC236}">
-                <a16:creationId xmlns:a16="http://schemas.microsoft.com/office/drawing/2014/main" id="{50F4A39A-B457-45C6-AA14-C27CBABC5E16}"/>
+                <a16:creationId xmlns:a16="http://schemas.microsoft.com/office/drawing/2014/main" id="{C81DA48D-1E31-440B-A99B-D4B6976D388D}"/>
               </a:ext>
             </a:extLst>
           </p:cNvPr>
@@ -252,9 +262,9 @@
           <a:bodyPr/>
           <a:lstStyle/>
           <a:p>
-            <a:fld id="{034A3001-F0E0-4122-BF9C-224B45FC3DAF}" type="datetimeFigureOut">
+            <a:fld id="{D7D94BF0-FE24-4E84-BEA5-B0EBF192CBAF}" type="datetimeFigureOut">
               <a:rPr lang="zh-CN" altLang="en-US" smtClean="0"/>
-              <a:t>2020/4/16</a:t>
+              <a:t>2020/4/24</a:t>
             </a:fld>
             <a:endParaRPr lang="zh-CN" altLang="en-US"/>
           </a:p>
@@ -265,7 +275,7 @@
           <p:cNvPr id="5" name="页脚占位符 4">
             <a:extLst>
               <a:ext uri="{FF2B5EF4-FFF2-40B4-BE49-F238E27FC236}">
-                <a16:creationId xmlns:a16="http://schemas.microsoft.com/office/drawing/2014/main" id="{2044479C-427B-443A-BE1B-4EF4E75D1B5C}"/>
+                <a16:creationId xmlns:a16="http://schemas.microsoft.com/office/drawing/2014/main" id="{03B48259-A60D-4D0C-8402-499A83C2CCA9}"/>
               </a:ext>
             </a:extLst>
           </p:cNvPr>
@@ -290,7 +300,7 @@
           <p:cNvPr id="6" name="灯片编号占位符 5">
             <a:extLst>
               <a:ext uri="{FF2B5EF4-FFF2-40B4-BE49-F238E27FC236}">
-                <a16:creationId xmlns:a16="http://schemas.microsoft.com/office/drawing/2014/main" id="{319D3535-3E4A-4F84-816C-3B2D12D7B474}"/>
+                <a16:creationId xmlns:a16="http://schemas.microsoft.com/office/drawing/2014/main" id="{8905045B-F565-476A-BDBA-375B041279D7}"/>
               </a:ext>
             </a:extLst>
           </p:cNvPr>
@@ -306,7 +316,7 @@
           <a:bodyPr/>
           <a:lstStyle/>
           <a:p>
-            <a:fld id="{96D7B78E-611A-409F-8DEF-2934D65DF5ED}" type="slidenum">
+            <a:fld id="{F31812D8-A73D-43FD-B678-0A49D17BA217}" type="slidenum">
               <a:rPr lang="zh-CN" altLang="en-US" smtClean="0"/>
               <a:t>‹#›</a:t>
             </a:fld>
@@ -317,7 +327,7 @@
     </p:spTree>
     <p:extLst>
       <p:ext uri="{BB962C8B-B14F-4D97-AF65-F5344CB8AC3E}">
-        <p14:creationId xmlns:p14="http://schemas.microsoft.com/office/powerpoint/2010/main" val="1812041269"/>
+        <p14:creationId xmlns:p14="http://schemas.microsoft.com/office/powerpoint/2010/main" val="934617055"/>
       </p:ext>
     </p:extLst>
   </p:cSld>
@@ -349,7 +359,7 @@
           <p:cNvPr id="2" name="标题 1">
             <a:extLst>
               <a:ext uri="{FF2B5EF4-FFF2-40B4-BE49-F238E27FC236}">
-                <a16:creationId xmlns:a16="http://schemas.microsoft.com/office/drawing/2014/main" id="{E1E04058-E5C3-4D03-8886-B592B12EC495}"/>
+                <a16:creationId xmlns:a16="http://schemas.microsoft.com/office/drawing/2014/main" id="{FF7DE66E-6A98-4182-9609-7BFA8748A6E1}"/>
               </a:ext>
             </a:extLst>
           </p:cNvPr>
@@ -377,7 +387,7 @@
           <p:cNvPr id="3" name="竖排文字占位符 2">
             <a:extLst>
               <a:ext uri="{FF2B5EF4-FFF2-40B4-BE49-F238E27FC236}">
-                <a16:creationId xmlns:a16="http://schemas.microsoft.com/office/drawing/2014/main" id="{E879C9B8-0C73-49E8-9142-FD431159DEC6}"/>
+                <a16:creationId xmlns:a16="http://schemas.microsoft.com/office/drawing/2014/main" id="{92ABEF52-9C4D-486E-961B-E5678A8C4EC3}"/>
               </a:ext>
             </a:extLst>
           </p:cNvPr>
@@ -434,7 +444,7 @@
           <p:cNvPr id="4" name="日期占位符 3">
             <a:extLst>
               <a:ext uri="{FF2B5EF4-FFF2-40B4-BE49-F238E27FC236}">
-                <a16:creationId xmlns:a16="http://schemas.microsoft.com/office/drawing/2014/main" id="{667DC0DF-1A54-40D8-9D26-1187788E5B03}"/>
+                <a16:creationId xmlns:a16="http://schemas.microsoft.com/office/drawing/2014/main" id="{C42D921C-EE31-44E8-8F97-257F49D2F95A}"/>
               </a:ext>
             </a:extLst>
           </p:cNvPr>
@@ -450,9 +460,9 @@
           <a:bodyPr/>
           <a:lstStyle/>
           <a:p>
-            <a:fld id="{034A3001-F0E0-4122-BF9C-224B45FC3DAF}" type="datetimeFigureOut">
+            <a:fld id="{D7D94BF0-FE24-4E84-BEA5-B0EBF192CBAF}" type="datetimeFigureOut">
               <a:rPr lang="zh-CN" altLang="en-US" smtClean="0"/>
-              <a:t>2020/4/16</a:t>
+              <a:t>2020/4/24</a:t>
             </a:fld>
             <a:endParaRPr lang="zh-CN" altLang="en-US"/>
           </a:p>
@@ -463,7 +473,7 @@
           <p:cNvPr id="5" name="页脚占位符 4">
             <a:extLst>
               <a:ext uri="{FF2B5EF4-FFF2-40B4-BE49-F238E27FC236}">
-                <a16:creationId xmlns:a16="http://schemas.microsoft.com/office/drawing/2014/main" id="{0B29659D-7FAB-43D9-A2F8-58556B76C449}"/>
+                <a16:creationId xmlns:a16="http://schemas.microsoft.com/office/drawing/2014/main" id="{576842D9-E838-4019-B022-98A566EC2FBF}"/>
               </a:ext>
             </a:extLst>
           </p:cNvPr>
@@ -488,7 +498,7 @@
           <p:cNvPr id="6" name="灯片编号占位符 5">
             <a:extLst>
               <a:ext uri="{FF2B5EF4-FFF2-40B4-BE49-F238E27FC236}">
-                <a16:creationId xmlns:a16="http://schemas.microsoft.com/office/drawing/2014/main" id="{533091BD-6675-4969-AAE0-042160B8DFD0}"/>
+                <a16:creationId xmlns:a16="http://schemas.microsoft.com/office/drawing/2014/main" id="{B7774DD0-BAE5-4295-B02D-41BB5EB95A0E}"/>
               </a:ext>
             </a:extLst>
           </p:cNvPr>
@@ -504,7 +514,7 @@
           <a:bodyPr/>
           <a:lstStyle/>
           <a:p>
-            <a:fld id="{96D7B78E-611A-409F-8DEF-2934D65DF5ED}" type="slidenum">
+            <a:fld id="{F31812D8-A73D-43FD-B678-0A49D17BA217}" type="slidenum">
               <a:rPr lang="zh-CN" altLang="en-US" smtClean="0"/>
               <a:t>‹#›</a:t>
             </a:fld>
@@ -515,7 +525,7 @@
     </p:spTree>
     <p:extLst>
       <p:ext uri="{BB962C8B-B14F-4D97-AF65-F5344CB8AC3E}">
-        <p14:creationId xmlns:p14="http://schemas.microsoft.com/office/powerpoint/2010/main" val="32916623"/>
+        <p14:creationId xmlns:p14="http://schemas.microsoft.com/office/powerpoint/2010/main" val="2893135618"/>
       </p:ext>
     </p:extLst>
   </p:cSld>
@@ -547,7 +557,7 @@
           <p:cNvPr id="2" name="竖排标题 1">
             <a:extLst>
               <a:ext uri="{FF2B5EF4-FFF2-40B4-BE49-F238E27FC236}">
-                <a16:creationId xmlns:a16="http://schemas.microsoft.com/office/drawing/2014/main" id="{D6F19D8E-05ED-46B8-97E2-BD2ABA013128}"/>
+                <a16:creationId xmlns:a16="http://schemas.microsoft.com/office/drawing/2014/main" id="{45771C57-EA2A-4171-BA87-144EF01DCADE}"/>
               </a:ext>
             </a:extLst>
           </p:cNvPr>
@@ -580,7 +590,7 @@
           <p:cNvPr id="3" name="竖排文字占位符 2">
             <a:extLst>
               <a:ext uri="{FF2B5EF4-FFF2-40B4-BE49-F238E27FC236}">
-                <a16:creationId xmlns:a16="http://schemas.microsoft.com/office/drawing/2014/main" id="{9069203C-B628-4471-9A36-F142F04C5399}"/>
+                <a16:creationId xmlns:a16="http://schemas.microsoft.com/office/drawing/2014/main" id="{E6CA8783-FDB0-4F5D-B2FE-3C76C41454C7}"/>
               </a:ext>
             </a:extLst>
           </p:cNvPr>
@@ -642,7 +652,7 @@
           <p:cNvPr id="4" name="日期占位符 3">
             <a:extLst>
               <a:ext uri="{FF2B5EF4-FFF2-40B4-BE49-F238E27FC236}">
-                <a16:creationId xmlns:a16="http://schemas.microsoft.com/office/drawing/2014/main" id="{781B48A9-6AE3-4695-8319-8CBEE3AD9BA6}"/>
+                <a16:creationId xmlns:a16="http://schemas.microsoft.com/office/drawing/2014/main" id="{3CE8F8D2-304D-4492-9159-4D03D0245522}"/>
               </a:ext>
             </a:extLst>
           </p:cNvPr>
@@ -658,9 +668,9 @@
           <a:bodyPr/>
           <a:lstStyle/>
           <a:p>
-            <a:fld id="{034A3001-F0E0-4122-BF9C-224B45FC3DAF}" type="datetimeFigureOut">
+            <a:fld id="{D7D94BF0-FE24-4E84-BEA5-B0EBF192CBAF}" type="datetimeFigureOut">
               <a:rPr lang="zh-CN" altLang="en-US" smtClean="0"/>
-              <a:t>2020/4/16</a:t>
+              <a:t>2020/4/24</a:t>
             </a:fld>
             <a:endParaRPr lang="zh-CN" altLang="en-US"/>
           </a:p>
@@ -671,7 +681,7 @@
           <p:cNvPr id="5" name="页脚占位符 4">
             <a:extLst>
               <a:ext uri="{FF2B5EF4-FFF2-40B4-BE49-F238E27FC236}">
-                <a16:creationId xmlns:a16="http://schemas.microsoft.com/office/drawing/2014/main" id="{5361778C-1A7E-459F-BCE6-80007920B8B5}"/>
+                <a16:creationId xmlns:a16="http://schemas.microsoft.com/office/drawing/2014/main" id="{F18219FD-2E44-4C11-B2DB-C510179BAA0F}"/>
               </a:ext>
             </a:extLst>
           </p:cNvPr>
@@ -696,7 +706,7 @@
           <p:cNvPr id="6" name="灯片编号占位符 5">
             <a:extLst>
               <a:ext uri="{FF2B5EF4-FFF2-40B4-BE49-F238E27FC236}">
-                <a16:creationId xmlns:a16="http://schemas.microsoft.com/office/drawing/2014/main" id="{41EF35AC-80C0-40BF-97C8-4FF2EB83F419}"/>
+                <a16:creationId xmlns:a16="http://schemas.microsoft.com/office/drawing/2014/main" id="{97673956-57D0-48C4-9F4C-B8DBBD89EC5A}"/>
               </a:ext>
             </a:extLst>
           </p:cNvPr>
@@ -712,7 +722,7 @@
           <a:bodyPr/>
           <a:lstStyle/>
           <a:p>
-            <a:fld id="{96D7B78E-611A-409F-8DEF-2934D65DF5ED}" type="slidenum">
+            <a:fld id="{F31812D8-A73D-43FD-B678-0A49D17BA217}" type="slidenum">
               <a:rPr lang="zh-CN" altLang="en-US" smtClean="0"/>
               <a:t>‹#›</a:t>
             </a:fld>
@@ -723,7 +733,7 @@
     </p:spTree>
     <p:extLst>
       <p:ext uri="{BB962C8B-B14F-4D97-AF65-F5344CB8AC3E}">
-        <p14:creationId xmlns:p14="http://schemas.microsoft.com/office/powerpoint/2010/main" val="2824080893"/>
+        <p14:creationId xmlns:p14="http://schemas.microsoft.com/office/powerpoint/2010/main" val="2173217276"/>
       </p:ext>
     </p:extLst>
   </p:cSld>
@@ -755,7 +765,7 @@
           <p:cNvPr id="2" name="标题 1">
             <a:extLst>
               <a:ext uri="{FF2B5EF4-FFF2-40B4-BE49-F238E27FC236}">
-                <a16:creationId xmlns:a16="http://schemas.microsoft.com/office/drawing/2014/main" id="{E8714D83-BCC9-4F09-8AB5-60320C0B4F2F}"/>
+                <a16:creationId xmlns:a16="http://schemas.microsoft.com/office/drawing/2014/main" id="{3F48B9C4-16F0-4D59-97A8-ED32603BB934}"/>
               </a:ext>
             </a:extLst>
           </p:cNvPr>
@@ -783,7 +793,7 @@
           <p:cNvPr id="3" name="内容占位符 2">
             <a:extLst>
               <a:ext uri="{FF2B5EF4-FFF2-40B4-BE49-F238E27FC236}">
-                <a16:creationId xmlns:a16="http://schemas.microsoft.com/office/drawing/2014/main" id="{676B6075-6AC8-47AA-A092-F5B2198E325E}"/>
+                <a16:creationId xmlns:a16="http://schemas.microsoft.com/office/drawing/2014/main" id="{66A683A7-D2A5-48CD-8250-FFE4BE9ACC87}"/>
               </a:ext>
             </a:extLst>
           </p:cNvPr>
@@ -840,7 +850,7 @@
           <p:cNvPr id="4" name="日期占位符 3">
             <a:extLst>
               <a:ext uri="{FF2B5EF4-FFF2-40B4-BE49-F238E27FC236}">
-                <a16:creationId xmlns:a16="http://schemas.microsoft.com/office/drawing/2014/main" id="{288C0411-C9C0-409A-8376-EF3710E41333}"/>
+                <a16:creationId xmlns:a16="http://schemas.microsoft.com/office/drawing/2014/main" id="{8D5D8EAA-9246-443B-8EF1-D4A875BBE1D5}"/>
               </a:ext>
             </a:extLst>
           </p:cNvPr>
@@ -856,9 +866,9 @@
           <a:bodyPr/>
           <a:lstStyle/>
           <a:p>
-            <a:fld id="{034A3001-F0E0-4122-BF9C-224B45FC3DAF}" type="datetimeFigureOut">
+            <a:fld id="{D7D94BF0-FE24-4E84-BEA5-B0EBF192CBAF}" type="datetimeFigureOut">
               <a:rPr lang="zh-CN" altLang="en-US" smtClean="0"/>
-              <a:t>2020/4/16</a:t>
+              <a:t>2020/4/24</a:t>
             </a:fld>
             <a:endParaRPr lang="zh-CN" altLang="en-US"/>
           </a:p>
@@ -869,7 +879,7 @@
           <p:cNvPr id="5" name="页脚占位符 4">
             <a:extLst>
               <a:ext uri="{FF2B5EF4-FFF2-40B4-BE49-F238E27FC236}">
-                <a16:creationId xmlns:a16="http://schemas.microsoft.com/office/drawing/2014/main" id="{7FBE81CB-DD7E-432D-ACDA-55F6A5AFC7EB}"/>
+                <a16:creationId xmlns:a16="http://schemas.microsoft.com/office/drawing/2014/main" id="{04B6CA41-F46C-4CEF-B6B8-806291A313E1}"/>
               </a:ext>
             </a:extLst>
           </p:cNvPr>
@@ -894,7 +904,7 @@
           <p:cNvPr id="6" name="灯片编号占位符 5">
             <a:extLst>
               <a:ext uri="{FF2B5EF4-FFF2-40B4-BE49-F238E27FC236}">
-                <a16:creationId xmlns:a16="http://schemas.microsoft.com/office/drawing/2014/main" id="{A958F62D-758B-442D-BB6A-9CF635E9E571}"/>
+                <a16:creationId xmlns:a16="http://schemas.microsoft.com/office/drawing/2014/main" id="{1BA27B62-2CF8-4777-81F8-B51B6EF93EDE}"/>
               </a:ext>
             </a:extLst>
           </p:cNvPr>
@@ -910,7 +920,7 @@
           <a:bodyPr/>
           <a:lstStyle/>
           <a:p>
-            <a:fld id="{96D7B78E-611A-409F-8DEF-2934D65DF5ED}" type="slidenum">
+            <a:fld id="{F31812D8-A73D-43FD-B678-0A49D17BA217}" type="slidenum">
               <a:rPr lang="zh-CN" altLang="en-US" smtClean="0"/>
               <a:t>‹#›</a:t>
             </a:fld>
@@ -921,7 +931,7 @@
     </p:spTree>
     <p:extLst>
       <p:ext uri="{BB962C8B-B14F-4D97-AF65-F5344CB8AC3E}">
-        <p14:creationId xmlns:p14="http://schemas.microsoft.com/office/powerpoint/2010/main" val="161846019"/>
+        <p14:creationId xmlns:p14="http://schemas.microsoft.com/office/powerpoint/2010/main" val="2082418526"/>
       </p:ext>
     </p:extLst>
   </p:cSld>
@@ -953,7 +963,7 @@
           <p:cNvPr id="2" name="标题 1">
             <a:extLst>
               <a:ext uri="{FF2B5EF4-FFF2-40B4-BE49-F238E27FC236}">
-                <a16:creationId xmlns:a16="http://schemas.microsoft.com/office/drawing/2014/main" id="{7E84D71E-58EA-468E-B272-94E8DF9F4BA2}"/>
+                <a16:creationId xmlns:a16="http://schemas.microsoft.com/office/drawing/2014/main" id="{6B253F61-4597-4BCE-A166-8DF5C8C2442D}"/>
               </a:ext>
             </a:extLst>
           </p:cNvPr>
@@ -990,7 +1000,7 @@
           <p:cNvPr id="3" name="文本占位符 2">
             <a:extLst>
               <a:ext uri="{FF2B5EF4-FFF2-40B4-BE49-F238E27FC236}">
-                <a16:creationId xmlns:a16="http://schemas.microsoft.com/office/drawing/2014/main" id="{9AD2F2E7-AC76-4246-B566-903A676FABBD}"/>
+                <a16:creationId xmlns:a16="http://schemas.microsoft.com/office/drawing/2014/main" id="{BC4D326F-A4FE-4D07-88C0-942A9D553E88}"/>
               </a:ext>
             </a:extLst>
           </p:cNvPr>
@@ -1115,7 +1125,7 @@
           <p:cNvPr id="4" name="日期占位符 3">
             <a:extLst>
               <a:ext uri="{FF2B5EF4-FFF2-40B4-BE49-F238E27FC236}">
-                <a16:creationId xmlns:a16="http://schemas.microsoft.com/office/drawing/2014/main" id="{C4CCDEE1-27C0-4A85-8D50-1B1CB8AAE88E}"/>
+                <a16:creationId xmlns:a16="http://schemas.microsoft.com/office/drawing/2014/main" id="{E47F659E-25CA-41B0-8931-2932BF4A4F24}"/>
               </a:ext>
             </a:extLst>
           </p:cNvPr>
@@ -1131,9 +1141,9 @@
           <a:bodyPr/>
           <a:lstStyle/>
           <a:p>
-            <a:fld id="{034A3001-F0E0-4122-BF9C-224B45FC3DAF}" type="datetimeFigureOut">
+            <a:fld id="{D7D94BF0-FE24-4E84-BEA5-B0EBF192CBAF}" type="datetimeFigureOut">
               <a:rPr lang="zh-CN" altLang="en-US" smtClean="0"/>
-              <a:t>2020/4/16</a:t>
+              <a:t>2020/4/24</a:t>
             </a:fld>
             <a:endParaRPr lang="zh-CN" altLang="en-US"/>
           </a:p>
@@ -1144,7 +1154,7 @@
           <p:cNvPr id="5" name="页脚占位符 4">
             <a:extLst>
               <a:ext uri="{FF2B5EF4-FFF2-40B4-BE49-F238E27FC236}">
-                <a16:creationId xmlns:a16="http://schemas.microsoft.com/office/drawing/2014/main" id="{37073840-8DC1-4BF2-9A4B-C779DC8A1661}"/>
+                <a16:creationId xmlns:a16="http://schemas.microsoft.com/office/drawing/2014/main" id="{BD11EB3C-ED7A-4E33-88BA-B9D1FAB8A544}"/>
               </a:ext>
             </a:extLst>
           </p:cNvPr>
@@ -1169,7 +1179,7 @@
           <p:cNvPr id="6" name="灯片编号占位符 5">
             <a:extLst>
               <a:ext uri="{FF2B5EF4-FFF2-40B4-BE49-F238E27FC236}">
-                <a16:creationId xmlns:a16="http://schemas.microsoft.com/office/drawing/2014/main" id="{B0A5570C-1338-43C8-AC3B-F2B8BFEE25B2}"/>
+                <a16:creationId xmlns:a16="http://schemas.microsoft.com/office/drawing/2014/main" id="{0C493020-2864-4028-9EB1-994D954A461E}"/>
               </a:ext>
             </a:extLst>
           </p:cNvPr>
@@ -1185,7 +1195,7 @@
           <a:bodyPr/>
           <a:lstStyle/>
           <a:p>
-            <a:fld id="{96D7B78E-611A-409F-8DEF-2934D65DF5ED}" type="slidenum">
+            <a:fld id="{F31812D8-A73D-43FD-B678-0A49D17BA217}" type="slidenum">
               <a:rPr lang="zh-CN" altLang="en-US" smtClean="0"/>
               <a:t>‹#›</a:t>
             </a:fld>
@@ -1196,7 +1206,7 @@
     </p:spTree>
     <p:extLst>
       <p:ext uri="{BB962C8B-B14F-4D97-AF65-F5344CB8AC3E}">
-        <p14:creationId xmlns:p14="http://schemas.microsoft.com/office/powerpoint/2010/main" val="2008729200"/>
+        <p14:creationId xmlns:p14="http://schemas.microsoft.com/office/powerpoint/2010/main" val="3308248224"/>
       </p:ext>
     </p:extLst>
   </p:cSld>
@@ -1228,7 +1238,7 @@
           <p:cNvPr id="2" name="标题 1">
             <a:extLst>
               <a:ext uri="{FF2B5EF4-FFF2-40B4-BE49-F238E27FC236}">
-                <a16:creationId xmlns:a16="http://schemas.microsoft.com/office/drawing/2014/main" id="{63B3FB72-9880-4395-8421-8D96C48D33FF}"/>
+                <a16:creationId xmlns:a16="http://schemas.microsoft.com/office/drawing/2014/main" id="{6E2254B0-CC70-47CE-AADE-19748CFD0A22}"/>
               </a:ext>
             </a:extLst>
           </p:cNvPr>
@@ -1256,7 +1266,7 @@
           <p:cNvPr id="3" name="内容占位符 2">
             <a:extLst>
               <a:ext uri="{FF2B5EF4-FFF2-40B4-BE49-F238E27FC236}">
-                <a16:creationId xmlns:a16="http://schemas.microsoft.com/office/drawing/2014/main" id="{700E3573-4C4D-48E1-988E-B013A1E90A03}"/>
+                <a16:creationId xmlns:a16="http://schemas.microsoft.com/office/drawing/2014/main" id="{658E0A76-7E14-4940-9B5C-D5A9417BF38F}"/>
               </a:ext>
             </a:extLst>
           </p:cNvPr>
@@ -1318,7 +1328,7 @@
           <p:cNvPr id="4" name="内容占位符 3">
             <a:extLst>
               <a:ext uri="{FF2B5EF4-FFF2-40B4-BE49-F238E27FC236}">
-                <a16:creationId xmlns:a16="http://schemas.microsoft.com/office/drawing/2014/main" id="{4FA3A0E9-3BC5-4E4B-A381-FDC0CA661874}"/>
+                <a16:creationId xmlns:a16="http://schemas.microsoft.com/office/drawing/2014/main" id="{2E8FEEE1-ECB0-4A97-A389-6423039FDC48}"/>
               </a:ext>
             </a:extLst>
           </p:cNvPr>
@@ -1380,7 +1390,7 @@
           <p:cNvPr id="5" name="日期占位符 4">
             <a:extLst>
               <a:ext uri="{FF2B5EF4-FFF2-40B4-BE49-F238E27FC236}">
-                <a16:creationId xmlns:a16="http://schemas.microsoft.com/office/drawing/2014/main" id="{53376378-B75E-4C9A-BD94-C968D625BD9A}"/>
+                <a16:creationId xmlns:a16="http://schemas.microsoft.com/office/drawing/2014/main" id="{20A842AA-9E7E-49DB-AC16-20E24A3BA671}"/>
               </a:ext>
             </a:extLst>
           </p:cNvPr>
@@ -1396,9 +1406,9 @@
           <a:bodyPr/>
           <a:lstStyle/>
           <a:p>
-            <a:fld id="{034A3001-F0E0-4122-BF9C-224B45FC3DAF}" type="datetimeFigureOut">
+            <a:fld id="{D7D94BF0-FE24-4E84-BEA5-B0EBF192CBAF}" type="datetimeFigureOut">
               <a:rPr lang="zh-CN" altLang="en-US" smtClean="0"/>
-              <a:t>2020/4/16</a:t>
+              <a:t>2020/4/24</a:t>
             </a:fld>
             <a:endParaRPr lang="zh-CN" altLang="en-US"/>
           </a:p>
@@ -1409,7 +1419,7 @@
           <p:cNvPr id="6" name="页脚占位符 5">
             <a:extLst>
               <a:ext uri="{FF2B5EF4-FFF2-40B4-BE49-F238E27FC236}">
-                <a16:creationId xmlns:a16="http://schemas.microsoft.com/office/drawing/2014/main" id="{E7EE8D0A-D484-4806-8AE9-70A8F3029BFE}"/>
+                <a16:creationId xmlns:a16="http://schemas.microsoft.com/office/drawing/2014/main" id="{9A067BFF-86F5-4696-A703-0825EB45474A}"/>
               </a:ext>
             </a:extLst>
           </p:cNvPr>
@@ -1434,7 +1444,7 @@
           <p:cNvPr id="7" name="灯片编号占位符 6">
             <a:extLst>
               <a:ext uri="{FF2B5EF4-FFF2-40B4-BE49-F238E27FC236}">
-                <a16:creationId xmlns:a16="http://schemas.microsoft.com/office/drawing/2014/main" id="{2737E1A7-5D82-4494-A54C-1352A817E4B8}"/>
+                <a16:creationId xmlns:a16="http://schemas.microsoft.com/office/drawing/2014/main" id="{03814DF4-89FA-45B7-9A7A-6DF0E21490D3}"/>
               </a:ext>
             </a:extLst>
           </p:cNvPr>
@@ -1450,7 +1460,7 @@
           <a:bodyPr/>
           <a:lstStyle/>
           <a:p>
-            <a:fld id="{96D7B78E-611A-409F-8DEF-2934D65DF5ED}" type="slidenum">
+            <a:fld id="{F31812D8-A73D-43FD-B678-0A49D17BA217}" type="slidenum">
               <a:rPr lang="zh-CN" altLang="en-US" smtClean="0"/>
               <a:t>‹#›</a:t>
             </a:fld>
@@ -1461,7 +1471,7 @@
     </p:spTree>
     <p:extLst>
       <p:ext uri="{BB962C8B-B14F-4D97-AF65-F5344CB8AC3E}">
-        <p14:creationId xmlns:p14="http://schemas.microsoft.com/office/powerpoint/2010/main" val="2816490957"/>
+        <p14:creationId xmlns:p14="http://schemas.microsoft.com/office/powerpoint/2010/main" val="1142372174"/>
       </p:ext>
     </p:extLst>
   </p:cSld>
@@ -1493,7 +1503,7 @@
           <p:cNvPr id="2" name="标题 1">
             <a:extLst>
               <a:ext uri="{FF2B5EF4-FFF2-40B4-BE49-F238E27FC236}">
-                <a16:creationId xmlns:a16="http://schemas.microsoft.com/office/drawing/2014/main" id="{0E08572F-EF77-4F3E-898C-8648875DDD59}"/>
+                <a16:creationId xmlns:a16="http://schemas.microsoft.com/office/drawing/2014/main" id="{D7BA258D-8E13-4B4E-92EA-041140D1F341}"/>
               </a:ext>
             </a:extLst>
           </p:cNvPr>
@@ -1526,7 +1536,7 @@
           <p:cNvPr id="3" name="文本占位符 2">
             <a:extLst>
               <a:ext uri="{FF2B5EF4-FFF2-40B4-BE49-F238E27FC236}">
-                <a16:creationId xmlns:a16="http://schemas.microsoft.com/office/drawing/2014/main" id="{08D71A76-D5E3-4DFF-83A6-35B08568269A}"/>
+                <a16:creationId xmlns:a16="http://schemas.microsoft.com/office/drawing/2014/main" id="{8D40AAF4-2E6F-4624-B945-1762FF423882}"/>
               </a:ext>
             </a:extLst>
           </p:cNvPr>
@@ -1597,7 +1607,7 @@
           <p:cNvPr id="4" name="内容占位符 3">
             <a:extLst>
               <a:ext uri="{FF2B5EF4-FFF2-40B4-BE49-F238E27FC236}">
-                <a16:creationId xmlns:a16="http://schemas.microsoft.com/office/drawing/2014/main" id="{9C7EF90D-A5A2-4B1B-8AF5-85117388E558}"/>
+                <a16:creationId xmlns:a16="http://schemas.microsoft.com/office/drawing/2014/main" id="{4BF60580-1B4F-4E56-B55E-D0850E84F7F4}"/>
               </a:ext>
             </a:extLst>
           </p:cNvPr>
@@ -1659,7 +1669,7 @@
           <p:cNvPr id="5" name="文本占位符 4">
             <a:extLst>
               <a:ext uri="{FF2B5EF4-FFF2-40B4-BE49-F238E27FC236}">
-                <a16:creationId xmlns:a16="http://schemas.microsoft.com/office/drawing/2014/main" id="{F01391AF-17C0-49B4-9220-523868E4FDB1}"/>
+                <a16:creationId xmlns:a16="http://schemas.microsoft.com/office/drawing/2014/main" id="{C117A1E3-2A3A-47DF-96AA-8AD8242A54D5}"/>
               </a:ext>
             </a:extLst>
           </p:cNvPr>
@@ -1730,7 +1740,7 @@
           <p:cNvPr id="6" name="内容占位符 5">
             <a:extLst>
               <a:ext uri="{FF2B5EF4-FFF2-40B4-BE49-F238E27FC236}">
-                <a16:creationId xmlns:a16="http://schemas.microsoft.com/office/drawing/2014/main" id="{D5D3BCD9-A4CD-4D19-AAD8-25D1BEA88A67}"/>
+                <a16:creationId xmlns:a16="http://schemas.microsoft.com/office/drawing/2014/main" id="{93F15131-8A35-4FEA-A7F1-39D865D4A0BD}"/>
               </a:ext>
             </a:extLst>
           </p:cNvPr>
@@ -1792,7 +1802,7 @@
           <p:cNvPr id="7" name="日期占位符 6">
             <a:extLst>
               <a:ext uri="{FF2B5EF4-FFF2-40B4-BE49-F238E27FC236}">
-                <a16:creationId xmlns:a16="http://schemas.microsoft.com/office/drawing/2014/main" id="{A6759375-7132-4F47-BBB3-7690440F89C0}"/>
+                <a16:creationId xmlns:a16="http://schemas.microsoft.com/office/drawing/2014/main" id="{37CA1284-2627-4F3D-BF47-23DDFEA46DD9}"/>
               </a:ext>
             </a:extLst>
           </p:cNvPr>
@@ -1808,9 +1818,9 @@
           <a:bodyPr/>
           <a:lstStyle/>
           <a:p>
-            <a:fld id="{034A3001-F0E0-4122-BF9C-224B45FC3DAF}" type="datetimeFigureOut">
+            <a:fld id="{D7D94BF0-FE24-4E84-BEA5-B0EBF192CBAF}" type="datetimeFigureOut">
               <a:rPr lang="zh-CN" altLang="en-US" smtClean="0"/>
-              <a:t>2020/4/16</a:t>
+              <a:t>2020/4/24</a:t>
             </a:fld>
             <a:endParaRPr lang="zh-CN" altLang="en-US"/>
           </a:p>
@@ -1821,7 +1831,7 @@
           <p:cNvPr id="8" name="页脚占位符 7">
             <a:extLst>
               <a:ext uri="{FF2B5EF4-FFF2-40B4-BE49-F238E27FC236}">
-                <a16:creationId xmlns:a16="http://schemas.microsoft.com/office/drawing/2014/main" id="{C777A02E-6E01-43C6-9A2A-F5B2554DDAA5}"/>
+                <a16:creationId xmlns:a16="http://schemas.microsoft.com/office/drawing/2014/main" id="{070D0110-0D2B-4AB6-B13D-3D0B81B92914}"/>
               </a:ext>
             </a:extLst>
           </p:cNvPr>
@@ -1846,7 +1856,7 @@
           <p:cNvPr id="9" name="灯片编号占位符 8">
             <a:extLst>
               <a:ext uri="{FF2B5EF4-FFF2-40B4-BE49-F238E27FC236}">
-                <a16:creationId xmlns:a16="http://schemas.microsoft.com/office/drawing/2014/main" id="{A8833D9D-E828-45C1-991F-049AB0B4C71D}"/>
+                <a16:creationId xmlns:a16="http://schemas.microsoft.com/office/drawing/2014/main" id="{A4E8DE10-C363-4F73-AAAF-26113711FA3D}"/>
               </a:ext>
             </a:extLst>
           </p:cNvPr>
@@ -1862,7 +1872,7 @@
           <a:bodyPr/>
           <a:lstStyle/>
           <a:p>
-            <a:fld id="{96D7B78E-611A-409F-8DEF-2934D65DF5ED}" type="slidenum">
+            <a:fld id="{F31812D8-A73D-43FD-B678-0A49D17BA217}" type="slidenum">
               <a:rPr lang="zh-CN" altLang="en-US" smtClean="0"/>
               <a:t>‹#›</a:t>
             </a:fld>
@@ -1873,7 +1883,7 @@
     </p:spTree>
     <p:extLst>
       <p:ext uri="{BB962C8B-B14F-4D97-AF65-F5344CB8AC3E}">
-        <p14:creationId xmlns:p14="http://schemas.microsoft.com/office/powerpoint/2010/main" val="1742313024"/>
+        <p14:creationId xmlns:p14="http://schemas.microsoft.com/office/powerpoint/2010/main" val="3189264143"/>
       </p:ext>
     </p:extLst>
   </p:cSld>
@@ -1905,7 +1915,7 @@
           <p:cNvPr id="2" name="标题 1">
             <a:extLst>
               <a:ext uri="{FF2B5EF4-FFF2-40B4-BE49-F238E27FC236}">
-                <a16:creationId xmlns:a16="http://schemas.microsoft.com/office/drawing/2014/main" id="{E3DB5C8B-22C8-4EC0-A782-72B7BEFA941C}"/>
+                <a16:creationId xmlns:a16="http://schemas.microsoft.com/office/drawing/2014/main" id="{113C7FA7-FB77-4737-B04C-10C88301CFEC}"/>
               </a:ext>
             </a:extLst>
           </p:cNvPr>
@@ -1933,7 +1943,7 @@
           <p:cNvPr id="3" name="日期占位符 2">
             <a:extLst>
               <a:ext uri="{FF2B5EF4-FFF2-40B4-BE49-F238E27FC236}">
-                <a16:creationId xmlns:a16="http://schemas.microsoft.com/office/drawing/2014/main" id="{C8A5E474-DCB9-46FF-8042-DD852F2051A1}"/>
+                <a16:creationId xmlns:a16="http://schemas.microsoft.com/office/drawing/2014/main" id="{81BD9066-0784-4635-AFEC-85C1E93575F0}"/>
               </a:ext>
             </a:extLst>
           </p:cNvPr>
@@ -1949,9 +1959,9 @@
           <a:bodyPr/>
           <a:lstStyle/>
           <a:p>
-            <a:fld id="{034A3001-F0E0-4122-BF9C-224B45FC3DAF}" type="datetimeFigureOut">
+            <a:fld id="{D7D94BF0-FE24-4E84-BEA5-B0EBF192CBAF}" type="datetimeFigureOut">
               <a:rPr lang="zh-CN" altLang="en-US" smtClean="0"/>
-              <a:t>2020/4/16</a:t>
+              <a:t>2020/4/24</a:t>
             </a:fld>
             <a:endParaRPr lang="zh-CN" altLang="en-US"/>
           </a:p>
@@ -1962,7 +1972,7 @@
           <p:cNvPr id="4" name="页脚占位符 3">
             <a:extLst>
               <a:ext uri="{FF2B5EF4-FFF2-40B4-BE49-F238E27FC236}">
-                <a16:creationId xmlns:a16="http://schemas.microsoft.com/office/drawing/2014/main" id="{843FAFCC-5BC5-4E41-A21F-F72C5A3BEF99}"/>
+                <a16:creationId xmlns:a16="http://schemas.microsoft.com/office/drawing/2014/main" id="{39AF4133-0D5F-4256-9C3F-F099FBBB3294}"/>
               </a:ext>
             </a:extLst>
           </p:cNvPr>
@@ -1987,7 +1997,7 @@
           <p:cNvPr id="5" name="灯片编号占位符 4">
             <a:extLst>
               <a:ext uri="{FF2B5EF4-FFF2-40B4-BE49-F238E27FC236}">
-                <a16:creationId xmlns:a16="http://schemas.microsoft.com/office/drawing/2014/main" id="{B74619B6-F80A-4512-A030-69A58154FF7F}"/>
+                <a16:creationId xmlns:a16="http://schemas.microsoft.com/office/drawing/2014/main" id="{DD899A9A-1FB5-40AE-BDC8-8DF6BECEDBA6}"/>
               </a:ext>
             </a:extLst>
           </p:cNvPr>
@@ -2003,7 +2013,7 @@
           <a:bodyPr/>
           <a:lstStyle/>
           <a:p>
-            <a:fld id="{96D7B78E-611A-409F-8DEF-2934D65DF5ED}" type="slidenum">
+            <a:fld id="{F31812D8-A73D-43FD-B678-0A49D17BA217}" type="slidenum">
               <a:rPr lang="zh-CN" altLang="en-US" smtClean="0"/>
               <a:t>‹#›</a:t>
             </a:fld>
@@ -2014,7 +2024,7 @@
     </p:spTree>
     <p:extLst>
       <p:ext uri="{BB962C8B-B14F-4D97-AF65-F5344CB8AC3E}">
-        <p14:creationId xmlns:p14="http://schemas.microsoft.com/office/powerpoint/2010/main" val="3786042348"/>
+        <p14:creationId xmlns:p14="http://schemas.microsoft.com/office/powerpoint/2010/main" val="3936959322"/>
       </p:ext>
     </p:extLst>
   </p:cSld>
@@ -2046,7 +2056,7 @@
           <p:cNvPr id="2" name="日期占位符 1">
             <a:extLst>
               <a:ext uri="{FF2B5EF4-FFF2-40B4-BE49-F238E27FC236}">
-                <a16:creationId xmlns:a16="http://schemas.microsoft.com/office/drawing/2014/main" id="{06791310-781E-47DF-A4F6-E6AB9BE819B3}"/>
+                <a16:creationId xmlns:a16="http://schemas.microsoft.com/office/drawing/2014/main" id="{19036F15-D2B0-43F1-954F-B581CF6CCD69}"/>
               </a:ext>
             </a:extLst>
           </p:cNvPr>
@@ -2062,9 +2072,9 @@
           <a:bodyPr/>
           <a:lstStyle/>
           <a:p>
-            <a:fld id="{034A3001-F0E0-4122-BF9C-224B45FC3DAF}" type="datetimeFigureOut">
+            <a:fld id="{D7D94BF0-FE24-4E84-BEA5-B0EBF192CBAF}" type="datetimeFigureOut">
               <a:rPr lang="zh-CN" altLang="en-US" smtClean="0"/>
-              <a:t>2020/4/16</a:t>
+              <a:t>2020/4/24</a:t>
             </a:fld>
             <a:endParaRPr lang="zh-CN" altLang="en-US"/>
           </a:p>
@@ -2075,7 +2085,7 @@
           <p:cNvPr id="3" name="页脚占位符 2">
             <a:extLst>
               <a:ext uri="{FF2B5EF4-FFF2-40B4-BE49-F238E27FC236}">
-                <a16:creationId xmlns:a16="http://schemas.microsoft.com/office/drawing/2014/main" id="{68C87AAC-8590-415F-BB03-B779CFDE8605}"/>
+                <a16:creationId xmlns:a16="http://schemas.microsoft.com/office/drawing/2014/main" id="{FF657AC9-F809-471C-AE39-D27E614BED01}"/>
               </a:ext>
             </a:extLst>
           </p:cNvPr>
@@ -2100,7 +2110,7 @@
           <p:cNvPr id="4" name="灯片编号占位符 3">
             <a:extLst>
               <a:ext uri="{FF2B5EF4-FFF2-40B4-BE49-F238E27FC236}">
-                <a16:creationId xmlns:a16="http://schemas.microsoft.com/office/drawing/2014/main" id="{87ED9A83-0A2B-4DF1-AB1E-60EB119EDFE8}"/>
+                <a16:creationId xmlns:a16="http://schemas.microsoft.com/office/drawing/2014/main" id="{9AAA8A23-9165-44C4-88C3-569A1A54D6E1}"/>
               </a:ext>
             </a:extLst>
           </p:cNvPr>
@@ -2116,7 +2126,7 @@
           <a:bodyPr/>
           <a:lstStyle/>
           <a:p>
-            <a:fld id="{96D7B78E-611A-409F-8DEF-2934D65DF5ED}" type="slidenum">
+            <a:fld id="{F31812D8-A73D-43FD-B678-0A49D17BA217}" type="slidenum">
               <a:rPr lang="zh-CN" altLang="en-US" smtClean="0"/>
               <a:t>‹#›</a:t>
             </a:fld>
@@ -2127,7 +2137,7 @@
     </p:spTree>
     <p:extLst>
       <p:ext uri="{BB962C8B-B14F-4D97-AF65-F5344CB8AC3E}">
-        <p14:creationId xmlns:p14="http://schemas.microsoft.com/office/powerpoint/2010/main" val="3674536783"/>
+        <p14:creationId xmlns:p14="http://schemas.microsoft.com/office/powerpoint/2010/main" val="690082510"/>
       </p:ext>
     </p:extLst>
   </p:cSld>
@@ -2159,7 +2169,7 @@
           <p:cNvPr id="2" name="标题 1">
             <a:extLst>
               <a:ext uri="{FF2B5EF4-FFF2-40B4-BE49-F238E27FC236}">
-                <a16:creationId xmlns:a16="http://schemas.microsoft.com/office/drawing/2014/main" id="{B59D23A7-7803-4EE3-961F-C978E8DD40F0}"/>
+                <a16:creationId xmlns:a16="http://schemas.microsoft.com/office/drawing/2014/main" id="{0E4A9139-FE3A-4029-9E53-B3A9EB158BAE}"/>
               </a:ext>
             </a:extLst>
           </p:cNvPr>
@@ -2196,7 +2206,7 @@
           <p:cNvPr id="3" name="内容占位符 2">
             <a:extLst>
               <a:ext uri="{FF2B5EF4-FFF2-40B4-BE49-F238E27FC236}">
-                <a16:creationId xmlns:a16="http://schemas.microsoft.com/office/drawing/2014/main" id="{272CEC2C-1802-461C-9617-BD8BAF9755C7}"/>
+                <a16:creationId xmlns:a16="http://schemas.microsoft.com/office/drawing/2014/main" id="{01D7063D-231D-42C4-8D2B-C8D93A7BCDF5}"/>
               </a:ext>
             </a:extLst>
           </p:cNvPr>
@@ -2286,7 +2296,7 @@
           <p:cNvPr id="4" name="文本占位符 3">
             <a:extLst>
               <a:ext uri="{FF2B5EF4-FFF2-40B4-BE49-F238E27FC236}">
-                <a16:creationId xmlns:a16="http://schemas.microsoft.com/office/drawing/2014/main" id="{6021F642-A316-4CD0-8C08-34128F0C89C6}"/>
+                <a16:creationId xmlns:a16="http://schemas.microsoft.com/office/drawing/2014/main" id="{B664314C-3608-4ABB-9C70-881CE6FEA94D}"/>
               </a:ext>
             </a:extLst>
           </p:cNvPr>
@@ -2357,7 +2367,7 @@
           <p:cNvPr id="5" name="日期占位符 4">
             <a:extLst>
               <a:ext uri="{FF2B5EF4-FFF2-40B4-BE49-F238E27FC236}">
-                <a16:creationId xmlns:a16="http://schemas.microsoft.com/office/drawing/2014/main" id="{C53D88CE-D99D-4D8D-8121-1F8A3FE79C57}"/>
+                <a16:creationId xmlns:a16="http://schemas.microsoft.com/office/drawing/2014/main" id="{F06FEAEC-1164-4A68-83D1-979F037D2B32}"/>
               </a:ext>
             </a:extLst>
           </p:cNvPr>
@@ -2373,9 +2383,9 @@
           <a:bodyPr/>
           <a:lstStyle/>
           <a:p>
-            <a:fld id="{034A3001-F0E0-4122-BF9C-224B45FC3DAF}" type="datetimeFigureOut">
+            <a:fld id="{D7D94BF0-FE24-4E84-BEA5-B0EBF192CBAF}" type="datetimeFigureOut">
               <a:rPr lang="zh-CN" altLang="en-US" smtClean="0"/>
-              <a:t>2020/4/16</a:t>
+              <a:t>2020/4/24</a:t>
             </a:fld>
             <a:endParaRPr lang="zh-CN" altLang="en-US"/>
           </a:p>
@@ -2386,7 +2396,7 @@
           <p:cNvPr id="6" name="页脚占位符 5">
             <a:extLst>
               <a:ext uri="{FF2B5EF4-FFF2-40B4-BE49-F238E27FC236}">
-                <a16:creationId xmlns:a16="http://schemas.microsoft.com/office/drawing/2014/main" id="{90680265-43D3-49AF-8977-DF4156E36A3E}"/>
+                <a16:creationId xmlns:a16="http://schemas.microsoft.com/office/drawing/2014/main" id="{40B4517E-CB94-43C8-A633-070269FFEEC7}"/>
               </a:ext>
             </a:extLst>
           </p:cNvPr>
@@ -2411,7 +2421,7 @@
           <p:cNvPr id="7" name="灯片编号占位符 6">
             <a:extLst>
               <a:ext uri="{FF2B5EF4-FFF2-40B4-BE49-F238E27FC236}">
-                <a16:creationId xmlns:a16="http://schemas.microsoft.com/office/drawing/2014/main" id="{CA59FE4A-C1A0-4F4F-9EFB-0F42501EC7DD}"/>
+                <a16:creationId xmlns:a16="http://schemas.microsoft.com/office/drawing/2014/main" id="{35C2CA4A-0CAE-4E77-85C0-A104A36E4111}"/>
               </a:ext>
             </a:extLst>
           </p:cNvPr>
@@ -2427,7 +2437,7 @@
           <a:bodyPr/>
           <a:lstStyle/>
           <a:p>
-            <a:fld id="{96D7B78E-611A-409F-8DEF-2934D65DF5ED}" type="slidenum">
+            <a:fld id="{F31812D8-A73D-43FD-B678-0A49D17BA217}" type="slidenum">
               <a:rPr lang="zh-CN" altLang="en-US" smtClean="0"/>
               <a:t>‹#›</a:t>
             </a:fld>
@@ -2438,7 +2448,7 @@
     </p:spTree>
     <p:extLst>
       <p:ext uri="{BB962C8B-B14F-4D97-AF65-F5344CB8AC3E}">
-        <p14:creationId xmlns:p14="http://schemas.microsoft.com/office/powerpoint/2010/main" val="2034978365"/>
+        <p14:creationId xmlns:p14="http://schemas.microsoft.com/office/powerpoint/2010/main" val="53763165"/>
       </p:ext>
     </p:extLst>
   </p:cSld>
@@ -2470,7 +2480,7 @@
           <p:cNvPr id="2" name="标题 1">
             <a:extLst>
               <a:ext uri="{FF2B5EF4-FFF2-40B4-BE49-F238E27FC236}">
-                <a16:creationId xmlns:a16="http://schemas.microsoft.com/office/drawing/2014/main" id="{E7A0A7C6-62DB-454A-A52E-B81ADE20F018}"/>
+                <a16:creationId xmlns:a16="http://schemas.microsoft.com/office/drawing/2014/main" id="{4A4C56C0-EB6A-4B3D-BB9A-BD1FD67A4A8D}"/>
               </a:ext>
             </a:extLst>
           </p:cNvPr>
@@ -2507,7 +2517,7 @@
           <p:cNvPr id="3" name="图片占位符 2">
             <a:extLst>
               <a:ext uri="{FF2B5EF4-FFF2-40B4-BE49-F238E27FC236}">
-                <a16:creationId xmlns:a16="http://schemas.microsoft.com/office/drawing/2014/main" id="{67724E2E-8679-4FEA-A9AF-2304854F5BC5}"/>
+                <a16:creationId xmlns:a16="http://schemas.microsoft.com/office/drawing/2014/main" id="{735E387C-C20F-4E5F-B4CC-F396A8169DB2}"/>
               </a:ext>
             </a:extLst>
           </p:cNvPr>
@@ -2574,7 +2584,7 @@
           <p:cNvPr id="4" name="文本占位符 3">
             <a:extLst>
               <a:ext uri="{FF2B5EF4-FFF2-40B4-BE49-F238E27FC236}">
-                <a16:creationId xmlns:a16="http://schemas.microsoft.com/office/drawing/2014/main" id="{3EFC8E31-B0E5-4E30-8CA9-236626741EA4}"/>
+                <a16:creationId xmlns:a16="http://schemas.microsoft.com/office/drawing/2014/main" id="{01DFB1CD-4E69-4B04-9B5F-3F2BC6FADF59}"/>
               </a:ext>
             </a:extLst>
           </p:cNvPr>
@@ -2645,7 +2655,7 @@
           <p:cNvPr id="5" name="日期占位符 4">
             <a:extLst>
               <a:ext uri="{FF2B5EF4-FFF2-40B4-BE49-F238E27FC236}">
-                <a16:creationId xmlns:a16="http://schemas.microsoft.com/office/drawing/2014/main" id="{BAF57C2A-2FC8-4177-8F41-E6C231F60A48}"/>
+                <a16:creationId xmlns:a16="http://schemas.microsoft.com/office/drawing/2014/main" id="{84137EE6-AABB-41C3-AE28-3F28910797E9}"/>
               </a:ext>
             </a:extLst>
           </p:cNvPr>
@@ -2661,9 +2671,9 @@
           <a:bodyPr/>
           <a:lstStyle/>
           <a:p>
-            <a:fld id="{034A3001-F0E0-4122-BF9C-224B45FC3DAF}" type="datetimeFigureOut">
+            <a:fld id="{D7D94BF0-FE24-4E84-BEA5-B0EBF192CBAF}" type="datetimeFigureOut">
               <a:rPr lang="zh-CN" altLang="en-US" smtClean="0"/>
-              <a:t>2020/4/16</a:t>
+              <a:t>2020/4/24</a:t>
             </a:fld>
             <a:endParaRPr lang="zh-CN" altLang="en-US"/>
           </a:p>
@@ -2674,7 +2684,7 @@
           <p:cNvPr id="6" name="页脚占位符 5">
             <a:extLst>
               <a:ext uri="{FF2B5EF4-FFF2-40B4-BE49-F238E27FC236}">
-                <a16:creationId xmlns:a16="http://schemas.microsoft.com/office/drawing/2014/main" id="{EE530A40-E9AB-470C-87CF-907A47EB8304}"/>
+                <a16:creationId xmlns:a16="http://schemas.microsoft.com/office/drawing/2014/main" id="{01336700-AAA4-463C-8762-23714C0B29BF}"/>
               </a:ext>
             </a:extLst>
           </p:cNvPr>
@@ -2699,7 +2709,7 @@
           <p:cNvPr id="7" name="灯片编号占位符 6">
             <a:extLst>
               <a:ext uri="{FF2B5EF4-FFF2-40B4-BE49-F238E27FC236}">
-                <a16:creationId xmlns:a16="http://schemas.microsoft.com/office/drawing/2014/main" id="{5EA9ECCE-634B-4DD8-8372-E654C449E19C}"/>
+                <a16:creationId xmlns:a16="http://schemas.microsoft.com/office/drawing/2014/main" id="{2A6DB447-D98D-454E-9FB7-6BBFCA1B142C}"/>
               </a:ext>
             </a:extLst>
           </p:cNvPr>
@@ -2715,7 +2725,7 @@
           <a:bodyPr/>
           <a:lstStyle/>
           <a:p>
-            <a:fld id="{96D7B78E-611A-409F-8DEF-2934D65DF5ED}" type="slidenum">
+            <a:fld id="{F31812D8-A73D-43FD-B678-0A49D17BA217}" type="slidenum">
               <a:rPr lang="zh-CN" altLang="en-US" smtClean="0"/>
               <a:t>‹#›</a:t>
             </a:fld>
@@ -2726,7 +2736,7 @@
     </p:spTree>
     <p:extLst>
       <p:ext uri="{BB962C8B-B14F-4D97-AF65-F5344CB8AC3E}">
-        <p14:creationId xmlns:p14="http://schemas.microsoft.com/office/powerpoint/2010/main" val="2422746838"/>
+        <p14:creationId xmlns:p14="http://schemas.microsoft.com/office/powerpoint/2010/main" val="3345621601"/>
       </p:ext>
     </p:extLst>
   </p:cSld>
@@ -2763,7 +2773,7 @@
           <p:cNvPr id="2" name="标题占位符 1">
             <a:extLst>
               <a:ext uri="{FF2B5EF4-FFF2-40B4-BE49-F238E27FC236}">
-                <a16:creationId xmlns:a16="http://schemas.microsoft.com/office/drawing/2014/main" id="{28A7E6F1-D887-4633-9281-E0AB61C637D8}"/>
+                <a16:creationId xmlns:a16="http://schemas.microsoft.com/office/drawing/2014/main" id="{942D6418-AAA3-46EF-A0D1-9BFED249EB30}"/>
               </a:ext>
             </a:extLst>
           </p:cNvPr>
@@ -2801,7 +2811,7 @@
           <p:cNvPr id="3" name="文本占位符 2">
             <a:extLst>
               <a:ext uri="{FF2B5EF4-FFF2-40B4-BE49-F238E27FC236}">
-                <a16:creationId xmlns:a16="http://schemas.microsoft.com/office/drawing/2014/main" id="{C061BF45-CDB8-48CD-ADA7-D0B6D16A1EF3}"/>
+                <a16:creationId xmlns:a16="http://schemas.microsoft.com/office/drawing/2014/main" id="{9DB3D649-9E98-4D30-A6A9-237F1086DD4C}"/>
               </a:ext>
             </a:extLst>
           </p:cNvPr>
@@ -2868,7 +2878,7 @@
           <p:cNvPr id="4" name="日期占位符 3">
             <a:extLst>
               <a:ext uri="{FF2B5EF4-FFF2-40B4-BE49-F238E27FC236}">
-                <a16:creationId xmlns:a16="http://schemas.microsoft.com/office/drawing/2014/main" id="{F05760F7-EA33-4555-B671-7CFA408C364C}"/>
+                <a16:creationId xmlns:a16="http://schemas.microsoft.com/office/drawing/2014/main" id="{8040555A-015D-46B9-A368-13172197C13D}"/>
               </a:ext>
             </a:extLst>
           </p:cNvPr>
@@ -2902,9 +2912,9 @@
             </a:lvl1pPr>
           </a:lstStyle>
           <a:p>
-            <a:fld id="{034A3001-F0E0-4122-BF9C-224B45FC3DAF}" type="datetimeFigureOut">
+            <a:fld id="{D7D94BF0-FE24-4E84-BEA5-B0EBF192CBAF}" type="datetimeFigureOut">
               <a:rPr lang="zh-CN" altLang="en-US" smtClean="0"/>
-              <a:t>2020/4/16</a:t>
+              <a:t>2020/4/24</a:t>
             </a:fld>
             <a:endParaRPr lang="zh-CN" altLang="en-US"/>
           </a:p>
@@ -2915,7 +2925,7 @@
           <p:cNvPr id="5" name="页脚占位符 4">
             <a:extLst>
               <a:ext uri="{FF2B5EF4-FFF2-40B4-BE49-F238E27FC236}">
-                <a16:creationId xmlns:a16="http://schemas.microsoft.com/office/drawing/2014/main" id="{2D287081-F48D-438D-BC0C-E5BC9CD39E98}"/>
+                <a16:creationId xmlns:a16="http://schemas.microsoft.com/office/drawing/2014/main" id="{ECE1C40A-6B54-4149-B901-6B0C5E383397}"/>
               </a:ext>
             </a:extLst>
           </p:cNvPr>
@@ -2958,7 +2968,7 @@
           <p:cNvPr id="6" name="灯片编号占位符 5">
             <a:extLst>
               <a:ext uri="{FF2B5EF4-FFF2-40B4-BE49-F238E27FC236}">
-                <a16:creationId xmlns:a16="http://schemas.microsoft.com/office/drawing/2014/main" id="{710C1051-F030-4506-B005-D923450337E1}"/>
+                <a16:creationId xmlns:a16="http://schemas.microsoft.com/office/drawing/2014/main" id="{76B59125-E527-46BD-9195-8AA24B764754}"/>
               </a:ext>
             </a:extLst>
           </p:cNvPr>
@@ -2992,7 +3002,7 @@
             </a:lvl1pPr>
           </a:lstStyle>
           <a:p>
-            <a:fld id="{96D7B78E-611A-409F-8DEF-2934D65DF5ED}" type="slidenum">
+            <a:fld id="{F31812D8-A73D-43FD-B678-0A49D17BA217}" type="slidenum">
               <a:rPr lang="zh-CN" altLang="en-US" smtClean="0"/>
               <a:t>‹#›</a:t>
             </a:fld>
@@ -3003,7 +3013,7 @@
     </p:spTree>
     <p:extLst>
       <p:ext uri="{BB962C8B-B14F-4D97-AF65-F5344CB8AC3E}">
-        <p14:creationId xmlns:p14="http://schemas.microsoft.com/office/powerpoint/2010/main" val="315275578"/>
+        <p14:creationId xmlns:p14="http://schemas.microsoft.com/office/powerpoint/2010/main" val="3164767496"/>
       </p:ext>
     </p:extLst>
   </p:cSld>
@@ -3326,7 +3336,7 @@
           <p:cNvPr id="2" name="标题 1">
             <a:extLst>
               <a:ext uri="{FF2B5EF4-FFF2-40B4-BE49-F238E27FC236}">
-                <a16:creationId xmlns:a16="http://schemas.microsoft.com/office/drawing/2014/main" id="{1FFD133D-DE54-45CC-8E8C-EADC5B091D1E}"/>
+                <a16:creationId xmlns:a16="http://schemas.microsoft.com/office/drawing/2014/main" id="{6DAD5C34-48A0-4C1B-BBA2-4ABDA703EDAE}"/>
               </a:ext>
             </a:extLst>
           </p:cNvPr>
@@ -3343,8 +3353,8 @@
           <a:lstStyle/>
           <a:p>
             <a:r>
-              <a:rPr lang="zh-CN" altLang="en-US"/>
-              <a:t>软件重构</a:t>
+              <a:rPr lang="zh-CN" altLang="en-US" dirty="0"/>
+              <a:t>课程报告</a:t>
             </a:r>
           </a:p>
         </p:txBody>
@@ -3354,7 +3364,7 @@
           <p:cNvPr id="3" name="副标题 2">
             <a:extLst>
               <a:ext uri="{FF2B5EF4-FFF2-40B4-BE49-F238E27FC236}">
-                <a16:creationId xmlns:a16="http://schemas.microsoft.com/office/drawing/2014/main" id="{A545F219-1E0A-4BF0-AA26-9DC174100DB5}"/>
+                <a16:creationId xmlns:a16="http://schemas.microsoft.com/office/drawing/2014/main" id="{3382C649-28D2-460C-AAF4-569FDAAC6DF5}"/>
               </a:ext>
             </a:extLst>
           </p:cNvPr>
@@ -3370,14 +3380,1539 @@
           <a:bodyPr/>
           <a:lstStyle/>
           <a:p>
-            <a:endParaRPr lang="zh-CN" altLang="en-US"/>
+            <a:r>
+              <a:rPr lang="en-US" altLang="zh-CN" dirty="0"/>
+              <a:t>MF1833061 </a:t>
+            </a:r>
+            <a:r>
+              <a:rPr lang="zh-CN" altLang="en-US" dirty="0"/>
+              <a:t>沈思远</a:t>
+            </a:r>
           </a:p>
         </p:txBody>
       </p:sp>
     </p:spTree>
     <p:extLst>
       <p:ext uri="{BB962C8B-B14F-4D97-AF65-F5344CB8AC3E}">
-        <p14:creationId xmlns:p14="http://schemas.microsoft.com/office/powerpoint/2010/main" val="2492238378"/>
+        <p14:creationId xmlns:p14="http://schemas.microsoft.com/office/powerpoint/2010/main" val="442683502"/>
+      </p:ext>
+    </p:extLst>
+  </p:cSld>
+  <p:clrMapOvr>
+    <a:masterClrMapping/>
+  </p:clrMapOvr>
+</p:sld>
+</file>
+
+<file path=ppt/slides/slide10.xml><?xml version="1.0" encoding="utf-8"?>
+<p:sld xmlns:a="http://schemas.openxmlformats.org/drawingml/2006/main" xmlns:r="http://schemas.openxmlformats.org/officeDocument/2006/relationships" xmlns:p="http://schemas.openxmlformats.org/presentationml/2006/main">
+  <p:cSld>
+    <p:spTree>
+      <p:nvGrpSpPr>
+        <p:cNvPr id="1" name=""/>
+        <p:cNvGrpSpPr/>
+        <p:nvPr/>
+      </p:nvGrpSpPr>
+      <p:grpSpPr>
+        <a:xfrm>
+          <a:off x="0" y="0"/>
+          <a:ext cx="0" cy="0"/>
+          <a:chOff x="0" y="0"/>
+          <a:chExt cx="0" cy="0"/>
+        </a:xfrm>
+      </p:grpSpPr>
+      <p:sp>
+        <p:nvSpPr>
+          <p:cNvPr id="2" name="标题 1">
+            <a:extLst>
+              <a:ext uri="{FF2B5EF4-FFF2-40B4-BE49-F238E27FC236}">
+                <a16:creationId xmlns:a16="http://schemas.microsoft.com/office/drawing/2014/main" id="{FC3E165B-29BD-42BB-9DF4-04D31A9F974B}"/>
+              </a:ext>
+            </a:extLst>
+          </p:cNvPr>
+          <p:cNvSpPr>
+            <a:spLocks noGrp="1"/>
+          </p:cNvSpPr>
+          <p:nvPr>
+            <p:ph type="title"/>
+          </p:nvPr>
+        </p:nvSpPr>
+        <p:spPr/>
+        <p:txBody>
+          <a:bodyPr/>
+          <a:lstStyle/>
+          <a:p>
+            <a:r>
+              <a:rPr lang="en-US" altLang="zh-CN" dirty="0"/>
+              <a:t>Behavior Preservation</a:t>
+            </a:r>
+            <a:endParaRPr lang="zh-CN" altLang="en-US" dirty="0"/>
+          </a:p>
+        </p:txBody>
+      </p:sp>
+      <p:sp>
+        <p:nvSpPr>
+          <p:cNvPr id="3" name="内容占位符 2">
+            <a:extLst>
+              <a:ext uri="{FF2B5EF4-FFF2-40B4-BE49-F238E27FC236}">
+                <a16:creationId xmlns:a16="http://schemas.microsoft.com/office/drawing/2014/main" id="{8DCD2AB8-09CE-41AC-AB3A-95A8C76880E2}"/>
+              </a:ext>
+            </a:extLst>
+          </p:cNvPr>
+          <p:cNvSpPr>
+            <a:spLocks noGrp="1"/>
+          </p:cNvSpPr>
+          <p:nvPr>
+            <p:ph idx="1"/>
+          </p:nvPr>
+        </p:nvSpPr>
+        <p:spPr/>
+        <p:txBody>
+          <a:bodyPr>
+            <a:normAutofit/>
+          </a:bodyPr>
+          <a:lstStyle/>
+          <a:p>
+            <a:r>
+              <a:rPr lang="en-US" altLang="zh-CN" sz="3600" dirty="0"/>
+              <a:t>Require the preservation of the </a:t>
+            </a:r>
+            <a:r>
+              <a:rPr lang="en-US" altLang="zh-CN" sz="3600" i="1" dirty="0"/>
+              <a:t>syntactic</a:t>
+            </a:r>
+            <a:r>
+              <a:rPr lang="en-US" altLang="zh-CN" sz="3600" dirty="0"/>
+              <a:t> and </a:t>
+            </a:r>
+            <a:r>
+              <a:rPr lang="en-US" altLang="zh-CN" sz="3600" i="1" dirty="0"/>
+              <a:t>semantic</a:t>
+            </a:r>
+            <a:r>
+              <a:rPr lang="en-US" altLang="zh-CN" sz="3600" dirty="0"/>
+              <a:t> properties of a program</a:t>
+            </a:r>
+          </a:p>
+          <a:p>
+            <a:r>
+              <a:rPr lang="en-US" altLang="zh-CN" sz="3600" dirty="0"/>
+              <a:t>Detecting the potential name shadowing</a:t>
+            </a:r>
+          </a:p>
+          <a:p>
+            <a:pPr lvl="1"/>
+            <a:r>
+              <a:rPr lang="en-US" altLang="zh-CN" sz="3200" dirty="0"/>
+              <a:t>Pointer is more difficult</a:t>
+            </a:r>
+            <a:endParaRPr lang="zh-CN" altLang="en-US" sz="3200" dirty="0"/>
+          </a:p>
+        </p:txBody>
+      </p:sp>
+      <p:pic>
+        <p:nvPicPr>
+          <p:cNvPr id="4" name="图片 3">
+            <a:extLst>
+              <a:ext uri="{FF2B5EF4-FFF2-40B4-BE49-F238E27FC236}">
+                <a16:creationId xmlns:a16="http://schemas.microsoft.com/office/drawing/2014/main" id="{5C73E9CB-5C06-4526-846F-E6A30E21C996}"/>
+              </a:ext>
+            </a:extLst>
+          </p:cNvPr>
+          <p:cNvPicPr>
+            <a:picLocks noChangeAspect="1"/>
+          </p:cNvPicPr>
+          <p:nvPr/>
+        </p:nvPicPr>
+        <p:blipFill>
+          <a:blip r:embed="rId2"/>
+          <a:stretch>
+            <a:fillRect/>
+          </a:stretch>
+        </p:blipFill>
+        <p:spPr>
+          <a:xfrm>
+            <a:off x="555741" y="4326771"/>
+            <a:ext cx="4895850" cy="2114550"/>
+          </a:xfrm>
+          <a:prstGeom prst="rect">
+            <a:avLst/>
+          </a:prstGeom>
+        </p:spPr>
+      </p:pic>
+      <p:pic>
+        <p:nvPicPr>
+          <p:cNvPr id="5" name="图片 4">
+            <a:extLst>
+              <a:ext uri="{FF2B5EF4-FFF2-40B4-BE49-F238E27FC236}">
+                <a16:creationId xmlns:a16="http://schemas.microsoft.com/office/drawing/2014/main" id="{04597B66-670D-4AD8-9299-DE899175C6FB}"/>
+              </a:ext>
+            </a:extLst>
+          </p:cNvPr>
+          <p:cNvPicPr>
+            <a:picLocks noChangeAspect="1"/>
+          </p:cNvPicPr>
+          <p:nvPr/>
+        </p:nvPicPr>
+        <p:blipFill>
+          <a:blip r:embed="rId3"/>
+          <a:stretch>
+            <a:fillRect/>
+          </a:stretch>
+        </p:blipFill>
+        <p:spPr>
+          <a:xfrm>
+            <a:off x="5943600" y="4326771"/>
+            <a:ext cx="5410200" cy="2124075"/>
+          </a:xfrm>
+          <a:prstGeom prst="rect">
+            <a:avLst/>
+          </a:prstGeom>
+        </p:spPr>
+      </p:pic>
+      <p:sp>
+        <p:nvSpPr>
+          <p:cNvPr id="6" name="矩形 5">
+            <a:extLst>
+              <a:ext uri="{FF2B5EF4-FFF2-40B4-BE49-F238E27FC236}">
+                <a16:creationId xmlns:a16="http://schemas.microsoft.com/office/drawing/2014/main" id="{FE351740-5FDB-4D19-9BF0-1285324C07EB}"/>
+              </a:ext>
+            </a:extLst>
+          </p:cNvPr>
+          <p:cNvSpPr/>
+          <p:nvPr/>
+        </p:nvSpPr>
+        <p:spPr>
+          <a:xfrm>
+            <a:off x="2211185" y="5220389"/>
+            <a:ext cx="1878677" cy="299258"/>
+          </a:xfrm>
+          <a:prstGeom prst="rect">
+            <a:avLst/>
+          </a:prstGeom>
+          <a:noFill/>
+          <a:ln>
+            <a:solidFill>
+              <a:srgbClr val="FF0000"/>
+            </a:solidFill>
+          </a:ln>
+        </p:spPr>
+        <p:style>
+          <a:lnRef idx="2">
+            <a:schemeClr val="accent6"/>
+          </a:lnRef>
+          <a:fillRef idx="1">
+            <a:schemeClr val="lt1"/>
+          </a:fillRef>
+          <a:effectRef idx="0">
+            <a:schemeClr val="accent6"/>
+          </a:effectRef>
+          <a:fontRef idx="minor">
+            <a:schemeClr val="dk1"/>
+          </a:fontRef>
+        </p:style>
+        <p:txBody>
+          <a:bodyPr rtlCol="0" anchor="ctr"/>
+          <a:lstStyle/>
+          <a:p>
+            <a:pPr algn="ctr"/>
+            <a:endParaRPr lang="zh-CN" altLang="en-US"/>
+          </a:p>
+        </p:txBody>
+      </p:sp>
+      <p:sp>
+        <p:nvSpPr>
+          <p:cNvPr id="8" name="矩形 7">
+            <a:extLst>
+              <a:ext uri="{FF2B5EF4-FFF2-40B4-BE49-F238E27FC236}">
+                <a16:creationId xmlns:a16="http://schemas.microsoft.com/office/drawing/2014/main" id="{D5A87700-EBF3-4194-B34A-CBAA11D6D30B}"/>
+              </a:ext>
+            </a:extLst>
+          </p:cNvPr>
+          <p:cNvSpPr/>
+          <p:nvPr/>
+        </p:nvSpPr>
+        <p:spPr>
+          <a:xfrm>
+            <a:off x="7617235" y="5173286"/>
+            <a:ext cx="1878677" cy="299258"/>
+          </a:xfrm>
+          <a:prstGeom prst="rect">
+            <a:avLst/>
+          </a:prstGeom>
+          <a:noFill/>
+          <a:ln>
+            <a:solidFill>
+              <a:srgbClr val="FF0000"/>
+            </a:solidFill>
+          </a:ln>
+        </p:spPr>
+        <p:style>
+          <a:lnRef idx="2">
+            <a:schemeClr val="accent6"/>
+          </a:lnRef>
+          <a:fillRef idx="1">
+            <a:schemeClr val="lt1"/>
+          </a:fillRef>
+          <a:effectRef idx="0">
+            <a:schemeClr val="accent6"/>
+          </a:effectRef>
+          <a:fontRef idx="minor">
+            <a:schemeClr val="dk1"/>
+          </a:fontRef>
+        </p:style>
+        <p:txBody>
+          <a:bodyPr rtlCol="0" anchor="ctr"/>
+          <a:lstStyle/>
+          <a:p>
+            <a:pPr algn="ctr"/>
+            <a:endParaRPr lang="zh-CN" altLang="en-US"/>
+          </a:p>
+        </p:txBody>
+      </p:sp>
+      <p:sp>
+        <p:nvSpPr>
+          <p:cNvPr id="9" name="矩形 8">
+            <a:extLst>
+              <a:ext uri="{FF2B5EF4-FFF2-40B4-BE49-F238E27FC236}">
+                <a16:creationId xmlns:a16="http://schemas.microsoft.com/office/drawing/2014/main" id="{FC63A312-EE1B-49FC-AB4B-BF9A87BC558B}"/>
+              </a:ext>
+            </a:extLst>
+          </p:cNvPr>
+          <p:cNvSpPr/>
+          <p:nvPr/>
+        </p:nvSpPr>
+        <p:spPr>
+          <a:xfrm>
+            <a:off x="10075025" y="5519648"/>
+            <a:ext cx="997528" cy="315884"/>
+          </a:xfrm>
+          <a:prstGeom prst="rect">
+            <a:avLst/>
+          </a:prstGeom>
+          <a:noFill/>
+          <a:ln>
+            <a:solidFill>
+              <a:srgbClr val="FF0000"/>
+            </a:solidFill>
+          </a:ln>
+        </p:spPr>
+        <p:style>
+          <a:lnRef idx="2">
+            <a:schemeClr val="accent6"/>
+          </a:lnRef>
+          <a:fillRef idx="1">
+            <a:schemeClr val="lt1"/>
+          </a:fillRef>
+          <a:effectRef idx="0">
+            <a:schemeClr val="accent6"/>
+          </a:effectRef>
+          <a:fontRef idx="minor">
+            <a:schemeClr val="dk1"/>
+          </a:fontRef>
+        </p:style>
+        <p:txBody>
+          <a:bodyPr rtlCol="0" anchor="ctr"/>
+          <a:lstStyle/>
+          <a:p>
+            <a:pPr algn="ctr"/>
+            <a:endParaRPr lang="zh-CN" altLang="en-US"/>
+          </a:p>
+        </p:txBody>
+      </p:sp>
+    </p:spTree>
+    <p:extLst>
+      <p:ext uri="{BB962C8B-B14F-4D97-AF65-F5344CB8AC3E}">
+        <p14:creationId xmlns:p14="http://schemas.microsoft.com/office/powerpoint/2010/main" val="3464763122"/>
+      </p:ext>
+    </p:extLst>
+  </p:cSld>
+  <p:clrMapOvr>
+    <a:masterClrMapping/>
+  </p:clrMapOvr>
+</p:sld>
+</file>
+
+<file path=ppt/slides/slide11.xml><?xml version="1.0" encoding="utf-8"?>
+<p:sld xmlns:a="http://schemas.openxmlformats.org/drawingml/2006/main" xmlns:r="http://schemas.openxmlformats.org/officeDocument/2006/relationships" xmlns:p="http://schemas.openxmlformats.org/presentationml/2006/main">
+  <p:cSld>
+    <p:spTree>
+      <p:nvGrpSpPr>
+        <p:cNvPr id="1" name=""/>
+        <p:cNvGrpSpPr/>
+        <p:nvPr/>
+      </p:nvGrpSpPr>
+      <p:grpSpPr>
+        <a:xfrm>
+          <a:off x="0" y="0"/>
+          <a:ext cx="0" cy="0"/>
+          <a:chOff x="0" y="0"/>
+          <a:chExt cx="0" cy="0"/>
+        </a:xfrm>
+      </p:grpSpPr>
+      <p:sp>
+        <p:nvSpPr>
+          <p:cNvPr id="2" name="标题 1">
+            <a:extLst>
+              <a:ext uri="{FF2B5EF4-FFF2-40B4-BE49-F238E27FC236}">
+                <a16:creationId xmlns:a16="http://schemas.microsoft.com/office/drawing/2014/main" id="{76875082-03C4-4F0C-BCD1-64A898ED3480}"/>
+              </a:ext>
+            </a:extLst>
+          </p:cNvPr>
+          <p:cNvSpPr>
+            <a:spLocks noGrp="1"/>
+          </p:cNvSpPr>
+          <p:nvPr>
+            <p:ph type="title"/>
+          </p:nvPr>
+        </p:nvSpPr>
+        <p:spPr/>
+        <p:txBody>
+          <a:bodyPr/>
+          <a:lstStyle/>
+          <a:p>
+            <a:r>
+              <a:rPr lang="en-US" altLang="zh-CN" dirty="0"/>
+              <a:t>Behavior Preservation</a:t>
+            </a:r>
+            <a:endParaRPr lang="zh-CN" altLang="en-US" dirty="0"/>
+          </a:p>
+        </p:txBody>
+      </p:sp>
+      <p:sp>
+        <p:nvSpPr>
+          <p:cNvPr id="3" name="内容占位符 2">
+            <a:extLst>
+              <a:ext uri="{FF2B5EF4-FFF2-40B4-BE49-F238E27FC236}">
+                <a16:creationId xmlns:a16="http://schemas.microsoft.com/office/drawing/2014/main" id="{FC06E15B-01EB-4C6C-BAAE-836F88F2FDB8}"/>
+              </a:ext>
+            </a:extLst>
+          </p:cNvPr>
+          <p:cNvSpPr>
+            <a:spLocks noGrp="1"/>
+          </p:cNvSpPr>
+          <p:nvPr>
+            <p:ph idx="1"/>
+          </p:nvPr>
+        </p:nvSpPr>
+        <p:spPr/>
+        <p:txBody>
+          <a:bodyPr>
+            <a:normAutofit/>
+          </a:bodyPr>
+          <a:lstStyle/>
+          <a:p>
+            <a:r>
+              <a:rPr lang="en-US" altLang="zh-CN" sz="4000" dirty="0"/>
+              <a:t>Real-time systems and embedded systems</a:t>
+            </a:r>
+          </a:p>
+          <a:p>
+            <a:pPr lvl="1"/>
+            <a:r>
+              <a:rPr lang="en-US" altLang="zh-CN" sz="3600" dirty="0"/>
+              <a:t>resource and runtime constraints</a:t>
+            </a:r>
+          </a:p>
+          <a:p>
+            <a:pPr lvl="2"/>
+            <a:r>
+              <a:rPr lang="en-US" altLang="zh-CN" sz="3200" dirty="0"/>
+              <a:t>memory usage and power consumption</a:t>
+            </a:r>
+            <a:endParaRPr lang="zh-CN" altLang="en-US" sz="3200" dirty="0"/>
+          </a:p>
+        </p:txBody>
+      </p:sp>
+    </p:spTree>
+    <p:extLst>
+      <p:ext uri="{BB962C8B-B14F-4D97-AF65-F5344CB8AC3E}">
+        <p14:creationId xmlns:p14="http://schemas.microsoft.com/office/powerpoint/2010/main" val="1928561727"/>
+      </p:ext>
+    </p:extLst>
+  </p:cSld>
+  <p:clrMapOvr>
+    <a:masterClrMapping/>
+  </p:clrMapOvr>
+</p:sld>
+</file>
+
+<file path=ppt/slides/slide2.xml><?xml version="1.0" encoding="utf-8"?>
+<p:sld xmlns:a="http://schemas.openxmlformats.org/drawingml/2006/main" xmlns:r="http://schemas.openxmlformats.org/officeDocument/2006/relationships" xmlns:p="http://schemas.openxmlformats.org/presentationml/2006/main">
+  <p:cSld>
+    <p:spTree>
+      <p:nvGrpSpPr>
+        <p:cNvPr id="1" name=""/>
+        <p:cNvGrpSpPr/>
+        <p:nvPr/>
+      </p:nvGrpSpPr>
+      <p:grpSpPr>
+        <a:xfrm>
+          <a:off x="0" y="0"/>
+          <a:ext cx="0" cy="0"/>
+          <a:chOff x="0" y="0"/>
+          <a:chExt cx="0" cy="0"/>
+        </a:xfrm>
+      </p:grpSpPr>
+      <p:sp>
+        <p:nvSpPr>
+          <p:cNvPr id="2" name="标题 1">
+            <a:extLst>
+              <a:ext uri="{FF2B5EF4-FFF2-40B4-BE49-F238E27FC236}">
+                <a16:creationId xmlns:a16="http://schemas.microsoft.com/office/drawing/2014/main" id="{775201A9-CFF7-4E4F-9BBA-915E04999959}"/>
+              </a:ext>
+            </a:extLst>
+          </p:cNvPr>
+          <p:cNvSpPr>
+            <a:spLocks noGrp="1"/>
+          </p:cNvSpPr>
+          <p:nvPr>
+            <p:ph type="title"/>
+          </p:nvPr>
+        </p:nvSpPr>
+        <p:spPr/>
+        <p:txBody>
+          <a:bodyPr/>
+          <a:lstStyle/>
+          <a:p>
+            <a:endParaRPr lang="zh-CN" altLang="en-US" dirty="0"/>
+          </a:p>
+        </p:txBody>
+      </p:sp>
+      <p:sp>
+        <p:nvSpPr>
+          <p:cNvPr id="3" name="内容占位符 2">
+            <a:extLst>
+              <a:ext uri="{FF2B5EF4-FFF2-40B4-BE49-F238E27FC236}">
+                <a16:creationId xmlns:a16="http://schemas.microsoft.com/office/drawing/2014/main" id="{69F03AFD-FE5A-49AB-8D54-F9A2C37C4AA3}"/>
+              </a:ext>
+            </a:extLst>
+          </p:cNvPr>
+          <p:cNvSpPr>
+            <a:spLocks noGrp="1"/>
+          </p:cNvSpPr>
+          <p:nvPr>
+            <p:ph idx="1"/>
+          </p:nvPr>
+        </p:nvSpPr>
+        <p:spPr/>
+        <p:txBody>
+          <a:bodyPr/>
+          <a:lstStyle/>
+          <a:p>
+            <a:r>
+              <a:rPr lang="en-US" altLang="zh-CN" dirty="0"/>
+              <a:t>Introduction</a:t>
+            </a:r>
+          </a:p>
+          <a:p>
+            <a:r>
+              <a:rPr lang="en-US" altLang="zh-CN" dirty="0"/>
+              <a:t>A running example</a:t>
+            </a:r>
+          </a:p>
+          <a:p>
+            <a:r>
+              <a:rPr lang="en-US" altLang="zh-CN" dirty="0"/>
+              <a:t>Introduction to refactoring tools</a:t>
+            </a:r>
+          </a:p>
+          <a:p>
+            <a:r>
+              <a:rPr lang="en-US" altLang="zh-CN" dirty="0"/>
+              <a:t>Implementation challenges</a:t>
+            </a:r>
+          </a:p>
+          <a:p>
+            <a:endParaRPr lang="en-US" altLang="zh-CN" dirty="0"/>
+          </a:p>
+          <a:p>
+            <a:endParaRPr lang="zh-CN" altLang="en-US" dirty="0"/>
+          </a:p>
+        </p:txBody>
+      </p:sp>
+    </p:spTree>
+    <p:extLst>
+      <p:ext uri="{BB962C8B-B14F-4D97-AF65-F5344CB8AC3E}">
+        <p14:creationId xmlns:p14="http://schemas.microsoft.com/office/powerpoint/2010/main" val="2455882716"/>
+      </p:ext>
+    </p:extLst>
+  </p:cSld>
+  <p:clrMapOvr>
+    <a:masterClrMapping/>
+  </p:clrMapOvr>
+</p:sld>
+</file>
+
+<file path=ppt/slides/slide3.xml><?xml version="1.0" encoding="utf-8"?>
+<p:sld xmlns:a="http://schemas.openxmlformats.org/drawingml/2006/main" xmlns:r="http://schemas.openxmlformats.org/officeDocument/2006/relationships" xmlns:p="http://schemas.openxmlformats.org/presentationml/2006/main">
+  <p:cSld>
+    <p:spTree>
+      <p:nvGrpSpPr>
+        <p:cNvPr id="1" name=""/>
+        <p:cNvGrpSpPr/>
+        <p:nvPr/>
+      </p:nvGrpSpPr>
+      <p:grpSpPr>
+        <a:xfrm>
+          <a:off x="0" y="0"/>
+          <a:ext cx="0" cy="0"/>
+          <a:chOff x="0" y="0"/>
+          <a:chExt cx="0" cy="0"/>
+        </a:xfrm>
+      </p:grpSpPr>
+      <p:sp>
+        <p:nvSpPr>
+          <p:cNvPr id="2" name="标题 1">
+            <a:extLst>
+              <a:ext uri="{FF2B5EF4-FFF2-40B4-BE49-F238E27FC236}">
+                <a16:creationId xmlns:a16="http://schemas.microsoft.com/office/drawing/2014/main" id="{0F2A12CB-5DC1-4418-86FE-967CC9A4DE7B}"/>
+              </a:ext>
+            </a:extLst>
+          </p:cNvPr>
+          <p:cNvSpPr>
+            <a:spLocks noGrp="1"/>
+          </p:cNvSpPr>
+          <p:nvPr>
+            <p:ph type="title"/>
+          </p:nvPr>
+        </p:nvSpPr>
+        <p:spPr/>
+        <p:txBody>
+          <a:bodyPr/>
+          <a:lstStyle/>
+          <a:p>
+            <a:r>
+              <a:rPr lang="en-US" altLang="zh-CN" dirty="0"/>
+              <a:t>Introduction</a:t>
+            </a:r>
+            <a:endParaRPr lang="zh-CN" altLang="en-US" dirty="0"/>
+          </a:p>
+        </p:txBody>
+      </p:sp>
+      <p:sp>
+        <p:nvSpPr>
+          <p:cNvPr id="3" name="内容占位符 2">
+            <a:extLst>
+              <a:ext uri="{FF2B5EF4-FFF2-40B4-BE49-F238E27FC236}">
+                <a16:creationId xmlns:a16="http://schemas.microsoft.com/office/drawing/2014/main" id="{A225D64C-F1EA-4B47-BB33-DFE71C602D31}"/>
+              </a:ext>
+            </a:extLst>
+          </p:cNvPr>
+          <p:cNvSpPr>
+            <a:spLocks noGrp="1"/>
+          </p:cNvSpPr>
+          <p:nvPr>
+            <p:ph idx="1"/>
+          </p:nvPr>
+        </p:nvSpPr>
+        <p:spPr>
+          <a:xfrm>
+            <a:off x="838200" y="1825625"/>
+            <a:ext cx="11098876" cy="4492048"/>
+          </a:xfrm>
+        </p:spPr>
+        <p:txBody>
+          <a:bodyPr>
+            <a:normAutofit/>
+          </a:bodyPr>
+          <a:lstStyle/>
+          <a:p>
+            <a:r>
+              <a:rPr lang="en-US" altLang="zh-CN" sz="3600" dirty="0"/>
+              <a:t>The major part of the total software development cost is devoted to </a:t>
+            </a:r>
+            <a:r>
+              <a:rPr lang="en-US" altLang="zh-CN" sz="3600" dirty="0">
+                <a:solidFill>
+                  <a:srgbClr val="FF0000"/>
+                </a:solidFill>
+              </a:rPr>
+              <a:t>software maintenance</a:t>
+            </a:r>
+          </a:p>
+          <a:p>
+            <a:r>
+              <a:rPr lang="en-US" altLang="zh-CN" sz="3600" dirty="0"/>
+              <a:t>Refactoring can improve the internal software quality</a:t>
+            </a:r>
+          </a:p>
+          <a:p>
+            <a:pPr lvl="1"/>
+            <a:r>
+              <a:rPr lang="en-US" altLang="zh-CN" sz="3200" dirty="0"/>
+              <a:t>the transformation from one representation form to another at the same relative abstraction level, while preserving the subject system’s external behavior</a:t>
+            </a:r>
+          </a:p>
+          <a:p>
+            <a:pPr lvl="1"/>
+            <a:r>
+              <a:rPr lang="en-US" altLang="zh-CN" sz="3200" dirty="0"/>
+              <a:t>Improve software system’s internal structure</a:t>
+            </a:r>
+            <a:endParaRPr lang="zh-CN" altLang="en-US" sz="3200" dirty="0"/>
+          </a:p>
+        </p:txBody>
+      </p:sp>
+    </p:spTree>
+    <p:extLst>
+      <p:ext uri="{BB962C8B-B14F-4D97-AF65-F5344CB8AC3E}">
+        <p14:creationId xmlns:p14="http://schemas.microsoft.com/office/powerpoint/2010/main" val="1761101394"/>
+      </p:ext>
+    </p:extLst>
+  </p:cSld>
+  <p:clrMapOvr>
+    <a:masterClrMapping/>
+  </p:clrMapOvr>
+</p:sld>
+</file>
+
+<file path=ppt/slides/slide4.xml><?xml version="1.0" encoding="utf-8"?>
+<p:sld xmlns:a="http://schemas.openxmlformats.org/drawingml/2006/main" xmlns:r="http://schemas.openxmlformats.org/officeDocument/2006/relationships" xmlns:p="http://schemas.openxmlformats.org/presentationml/2006/main">
+  <p:cSld>
+    <p:spTree>
+      <p:nvGrpSpPr>
+        <p:cNvPr id="1" name=""/>
+        <p:cNvGrpSpPr/>
+        <p:nvPr/>
+      </p:nvGrpSpPr>
+      <p:grpSpPr>
+        <a:xfrm>
+          <a:off x="0" y="0"/>
+          <a:ext cx="0" cy="0"/>
+          <a:chOff x="0" y="0"/>
+          <a:chExt cx="0" cy="0"/>
+        </a:xfrm>
+      </p:grpSpPr>
+      <p:sp>
+        <p:nvSpPr>
+          <p:cNvPr id="2" name="标题 1">
+            <a:extLst>
+              <a:ext uri="{FF2B5EF4-FFF2-40B4-BE49-F238E27FC236}">
+                <a16:creationId xmlns:a16="http://schemas.microsoft.com/office/drawing/2014/main" id="{5FA21571-57FF-4422-AE11-D99CC7066D12}"/>
+              </a:ext>
+            </a:extLst>
+          </p:cNvPr>
+          <p:cNvSpPr>
+            <a:spLocks noGrp="1"/>
+          </p:cNvSpPr>
+          <p:nvPr>
+            <p:ph type="title"/>
+          </p:nvPr>
+        </p:nvSpPr>
+        <p:spPr/>
+        <p:txBody>
+          <a:bodyPr/>
+          <a:lstStyle/>
+          <a:p>
+            <a:r>
+              <a:rPr lang="en-US" altLang="zh-CN" dirty="0"/>
+              <a:t>A running example</a:t>
+            </a:r>
+            <a:endParaRPr lang="zh-CN" altLang="en-US" dirty="0"/>
+          </a:p>
+        </p:txBody>
+      </p:sp>
+      <p:pic>
+        <p:nvPicPr>
+          <p:cNvPr id="4" name="内容占位符 3">
+            <a:extLst>
+              <a:ext uri="{FF2B5EF4-FFF2-40B4-BE49-F238E27FC236}">
+                <a16:creationId xmlns:a16="http://schemas.microsoft.com/office/drawing/2014/main" id="{CE823AF4-D390-4959-8F22-2A8119463E56}"/>
+              </a:ext>
+            </a:extLst>
+          </p:cNvPr>
+          <p:cNvPicPr>
+            <a:picLocks noGrp="1" noChangeAspect="1"/>
+          </p:cNvPicPr>
+          <p:nvPr>
+            <p:ph idx="1"/>
+          </p:nvPr>
+        </p:nvPicPr>
+        <p:blipFill>
+          <a:blip r:embed="rId2"/>
+          <a:stretch>
+            <a:fillRect/>
+          </a:stretch>
+        </p:blipFill>
+        <p:spPr>
+          <a:xfrm>
+            <a:off x="271549" y="1690688"/>
+            <a:ext cx="6872343" cy="4163536"/>
+          </a:xfrm>
+          <a:prstGeom prst="rect">
+            <a:avLst/>
+          </a:prstGeom>
+        </p:spPr>
+      </p:pic>
+      <p:sp>
+        <p:nvSpPr>
+          <p:cNvPr id="5" name="文本框 4">
+            <a:extLst>
+              <a:ext uri="{FF2B5EF4-FFF2-40B4-BE49-F238E27FC236}">
+                <a16:creationId xmlns:a16="http://schemas.microsoft.com/office/drawing/2014/main" id="{7B669E61-5EF1-40C7-8623-F84FD7B5B43E}"/>
+              </a:ext>
+            </a:extLst>
+          </p:cNvPr>
+          <p:cNvSpPr txBox="1"/>
+          <p:nvPr/>
+        </p:nvSpPr>
+        <p:spPr>
+          <a:xfrm>
+            <a:off x="6096000" y="5854224"/>
+            <a:ext cx="5257800" cy="584775"/>
+          </a:xfrm>
+          <a:prstGeom prst="rect">
+            <a:avLst/>
+          </a:prstGeom>
+          <a:noFill/>
+        </p:spPr>
+        <p:txBody>
+          <a:bodyPr wrap="square" rtlCol="0">
+            <a:spAutoFit/>
+          </a:bodyPr>
+          <a:lstStyle/>
+          <a:p>
+            <a:r>
+              <a:rPr lang="en-US" altLang="zh-CN" sz="3200" dirty="0">
+                <a:solidFill>
+                  <a:srgbClr val="FF0000"/>
+                </a:solidFill>
+              </a:rPr>
+              <a:t>This design is not optimal</a:t>
+            </a:r>
+            <a:endParaRPr lang="zh-CN" altLang="en-US" sz="3200" dirty="0">
+              <a:solidFill>
+                <a:srgbClr val="FF0000"/>
+              </a:solidFill>
+            </a:endParaRPr>
+          </a:p>
+        </p:txBody>
+      </p:sp>
+    </p:spTree>
+    <p:extLst>
+      <p:ext uri="{BB962C8B-B14F-4D97-AF65-F5344CB8AC3E}">
+        <p14:creationId xmlns:p14="http://schemas.microsoft.com/office/powerpoint/2010/main" val="3048897765"/>
+      </p:ext>
+    </p:extLst>
+  </p:cSld>
+  <p:clrMapOvr>
+    <a:masterClrMapping/>
+  </p:clrMapOvr>
+</p:sld>
+</file>
+
+<file path=ppt/slides/slide5.xml><?xml version="1.0" encoding="utf-8"?>
+<p:sld xmlns:a="http://schemas.openxmlformats.org/drawingml/2006/main" xmlns:r="http://schemas.openxmlformats.org/officeDocument/2006/relationships" xmlns:p="http://schemas.openxmlformats.org/presentationml/2006/main">
+  <p:cSld>
+    <p:spTree>
+      <p:nvGrpSpPr>
+        <p:cNvPr id="1" name=""/>
+        <p:cNvGrpSpPr/>
+        <p:nvPr/>
+      </p:nvGrpSpPr>
+      <p:grpSpPr>
+        <a:xfrm>
+          <a:off x="0" y="0"/>
+          <a:ext cx="0" cy="0"/>
+          <a:chOff x="0" y="0"/>
+          <a:chExt cx="0" cy="0"/>
+        </a:xfrm>
+      </p:grpSpPr>
+      <p:sp>
+        <p:nvSpPr>
+          <p:cNvPr id="2" name="标题 1">
+            <a:extLst>
+              <a:ext uri="{FF2B5EF4-FFF2-40B4-BE49-F238E27FC236}">
+                <a16:creationId xmlns:a16="http://schemas.microsoft.com/office/drawing/2014/main" id="{57DC46BB-4153-42E8-8280-852A129E7491}"/>
+              </a:ext>
+            </a:extLst>
+          </p:cNvPr>
+          <p:cNvSpPr>
+            <a:spLocks noGrp="1"/>
+          </p:cNvSpPr>
+          <p:nvPr>
+            <p:ph type="title"/>
+          </p:nvPr>
+        </p:nvSpPr>
+        <p:spPr/>
+        <p:txBody>
+          <a:bodyPr/>
+          <a:lstStyle/>
+          <a:p>
+            <a:r>
+              <a:rPr lang="en-US" altLang="zh-CN" dirty="0"/>
+              <a:t>A running example</a:t>
+            </a:r>
+            <a:endParaRPr lang="zh-CN" altLang="en-US" dirty="0"/>
+          </a:p>
+        </p:txBody>
+      </p:sp>
+      <p:pic>
+        <p:nvPicPr>
+          <p:cNvPr id="4" name="内容占位符 3">
+            <a:extLst>
+              <a:ext uri="{FF2B5EF4-FFF2-40B4-BE49-F238E27FC236}">
+                <a16:creationId xmlns:a16="http://schemas.microsoft.com/office/drawing/2014/main" id="{AA373D19-A224-457B-ACD4-1AD6188A74E9}"/>
+              </a:ext>
+            </a:extLst>
+          </p:cNvPr>
+          <p:cNvPicPr>
+            <a:picLocks noGrp="1" noChangeAspect="1"/>
+          </p:cNvPicPr>
+          <p:nvPr>
+            <p:ph idx="1"/>
+          </p:nvPr>
+        </p:nvPicPr>
+        <p:blipFill>
+          <a:blip r:embed="rId2"/>
+          <a:stretch>
+            <a:fillRect/>
+          </a:stretch>
+        </p:blipFill>
+        <p:spPr>
+          <a:xfrm>
+            <a:off x="838200" y="1900851"/>
+            <a:ext cx="9995829" cy="3163237"/>
+          </a:xfrm>
+          <a:prstGeom prst="rect">
+            <a:avLst/>
+          </a:prstGeom>
+        </p:spPr>
+      </p:pic>
+      <p:sp>
+        <p:nvSpPr>
+          <p:cNvPr id="5" name="矩形 4">
+            <a:extLst>
+              <a:ext uri="{FF2B5EF4-FFF2-40B4-BE49-F238E27FC236}">
+                <a16:creationId xmlns:a16="http://schemas.microsoft.com/office/drawing/2014/main" id="{F0DEB939-AC02-479C-87C4-7B7EBFF485F7}"/>
+              </a:ext>
+            </a:extLst>
+          </p:cNvPr>
+          <p:cNvSpPr/>
+          <p:nvPr/>
+        </p:nvSpPr>
+        <p:spPr>
+          <a:xfrm>
+            <a:off x="838200" y="5274251"/>
+            <a:ext cx="11121043" cy="954107"/>
+          </a:xfrm>
+          <a:prstGeom prst="rect">
+            <a:avLst/>
+          </a:prstGeom>
+        </p:spPr>
+        <p:txBody>
+          <a:bodyPr wrap="square">
+            <a:spAutoFit/>
+          </a:bodyPr>
+          <a:lstStyle/>
+          <a:p>
+            <a:r>
+              <a:rPr lang="en-US" altLang="zh-CN" sz="2800" dirty="0">
+                <a:solidFill>
+                  <a:srgbClr val="FF0000"/>
+                </a:solidFill>
+                <a:effectLst/>
+              </a:rPr>
+              <a:t>new functionality can be added by simply creating a new subclass of </a:t>
+            </a:r>
+            <a:r>
+              <a:rPr lang="en-US" altLang="zh-CN" sz="2800" i="1" dirty="0">
+                <a:solidFill>
+                  <a:srgbClr val="FF0000"/>
+                </a:solidFill>
+                <a:effectLst/>
+              </a:rPr>
+              <a:t>Visitor </a:t>
+            </a:r>
+            <a:r>
+              <a:rPr lang="en-US" altLang="zh-CN" sz="2800" dirty="0">
+                <a:solidFill>
+                  <a:srgbClr val="FF0000"/>
+                </a:solidFill>
+                <a:effectLst/>
+              </a:rPr>
+              <a:t>, and implementing the </a:t>
+            </a:r>
+            <a:r>
+              <a:rPr lang="en-US" altLang="zh-CN" sz="2800" b="1" i="1" dirty="0">
+                <a:solidFill>
+                  <a:srgbClr val="FF0000"/>
+                </a:solidFill>
+                <a:effectLst/>
+              </a:rPr>
+              <a:t>visit*  </a:t>
+            </a:r>
+            <a:r>
+              <a:rPr lang="en-US" altLang="zh-CN" sz="2800" dirty="0">
+                <a:solidFill>
+                  <a:srgbClr val="FF0000"/>
+                </a:solidFill>
+                <a:effectLst/>
+              </a:rPr>
+              <a:t>methods appropriately.</a:t>
+            </a:r>
+          </a:p>
+        </p:txBody>
+      </p:sp>
+    </p:spTree>
+    <p:extLst>
+      <p:ext uri="{BB962C8B-B14F-4D97-AF65-F5344CB8AC3E}">
+        <p14:creationId xmlns:p14="http://schemas.microsoft.com/office/powerpoint/2010/main" val="525639463"/>
+      </p:ext>
+    </p:extLst>
+  </p:cSld>
+  <p:clrMapOvr>
+    <a:masterClrMapping/>
+  </p:clrMapOvr>
+</p:sld>
+</file>
+
+<file path=ppt/slides/slide6.xml><?xml version="1.0" encoding="utf-8"?>
+<p:sld xmlns:a="http://schemas.openxmlformats.org/drawingml/2006/main" xmlns:r="http://schemas.openxmlformats.org/officeDocument/2006/relationships" xmlns:p="http://schemas.openxmlformats.org/presentationml/2006/main">
+  <p:cSld>
+    <p:spTree>
+      <p:nvGrpSpPr>
+        <p:cNvPr id="1" name=""/>
+        <p:cNvGrpSpPr/>
+        <p:nvPr/>
+      </p:nvGrpSpPr>
+      <p:grpSpPr>
+        <a:xfrm>
+          <a:off x="0" y="0"/>
+          <a:ext cx="0" cy="0"/>
+          <a:chOff x="0" y="0"/>
+          <a:chExt cx="0" cy="0"/>
+        </a:xfrm>
+      </p:grpSpPr>
+      <p:sp>
+        <p:nvSpPr>
+          <p:cNvPr id="2" name="标题 1">
+            <a:extLst>
+              <a:ext uri="{FF2B5EF4-FFF2-40B4-BE49-F238E27FC236}">
+                <a16:creationId xmlns:a16="http://schemas.microsoft.com/office/drawing/2014/main" id="{AD0F1475-266C-4396-88FC-DF4CFECD32C0}"/>
+              </a:ext>
+            </a:extLst>
+          </p:cNvPr>
+          <p:cNvSpPr>
+            <a:spLocks noGrp="1"/>
+          </p:cNvSpPr>
+          <p:nvPr>
+            <p:ph type="title"/>
+          </p:nvPr>
+        </p:nvSpPr>
+        <p:spPr/>
+        <p:txBody>
+          <a:bodyPr/>
+          <a:lstStyle/>
+          <a:p>
+            <a:endParaRPr lang="zh-CN" altLang="en-US"/>
+          </a:p>
+        </p:txBody>
+      </p:sp>
+      <p:sp>
+        <p:nvSpPr>
+          <p:cNvPr id="3" name="内容占位符 2">
+            <a:extLst>
+              <a:ext uri="{FF2B5EF4-FFF2-40B4-BE49-F238E27FC236}">
+                <a16:creationId xmlns:a16="http://schemas.microsoft.com/office/drawing/2014/main" id="{758D652B-B4EF-4B1C-AC3C-E07DDF91E5E6}"/>
+              </a:ext>
+            </a:extLst>
+          </p:cNvPr>
+          <p:cNvSpPr>
+            <a:spLocks noGrp="1"/>
+          </p:cNvSpPr>
+          <p:nvPr>
+            <p:ph idx="1"/>
+          </p:nvPr>
+        </p:nvSpPr>
+        <p:spPr/>
+        <p:txBody>
+          <a:bodyPr/>
+          <a:lstStyle/>
+          <a:p>
+            <a:r>
+              <a:rPr lang="en-US" altLang="zh-CN" dirty="0"/>
+              <a:t>Composite refactoring for renaming and moving </a:t>
+            </a:r>
+            <a:r>
+              <a:rPr lang="en-US" altLang="zh-CN" b="1" i="1" dirty="0"/>
+              <a:t>print </a:t>
+            </a:r>
+            <a:r>
+              <a:rPr lang="en-US" altLang="zh-CN" dirty="0"/>
+              <a:t>methods from the </a:t>
+            </a:r>
+            <a:r>
+              <a:rPr lang="en-US" altLang="zh-CN" i="1" dirty="0"/>
+              <a:t>Document</a:t>
+            </a:r>
+            <a:r>
+              <a:rPr lang="en-US" altLang="zh-CN" dirty="0"/>
+              <a:t> subclasses to the </a:t>
+            </a:r>
+            <a:r>
+              <a:rPr lang="en-US" altLang="zh-CN" i="1" dirty="0"/>
+              <a:t>Printer</a:t>
+            </a:r>
+            <a:r>
+              <a:rPr lang="en-US" altLang="zh-CN" dirty="0"/>
+              <a:t> class</a:t>
+            </a:r>
+            <a:endParaRPr lang="zh-CN" altLang="en-US" dirty="0"/>
+          </a:p>
+        </p:txBody>
+      </p:sp>
+      <p:pic>
+        <p:nvPicPr>
+          <p:cNvPr id="5" name="图片 4">
+            <a:extLst>
+              <a:ext uri="{FF2B5EF4-FFF2-40B4-BE49-F238E27FC236}">
+                <a16:creationId xmlns:a16="http://schemas.microsoft.com/office/drawing/2014/main" id="{8E2F4EF8-9B87-4A71-8CD1-3C7085028972}"/>
+              </a:ext>
+            </a:extLst>
+          </p:cNvPr>
+          <p:cNvPicPr>
+            <a:picLocks noChangeAspect="1"/>
+          </p:cNvPicPr>
+          <p:nvPr/>
+        </p:nvPicPr>
+        <p:blipFill>
+          <a:blip r:embed="rId2"/>
+          <a:stretch>
+            <a:fillRect/>
+          </a:stretch>
+        </p:blipFill>
+        <p:spPr>
+          <a:xfrm>
+            <a:off x="1415761" y="2592940"/>
+            <a:ext cx="7994246" cy="4078036"/>
+          </a:xfrm>
+          <a:prstGeom prst="rect">
+            <a:avLst/>
+          </a:prstGeom>
+        </p:spPr>
+      </p:pic>
+    </p:spTree>
+    <p:extLst>
+      <p:ext uri="{BB962C8B-B14F-4D97-AF65-F5344CB8AC3E}">
+        <p14:creationId xmlns:p14="http://schemas.microsoft.com/office/powerpoint/2010/main" val="2532830398"/>
+      </p:ext>
+    </p:extLst>
+  </p:cSld>
+  <p:clrMapOvr>
+    <a:masterClrMapping/>
+  </p:clrMapOvr>
+</p:sld>
+</file>
+
+<file path=ppt/slides/slide7.xml><?xml version="1.0" encoding="utf-8"?>
+<p:sld xmlns:a="http://schemas.openxmlformats.org/drawingml/2006/main" xmlns:r="http://schemas.openxmlformats.org/officeDocument/2006/relationships" xmlns:p="http://schemas.openxmlformats.org/presentationml/2006/main">
+  <p:cSld>
+    <p:spTree>
+      <p:nvGrpSpPr>
+        <p:cNvPr id="1" name=""/>
+        <p:cNvGrpSpPr/>
+        <p:nvPr/>
+      </p:nvGrpSpPr>
+      <p:grpSpPr>
+        <a:xfrm>
+          <a:off x="0" y="0"/>
+          <a:ext cx="0" cy="0"/>
+          <a:chOff x="0" y="0"/>
+          <a:chExt cx="0" cy="0"/>
+        </a:xfrm>
+      </p:grpSpPr>
+      <p:sp>
+        <p:nvSpPr>
+          <p:cNvPr id="2" name="标题 1">
+            <a:extLst>
+              <a:ext uri="{FF2B5EF4-FFF2-40B4-BE49-F238E27FC236}">
+                <a16:creationId xmlns:a16="http://schemas.microsoft.com/office/drawing/2014/main" id="{247A30C0-A861-4821-847B-5E7F3A6BADD0}"/>
+              </a:ext>
+            </a:extLst>
+          </p:cNvPr>
+          <p:cNvSpPr>
+            <a:spLocks noGrp="1"/>
+          </p:cNvSpPr>
+          <p:nvPr>
+            <p:ph type="title"/>
+          </p:nvPr>
+        </p:nvSpPr>
+        <p:spPr/>
+        <p:txBody>
+          <a:bodyPr/>
+          <a:lstStyle/>
+          <a:p>
+            <a:r>
+              <a:rPr lang="en-US" altLang="zh-CN" dirty="0"/>
+              <a:t>Introduction to refactoring tools</a:t>
+            </a:r>
+            <a:endParaRPr lang="zh-CN" altLang="en-US" dirty="0"/>
+          </a:p>
+        </p:txBody>
+      </p:sp>
+      <p:sp>
+        <p:nvSpPr>
+          <p:cNvPr id="3" name="内容占位符 2">
+            <a:extLst>
+              <a:ext uri="{FF2B5EF4-FFF2-40B4-BE49-F238E27FC236}">
+                <a16:creationId xmlns:a16="http://schemas.microsoft.com/office/drawing/2014/main" id="{E93E3897-E2AB-4A6C-A182-E42F2DF55565}"/>
+              </a:ext>
+            </a:extLst>
+          </p:cNvPr>
+          <p:cNvSpPr>
+            <a:spLocks noGrp="1"/>
+          </p:cNvSpPr>
+          <p:nvPr>
+            <p:ph idx="1"/>
+          </p:nvPr>
+        </p:nvSpPr>
+        <p:spPr/>
+        <p:txBody>
+          <a:bodyPr>
+            <a:normAutofit/>
+          </a:bodyPr>
+          <a:lstStyle/>
+          <a:p>
+            <a:r>
+              <a:rPr lang="en-US" altLang="zh-CN" dirty="0"/>
+              <a:t>Fundamental architecture</a:t>
+            </a:r>
+          </a:p>
+          <a:p>
+            <a:endParaRPr lang="zh-CN" altLang="en-US" dirty="0"/>
+          </a:p>
+        </p:txBody>
+      </p:sp>
+      <p:pic>
+        <p:nvPicPr>
+          <p:cNvPr id="4" name="图片 3">
+            <a:extLst>
+              <a:ext uri="{FF2B5EF4-FFF2-40B4-BE49-F238E27FC236}">
+                <a16:creationId xmlns:a16="http://schemas.microsoft.com/office/drawing/2014/main" id="{FD843247-A591-40E4-B2B1-9129F97913C1}"/>
+              </a:ext>
+            </a:extLst>
+          </p:cNvPr>
+          <p:cNvPicPr>
+            <a:picLocks noChangeAspect="1"/>
+          </p:cNvPicPr>
+          <p:nvPr/>
+        </p:nvPicPr>
+        <p:blipFill>
+          <a:blip r:embed="rId2"/>
+          <a:stretch>
+            <a:fillRect/>
+          </a:stretch>
+        </p:blipFill>
+        <p:spPr>
+          <a:xfrm>
+            <a:off x="6541515" y="1389496"/>
+            <a:ext cx="4342011" cy="5223596"/>
+          </a:xfrm>
+          <a:prstGeom prst="rect">
+            <a:avLst/>
+          </a:prstGeom>
+        </p:spPr>
+      </p:pic>
+    </p:spTree>
+    <p:extLst>
+      <p:ext uri="{BB962C8B-B14F-4D97-AF65-F5344CB8AC3E}">
+        <p14:creationId xmlns:p14="http://schemas.microsoft.com/office/powerpoint/2010/main" val="3788043560"/>
+      </p:ext>
+    </p:extLst>
+  </p:cSld>
+  <p:clrMapOvr>
+    <a:masterClrMapping/>
+  </p:clrMapOvr>
+</p:sld>
+</file>
+
+<file path=ppt/slides/slide8.xml><?xml version="1.0" encoding="utf-8"?>
+<p:sld xmlns:a="http://schemas.openxmlformats.org/drawingml/2006/main" xmlns:r="http://schemas.openxmlformats.org/officeDocument/2006/relationships" xmlns:p="http://schemas.openxmlformats.org/presentationml/2006/main">
+  <p:cSld>
+    <p:spTree>
+      <p:nvGrpSpPr>
+        <p:cNvPr id="1" name=""/>
+        <p:cNvGrpSpPr/>
+        <p:nvPr/>
+      </p:nvGrpSpPr>
+      <p:grpSpPr>
+        <a:xfrm>
+          <a:off x="0" y="0"/>
+          <a:ext cx="0" cy="0"/>
+          <a:chOff x="0" y="0"/>
+          <a:chExt cx="0" cy="0"/>
+        </a:xfrm>
+      </p:grpSpPr>
+      <p:sp>
+        <p:nvSpPr>
+          <p:cNvPr id="2" name="标题 1">
+            <a:extLst>
+              <a:ext uri="{FF2B5EF4-FFF2-40B4-BE49-F238E27FC236}">
+                <a16:creationId xmlns:a16="http://schemas.microsoft.com/office/drawing/2014/main" id="{8BA23ACB-6D1E-4820-9659-BBC70B5FD919}"/>
+              </a:ext>
+            </a:extLst>
+          </p:cNvPr>
+          <p:cNvSpPr>
+            <a:spLocks noGrp="1"/>
+          </p:cNvSpPr>
+          <p:nvPr>
+            <p:ph type="title"/>
+          </p:nvPr>
+        </p:nvSpPr>
+        <p:spPr/>
+        <p:txBody>
+          <a:bodyPr/>
+          <a:lstStyle/>
+          <a:p>
+            <a:r>
+              <a:rPr lang="en-US" altLang="zh-CN" dirty="0"/>
+              <a:t>Implementation Challenges</a:t>
+            </a:r>
+            <a:endParaRPr lang="zh-CN" altLang="en-US" dirty="0"/>
+          </a:p>
+        </p:txBody>
+      </p:sp>
+      <p:sp>
+        <p:nvSpPr>
+          <p:cNvPr id="3" name="内容占位符 2">
+            <a:extLst>
+              <a:ext uri="{FF2B5EF4-FFF2-40B4-BE49-F238E27FC236}">
+                <a16:creationId xmlns:a16="http://schemas.microsoft.com/office/drawing/2014/main" id="{CD44B36B-B868-4DDD-9490-61A743A4A032}"/>
+              </a:ext>
+            </a:extLst>
+          </p:cNvPr>
+          <p:cNvSpPr>
+            <a:spLocks noGrp="1"/>
+          </p:cNvSpPr>
+          <p:nvPr>
+            <p:ph idx="1"/>
+          </p:nvPr>
+        </p:nvSpPr>
+        <p:spPr/>
+        <p:txBody>
+          <a:bodyPr/>
+          <a:lstStyle/>
+          <a:p>
+            <a:r>
+              <a:rPr lang="en-US" altLang="zh-CN" dirty="0"/>
+              <a:t>implementers of refactoring tools have to deal with two types of problems</a:t>
+            </a:r>
+          </a:p>
+          <a:p>
+            <a:pPr lvl="1"/>
+            <a:r>
+              <a:rPr lang="en-US" altLang="zh-CN" dirty="0"/>
+              <a:t>Fundamentally hard problems are common to all </a:t>
+            </a:r>
+            <a:r>
+              <a:rPr lang="en-US" altLang="zh-CN" dirty="0" err="1"/>
+              <a:t>refactorings</a:t>
+            </a:r>
+            <a:endParaRPr lang="en-US" altLang="zh-CN" dirty="0"/>
+          </a:p>
+          <a:p>
+            <a:pPr lvl="1"/>
+            <a:r>
+              <a:rPr lang="en-US" altLang="zh-CN" dirty="0"/>
+              <a:t>Incidental problems are highly language and refactoring specific</a:t>
+            </a:r>
+            <a:endParaRPr lang="zh-CN" altLang="en-US" dirty="0"/>
+          </a:p>
+        </p:txBody>
+      </p:sp>
+    </p:spTree>
+    <p:extLst>
+      <p:ext uri="{BB962C8B-B14F-4D97-AF65-F5344CB8AC3E}">
+        <p14:creationId xmlns:p14="http://schemas.microsoft.com/office/powerpoint/2010/main" val="1491988315"/>
+      </p:ext>
+    </p:extLst>
+  </p:cSld>
+  <p:clrMapOvr>
+    <a:masterClrMapping/>
+  </p:clrMapOvr>
+</p:sld>
+</file>
+
+<file path=ppt/slides/slide9.xml><?xml version="1.0" encoding="utf-8"?>
+<p:sld xmlns:a="http://schemas.openxmlformats.org/drawingml/2006/main" xmlns:r="http://schemas.openxmlformats.org/officeDocument/2006/relationships" xmlns:p="http://schemas.openxmlformats.org/presentationml/2006/main">
+  <p:cSld>
+    <p:spTree>
+      <p:nvGrpSpPr>
+        <p:cNvPr id="1" name=""/>
+        <p:cNvGrpSpPr/>
+        <p:nvPr/>
+      </p:nvGrpSpPr>
+      <p:grpSpPr>
+        <a:xfrm>
+          <a:off x="0" y="0"/>
+          <a:ext cx="0" cy="0"/>
+          <a:chOff x="0" y="0"/>
+          <a:chExt cx="0" cy="0"/>
+        </a:xfrm>
+      </p:grpSpPr>
+      <p:sp>
+        <p:nvSpPr>
+          <p:cNvPr id="2" name="标题 1">
+            <a:extLst>
+              <a:ext uri="{FF2B5EF4-FFF2-40B4-BE49-F238E27FC236}">
+                <a16:creationId xmlns:a16="http://schemas.microsoft.com/office/drawing/2014/main" id="{982258C7-2947-4DBE-A674-8ABE1FA6A67D}"/>
+              </a:ext>
+            </a:extLst>
+          </p:cNvPr>
+          <p:cNvSpPr>
+            <a:spLocks noGrp="1"/>
+          </p:cNvSpPr>
+          <p:nvPr>
+            <p:ph type="title"/>
+          </p:nvPr>
+        </p:nvSpPr>
+        <p:spPr/>
+        <p:txBody>
+          <a:bodyPr/>
+          <a:lstStyle/>
+          <a:p>
+            <a:r>
+              <a:rPr lang="en-US" altLang="zh-CN" dirty="0"/>
+              <a:t>Behavior Preservation</a:t>
+            </a:r>
+            <a:endParaRPr lang="zh-CN" altLang="en-US" dirty="0"/>
+          </a:p>
+        </p:txBody>
+      </p:sp>
+      <p:sp>
+        <p:nvSpPr>
+          <p:cNvPr id="3" name="内容占位符 2">
+            <a:extLst>
+              <a:ext uri="{FF2B5EF4-FFF2-40B4-BE49-F238E27FC236}">
+                <a16:creationId xmlns:a16="http://schemas.microsoft.com/office/drawing/2014/main" id="{CB7C60EB-FDD1-44CA-BF47-86FA8BE93B45}"/>
+              </a:ext>
+            </a:extLst>
+          </p:cNvPr>
+          <p:cNvSpPr>
+            <a:spLocks noGrp="1"/>
+          </p:cNvSpPr>
+          <p:nvPr>
+            <p:ph idx="1"/>
+          </p:nvPr>
+        </p:nvSpPr>
+        <p:spPr/>
+        <p:txBody>
+          <a:bodyPr/>
+          <a:lstStyle/>
+          <a:p>
+            <a:r>
+              <a:rPr lang="en-US" altLang="zh-CN" sz="3200" dirty="0" err="1"/>
+              <a:t>Refactorings</a:t>
+            </a:r>
+            <a:r>
+              <a:rPr lang="en-US" altLang="zh-CN" sz="3200" dirty="0"/>
+              <a:t> must preserve </a:t>
+            </a:r>
+            <a:r>
+              <a:rPr lang="en-US" altLang="zh-CN" sz="3200" i="1" dirty="0"/>
+              <a:t>external behavior </a:t>
+            </a:r>
+            <a:r>
+              <a:rPr lang="en-US" altLang="zh-CN" sz="3200" dirty="0"/>
+              <a:t>by definition. Unfortunately behavior itself is </a:t>
+            </a:r>
+            <a:r>
+              <a:rPr lang="en-US" altLang="zh-CN" sz="3200" dirty="0">
+                <a:solidFill>
+                  <a:srgbClr val="FF0000"/>
+                </a:solidFill>
+              </a:rPr>
+              <a:t>not defined</a:t>
+            </a:r>
+            <a:r>
+              <a:rPr lang="en-US" altLang="zh-CN" sz="3200" dirty="0"/>
+              <a:t>.</a:t>
+            </a:r>
+          </a:p>
+          <a:p>
+            <a:r>
+              <a:rPr lang="en-US" altLang="zh-CN" sz="3200" dirty="0"/>
+              <a:t>Opdyke’s description : same inputs result in same outputs</a:t>
+            </a:r>
+          </a:p>
+          <a:p>
+            <a:pPr lvl="1"/>
+            <a:r>
+              <a:rPr lang="en-US" altLang="zh-CN" sz="2800" dirty="0"/>
+              <a:t>Not enough</a:t>
+            </a:r>
+          </a:p>
+          <a:p>
+            <a:pPr lvl="1"/>
+            <a:endParaRPr lang="en-US" altLang="zh-CN" dirty="0"/>
+          </a:p>
+          <a:p>
+            <a:r>
+              <a:rPr lang="en-US" altLang="zh-CN" b="1" i="1" dirty="0"/>
+              <a:t>Rename</a:t>
+            </a:r>
+            <a:r>
+              <a:rPr lang="en-US" altLang="zh-CN" dirty="0"/>
+              <a:t> </a:t>
+            </a:r>
+            <a:r>
+              <a:rPr lang="en-US" altLang="zh-CN" i="1" dirty="0"/>
+              <a:t>Foo</a:t>
+            </a:r>
+            <a:r>
+              <a:rPr lang="en-US" altLang="zh-CN" dirty="0"/>
+              <a:t> to </a:t>
+            </a:r>
+            <a:r>
+              <a:rPr lang="en-US" altLang="zh-CN" i="1" dirty="0"/>
+              <a:t>Bar</a:t>
+            </a:r>
+          </a:p>
+          <a:p>
+            <a:pPr lvl="1"/>
+            <a:endParaRPr lang="en-US" altLang="zh-CN" dirty="0"/>
+          </a:p>
+          <a:p>
+            <a:endParaRPr lang="zh-CN" altLang="en-US" dirty="0"/>
+          </a:p>
+        </p:txBody>
+      </p:sp>
+      <p:pic>
+        <p:nvPicPr>
+          <p:cNvPr id="4" name="图片 3">
+            <a:extLst>
+              <a:ext uri="{FF2B5EF4-FFF2-40B4-BE49-F238E27FC236}">
+                <a16:creationId xmlns:a16="http://schemas.microsoft.com/office/drawing/2014/main" id="{CCB6BD0A-E6ED-47B3-955F-DE6BFB0F8915}"/>
+              </a:ext>
+            </a:extLst>
+          </p:cNvPr>
+          <p:cNvPicPr>
+            <a:picLocks noChangeAspect="1"/>
+          </p:cNvPicPr>
+          <p:nvPr/>
+        </p:nvPicPr>
+        <p:blipFill>
+          <a:blip r:embed="rId2"/>
+          <a:stretch>
+            <a:fillRect/>
+          </a:stretch>
+        </p:blipFill>
+        <p:spPr>
+          <a:xfrm>
+            <a:off x="1553094" y="4875213"/>
+            <a:ext cx="8319529" cy="1982787"/>
+          </a:xfrm>
+          <a:prstGeom prst="rect">
+            <a:avLst/>
+          </a:prstGeom>
+        </p:spPr>
+      </p:pic>
+    </p:spTree>
+    <p:extLst>
+      <p:ext uri="{BB962C8B-B14F-4D97-AF65-F5344CB8AC3E}">
+        <p14:creationId xmlns:p14="http://schemas.microsoft.com/office/powerpoint/2010/main" val="1323336683"/>
       </p:ext>
     </p:extLst>
   </p:cSld>

--- a/MF1833061-沈思远 课程报告/课程报告.pptx
+++ b/MF1833061-沈思远 课程报告/课程报告.pptx
@@ -4,18 +4,30 @@
   <p:sldMasterIdLst>
     <p:sldMasterId id="2147483648" r:id="rId1"/>
   </p:sldMasterIdLst>
+  <p:notesMasterIdLst>
+    <p:notesMasterId r:id="rId22"/>
+  </p:notesMasterIdLst>
   <p:sldIdLst>
     <p:sldId id="256" r:id="rId2"/>
     <p:sldId id="257" r:id="rId3"/>
     <p:sldId id="258" r:id="rId4"/>
-    <p:sldId id="260" r:id="rId5"/>
-    <p:sldId id="259" r:id="rId6"/>
-    <p:sldId id="261" r:id="rId7"/>
-    <p:sldId id="262" r:id="rId8"/>
-    <p:sldId id="263" r:id="rId9"/>
-    <p:sldId id="264" r:id="rId10"/>
-    <p:sldId id="265" r:id="rId11"/>
-    <p:sldId id="266" r:id="rId12"/>
+    <p:sldId id="268" r:id="rId5"/>
+    <p:sldId id="269" r:id="rId6"/>
+    <p:sldId id="270" r:id="rId7"/>
+    <p:sldId id="271" r:id="rId8"/>
+    <p:sldId id="277" r:id="rId9"/>
+    <p:sldId id="272" r:id="rId10"/>
+    <p:sldId id="278" r:id="rId11"/>
+    <p:sldId id="273" r:id="rId12"/>
+    <p:sldId id="280" r:id="rId13"/>
+    <p:sldId id="281" r:id="rId14"/>
+    <p:sldId id="285" r:id="rId15"/>
+    <p:sldId id="282" r:id="rId16"/>
+    <p:sldId id="286" r:id="rId17"/>
+    <p:sldId id="284" r:id="rId18"/>
+    <p:sldId id="283" r:id="rId19"/>
+    <p:sldId id="279" r:id="rId20"/>
+    <p:sldId id="276" r:id="rId21"/>
   </p:sldIdLst>
   <p:sldSz cx="12192000" cy="6858000"/>
   <p:notesSz cx="6858000" cy="9144000"/>
@@ -114,7 +126,1419 @@
       </a:defRPr>
     </a:lvl9pPr>
   </p:defaultTextStyle>
+  <p:extLst>
+    <p:ext uri="{EFAFB233-063F-42B5-8137-9DF3F51BA10A}">
+      <p15:sldGuideLst xmlns:p15="http://schemas.microsoft.com/office/powerpoint/2012/main"/>
+    </p:ext>
+  </p:extLst>
 </p:presentation>
+</file>
+
+<file path=ppt/notesMasters/notesMaster1.xml><?xml version="1.0" encoding="utf-8"?>
+<p:notesMaster xmlns:a="http://schemas.openxmlformats.org/drawingml/2006/main" xmlns:r="http://schemas.openxmlformats.org/officeDocument/2006/relationships" xmlns:p="http://schemas.openxmlformats.org/presentationml/2006/main">
+  <p:cSld>
+    <p:bg>
+      <p:bgRef idx="1001">
+        <a:schemeClr val="bg1"/>
+      </p:bgRef>
+    </p:bg>
+    <p:spTree>
+      <p:nvGrpSpPr>
+        <p:cNvPr id="1" name=""/>
+        <p:cNvGrpSpPr/>
+        <p:nvPr/>
+      </p:nvGrpSpPr>
+      <p:grpSpPr>
+        <a:xfrm>
+          <a:off x="0" y="0"/>
+          <a:ext cx="0" cy="0"/>
+          <a:chOff x="0" y="0"/>
+          <a:chExt cx="0" cy="0"/>
+        </a:xfrm>
+      </p:grpSpPr>
+      <p:sp>
+        <p:nvSpPr>
+          <p:cNvPr id="2" name="页眉占位符 1"/>
+          <p:cNvSpPr>
+            <a:spLocks noGrp="1"/>
+          </p:cNvSpPr>
+          <p:nvPr>
+            <p:ph type="hdr" sz="quarter"/>
+          </p:nvPr>
+        </p:nvSpPr>
+        <p:spPr>
+          <a:xfrm>
+            <a:off x="0" y="0"/>
+            <a:ext cx="2971800" cy="458788"/>
+          </a:xfrm>
+          <a:prstGeom prst="rect">
+            <a:avLst/>
+          </a:prstGeom>
+        </p:spPr>
+        <p:txBody>
+          <a:bodyPr vert="horz" lIns="91440" tIns="45720" rIns="91440" bIns="45720" rtlCol="0"/>
+          <a:lstStyle>
+            <a:lvl1pPr algn="l">
+              <a:defRPr sz="1200"/>
+            </a:lvl1pPr>
+          </a:lstStyle>
+          <a:p>
+            <a:endParaRPr lang="zh-CN" altLang="en-US"/>
+          </a:p>
+        </p:txBody>
+      </p:sp>
+      <p:sp>
+        <p:nvSpPr>
+          <p:cNvPr id="3" name="日期占位符 2"/>
+          <p:cNvSpPr>
+            <a:spLocks noGrp="1"/>
+          </p:cNvSpPr>
+          <p:nvPr>
+            <p:ph type="dt" idx="1"/>
+          </p:nvPr>
+        </p:nvSpPr>
+        <p:spPr>
+          <a:xfrm>
+            <a:off x="3884613" y="0"/>
+            <a:ext cx="2971800" cy="458788"/>
+          </a:xfrm>
+          <a:prstGeom prst="rect">
+            <a:avLst/>
+          </a:prstGeom>
+        </p:spPr>
+        <p:txBody>
+          <a:bodyPr vert="horz" lIns="91440" tIns="45720" rIns="91440" bIns="45720" rtlCol="0"/>
+          <a:lstStyle>
+            <a:lvl1pPr algn="r">
+              <a:defRPr sz="1200"/>
+            </a:lvl1pPr>
+          </a:lstStyle>
+          <a:p>
+            <a:fld id="{90E872AE-70C9-46AC-9706-4BC073558D48}" type="datetimeFigureOut">
+              <a:rPr lang="zh-CN" altLang="en-US" smtClean="0"/>
+              <a:t>2020/5/7</a:t>
+            </a:fld>
+            <a:endParaRPr lang="zh-CN" altLang="en-US"/>
+          </a:p>
+        </p:txBody>
+      </p:sp>
+      <p:sp>
+        <p:nvSpPr>
+          <p:cNvPr id="4" name="幻灯片图像占位符 3"/>
+          <p:cNvSpPr>
+            <a:spLocks noGrp="1" noRot="1" noChangeAspect="1"/>
+          </p:cNvSpPr>
+          <p:nvPr>
+            <p:ph type="sldImg" idx="2"/>
+          </p:nvPr>
+        </p:nvSpPr>
+        <p:spPr>
+          <a:xfrm>
+            <a:off x="685800" y="1143000"/>
+            <a:ext cx="5486400" cy="3086100"/>
+          </a:xfrm>
+          <a:prstGeom prst="rect">
+            <a:avLst/>
+          </a:prstGeom>
+          <a:noFill/>
+          <a:ln w="12700">
+            <a:solidFill>
+              <a:prstClr val="black"/>
+            </a:solidFill>
+          </a:ln>
+        </p:spPr>
+        <p:txBody>
+          <a:bodyPr vert="horz" lIns="91440" tIns="45720" rIns="91440" bIns="45720" rtlCol="0" anchor="ctr"/>
+          <a:lstStyle/>
+          <a:p>
+            <a:endParaRPr lang="zh-CN" altLang="en-US"/>
+          </a:p>
+        </p:txBody>
+      </p:sp>
+      <p:sp>
+        <p:nvSpPr>
+          <p:cNvPr id="5" name="备注占位符 4"/>
+          <p:cNvSpPr>
+            <a:spLocks noGrp="1"/>
+          </p:cNvSpPr>
+          <p:nvPr>
+            <p:ph type="body" sz="quarter" idx="3"/>
+          </p:nvPr>
+        </p:nvSpPr>
+        <p:spPr>
+          <a:xfrm>
+            <a:off x="685800" y="4400550"/>
+            <a:ext cx="5486400" cy="3600450"/>
+          </a:xfrm>
+          <a:prstGeom prst="rect">
+            <a:avLst/>
+          </a:prstGeom>
+        </p:spPr>
+        <p:txBody>
+          <a:bodyPr vert="horz" lIns="91440" tIns="45720" rIns="91440" bIns="45720" rtlCol="0"/>
+          <a:lstStyle/>
+          <a:p>
+            <a:pPr lvl="0"/>
+            <a:r>
+              <a:rPr lang="zh-CN" altLang="en-US"/>
+              <a:t>单击此处编辑母版文本样式</a:t>
+            </a:r>
+          </a:p>
+          <a:p>
+            <a:pPr lvl="1"/>
+            <a:r>
+              <a:rPr lang="zh-CN" altLang="en-US"/>
+              <a:t>二级</a:t>
+            </a:r>
+          </a:p>
+          <a:p>
+            <a:pPr lvl="2"/>
+            <a:r>
+              <a:rPr lang="zh-CN" altLang="en-US"/>
+              <a:t>三级</a:t>
+            </a:r>
+          </a:p>
+          <a:p>
+            <a:pPr lvl="3"/>
+            <a:r>
+              <a:rPr lang="zh-CN" altLang="en-US"/>
+              <a:t>四级</a:t>
+            </a:r>
+          </a:p>
+          <a:p>
+            <a:pPr lvl="4"/>
+            <a:r>
+              <a:rPr lang="zh-CN" altLang="en-US"/>
+              <a:t>五级</a:t>
+            </a:r>
+          </a:p>
+        </p:txBody>
+      </p:sp>
+      <p:sp>
+        <p:nvSpPr>
+          <p:cNvPr id="6" name="页脚占位符 5"/>
+          <p:cNvSpPr>
+            <a:spLocks noGrp="1"/>
+          </p:cNvSpPr>
+          <p:nvPr>
+            <p:ph type="ftr" sz="quarter" idx="4"/>
+          </p:nvPr>
+        </p:nvSpPr>
+        <p:spPr>
+          <a:xfrm>
+            <a:off x="0" y="8685213"/>
+            <a:ext cx="2971800" cy="458787"/>
+          </a:xfrm>
+          <a:prstGeom prst="rect">
+            <a:avLst/>
+          </a:prstGeom>
+        </p:spPr>
+        <p:txBody>
+          <a:bodyPr vert="horz" lIns="91440" tIns="45720" rIns="91440" bIns="45720" rtlCol="0" anchor="b"/>
+          <a:lstStyle>
+            <a:lvl1pPr algn="l">
+              <a:defRPr sz="1200"/>
+            </a:lvl1pPr>
+          </a:lstStyle>
+          <a:p>
+            <a:endParaRPr lang="zh-CN" altLang="en-US"/>
+          </a:p>
+        </p:txBody>
+      </p:sp>
+      <p:sp>
+        <p:nvSpPr>
+          <p:cNvPr id="7" name="灯片编号占位符 6"/>
+          <p:cNvSpPr>
+            <a:spLocks noGrp="1"/>
+          </p:cNvSpPr>
+          <p:nvPr>
+            <p:ph type="sldNum" sz="quarter" idx="5"/>
+          </p:nvPr>
+        </p:nvSpPr>
+        <p:spPr>
+          <a:xfrm>
+            <a:off x="3884613" y="8685213"/>
+            <a:ext cx="2971800" cy="458787"/>
+          </a:xfrm>
+          <a:prstGeom prst="rect">
+            <a:avLst/>
+          </a:prstGeom>
+        </p:spPr>
+        <p:txBody>
+          <a:bodyPr vert="horz" lIns="91440" tIns="45720" rIns="91440" bIns="45720" rtlCol="0" anchor="b"/>
+          <a:lstStyle>
+            <a:lvl1pPr algn="r">
+              <a:defRPr sz="1200"/>
+            </a:lvl1pPr>
+          </a:lstStyle>
+          <a:p>
+            <a:fld id="{AFABFBDB-6986-4D68-AF78-58D1E535D72E}" type="slidenum">
+              <a:rPr lang="zh-CN" altLang="en-US" smtClean="0"/>
+              <a:t>‹#›</a:t>
+            </a:fld>
+            <a:endParaRPr lang="zh-CN" altLang="en-US"/>
+          </a:p>
+        </p:txBody>
+      </p:sp>
+    </p:spTree>
+    <p:extLst>
+      <p:ext uri="{BB962C8B-B14F-4D97-AF65-F5344CB8AC3E}">
+        <p14:creationId xmlns:p14="http://schemas.microsoft.com/office/powerpoint/2010/main" val="677705779"/>
+      </p:ext>
+    </p:extLst>
+  </p:cSld>
+  <p:clrMap bg1="lt1" tx1="dk1" bg2="lt2" tx2="dk2" accent1="accent1" accent2="accent2" accent3="accent3" accent4="accent4" accent5="accent5" accent6="accent6" hlink="hlink" folHlink="folHlink"/>
+  <p:notesStyle>
+    <a:lvl1pPr marL="0" algn="l" defTabSz="914400" rtl="0" eaLnBrk="1" latinLnBrk="0" hangingPunct="1">
+      <a:defRPr sz="1200" kern="1200">
+        <a:solidFill>
+          <a:schemeClr val="tx1"/>
+        </a:solidFill>
+        <a:latin typeface="+mn-lt"/>
+        <a:ea typeface="+mn-ea"/>
+        <a:cs typeface="+mn-cs"/>
+      </a:defRPr>
+    </a:lvl1pPr>
+    <a:lvl2pPr marL="457200" algn="l" defTabSz="914400" rtl="0" eaLnBrk="1" latinLnBrk="0" hangingPunct="1">
+      <a:defRPr sz="1200" kern="1200">
+        <a:solidFill>
+          <a:schemeClr val="tx1"/>
+        </a:solidFill>
+        <a:latin typeface="+mn-lt"/>
+        <a:ea typeface="+mn-ea"/>
+        <a:cs typeface="+mn-cs"/>
+      </a:defRPr>
+    </a:lvl2pPr>
+    <a:lvl3pPr marL="914400" algn="l" defTabSz="914400" rtl="0" eaLnBrk="1" latinLnBrk="0" hangingPunct="1">
+      <a:defRPr sz="1200" kern="1200">
+        <a:solidFill>
+          <a:schemeClr val="tx1"/>
+        </a:solidFill>
+        <a:latin typeface="+mn-lt"/>
+        <a:ea typeface="+mn-ea"/>
+        <a:cs typeface="+mn-cs"/>
+      </a:defRPr>
+    </a:lvl3pPr>
+    <a:lvl4pPr marL="1371600" algn="l" defTabSz="914400" rtl="0" eaLnBrk="1" latinLnBrk="0" hangingPunct="1">
+      <a:defRPr sz="1200" kern="1200">
+        <a:solidFill>
+          <a:schemeClr val="tx1"/>
+        </a:solidFill>
+        <a:latin typeface="+mn-lt"/>
+        <a:ea typeface="+mn-ea"/>
+        <a:cs typeface="+mn-cs"/>
+      </a:defRPr>
+    </a:lvl4pPr>
+    <a:lvl5pPr marL="1828800" algn="l" defTabSz="914400" rtl="0" eaLnBrk="1" latinLnBrk="0" hangingPunct="1">
+      <a:defRPr sz="1200" kern="1200">
+        <a:solidFill>
+          <a:schemeClr val="tx1"/>
+        </a:solidFill>
+        <a:latin typeface="+mn-lt"/>
+        <a:ea typeface="+mn-ea"/>
+        <a:cs typeface="+mn-cs"/>
+      </a:defRPr>
+    </a:lvl5pPr>
+    <a:lvl6pPr marL="2286000" algn="l" defTabSz="914400" rtl="0" eaLnBrk="1" latinLnBrk="0" hangingPunct="1">
+      <a:defRPr sz="1200" kern="1200">
+        <a:solidFill>
+          <a:schemeClr val="tx1"/>
+        </a:solidFill>
+        <a:latin typeface="+mn-lt"/>
+        <a:ea typeface="+mn-ea"/>
+        <a:cs typeface="+mn-cs"/>
+      </a:defRPr>
+    </a:lvl6pPr>
+    <a:lvl7pPr marL="2743200" algn="l" defTabSz="914400" rtl="0" eaLnBrk="1" latinLnBrk="0" hangingPunct="1">
+      <a:defRPr sz="1200" kern="1200">
+        <a:solidFill>
+          <a:schemeClr val="tx1"/>
+        </a:solidFill>
+        <a:latin typeface="+mn-lt"/>
+        <a:ea typeface="+mn-ea"/>
+        <a:cs typeface="+mn-cs"/>
+      </a:defRPr>
+    </a:lvl7pPr>
+    <a:lvl8pPr marL="3200400" algn="l" defTabSz="914400" rtl="0" eaLnBrk="1" latinLnBrk="0" hangingPunct="1">
+      <a:defRPr sz="1200" kern="1200">
+        <a:solidFill>
+          <a:schemeClr val="tx1"/>
+        </a:solidFill>
+        <a:latin typeface="+mn-lt"/>
+        <a:ea typeface="+mn-ea"/>
+        <a:cs typeface="+mn-cs"/>
+      </a:defRPr>
+    </a:lvl8pPr>
+    <a:lvl9pPr marL="3657600" algn="l" defTabSz="914400" rtl="0" eaLnBrk="1" latinLnBrk="0" hangingPunct="1">
+      <a:defRPr sz="1200" kern="1200">
+        <a:solidFill>
+          <a:schemeClr val="tx1"/>
+        </a:solidFill>
+        <a:latin typeface="+mn-lt"/>
+        <a:ea typeface="+mn-ea"/>
+        <a:cs typeface="+mn-cs"/>
+      </a:defRPr>
+    </a:lvl9pPr>
+  </p:notesStyle>
+</p:notesMaster>
+</file>
+
+<file path=ppt/notesSlides/notesSlide1.xml><?xml version="1.0" encoding="utf-8"?>
+<p:notes xmlns:a="http://schemas.openxmlformats.org/drawingml/2006/main" xmlns:r="http://schemas.openxmlformats.org/officeDocument/2006/relationships" xmlns:p="http://schemas.openxmlformats.org/presentationml/2006/main">
+  <p:cSld>
+    <p:spTree>
+      <p:nvGrpSpPr>
+        <p:cNvPr id="1" name=""/>
+        <p:cNvGrpSpPr/>
+        <p:nvPr/>
+      </p:nvGrpSpPr>
+      <p:grpSpPr>
+        <a:xfrm>
+          <a:off x="0" y="0"/>
+          <a:ext cx="0" cy="0"/>
+          <a:chOff x="0" y="0"/>
+          <a:chExt cx="0" cy="0"/>
+        </a:xfrm>
+      </p:grpSpPr>
+      <p:sp>
+        <p:nvSpPr>
+          <p:cNvPr id="2" name="幻灯片图像占位符 1"/>
+          <p:cNvSpPr>
+            <a:spLocks noGrp="1" noRot="1" noChangeAspect="1"/>
+          </p:cNvSpPr>
+          <p:nvPr>
+            <p:ph type="sldImg"/>
+          </p:nvPr>
+        </p:nvSpPr>
+        <p:spPr/>
+      </p:sp>
+      <p:sp>
+        <p:nvSpPr>
+          <p:cNvPr id="3" name="备注占位符 2"/>
+          <p:cNvSpPr>
+            <a:spLocks noGrp="1"/>
+          </p:cNvSpPr>
+          <p:nvPr>
+            <p:ph type="body" idx="1"/>
+          </p:nvPr>
+        </p:nvSpPr>
+        <p:spPr/>
+        <p:txBody>
+          <a:bodyPr/>
+          <a:lstStyle/>
+          <a:p>
+            <a:r>
+              <a:rPr lang="en-US" altLang="zh-CN" dirty="0"/>
+              <a:t>Bloaters:</a:t>
+            </a:r>
+            <a:r>
+              <a:rPr lang="zh-CN" altLang="en-US" dirty="0"/>
+              <a:t>对应于代码的膨胀结构，比如：长方法、大类</a:t>
+            </a:r>
+            <a:endParaRPr lang="en-US" altLang="zh-CN" dirty="0"/>
+          </a:p>
+          <a:p>
+            <a:pPr marL="0" marR="0" lvl="0" indent="0" algn="l" defTabSz="914400" rtl="0" eaLnBrk="1" fontAlgn="auto" latinLnBrk="0" hangingPunct="1">
+              <a:lnSpc>
+                <a:spcPct val="100000"/>
+              </a:lnSpc>
+              <a:spcBef>
+                <a:spcPts val="0"/>
+              </a:spcBef>
+              <a:spcAft>
+                <a:spcPts val="0"/>
+              </a:spcAft>
+              <a:buClrTx/>
+              <a:buSzTx/>
+              <a:buFontTx/>
+              <a:buNone/>
+              <a:tabLst/>
+              <a:defRPr/>
+            </a:pPr>
+            <a:r>
+              <a:rPr lang="en-US" altLang="zh-CN" dirty="0"/>
+              <a:t>Object-Orientation Abusers</a:t>
+            </a:r>
+            <a:r>
+              <a:rPr lang="zh-CN" altLang="en-US" dirty="0"/>
+              <a:t>：对应与代码没有使用正确的面向对象编程的原则，比如类中存在临时字段和被拒绝的馈赠（子类并不想继承超类的所有函数和数据）</a:t>
+            </a:r>
+            <a:endParaRPr lang="en-US" altLang="zh-CN" dirty="0"/>
+          </a:p>
+          <a:p>
+            <a:pPr marL="0" marR="0" lvl="0" indent="0" algn="l" defTabSz="914400" rtl="0" eaLnBrk="1" fontAlgn="auto" latinLnBrk="0" hangingPunct="1">
+              <a:lnSpc>
+                <a:spcPct val="100000"/>
+              </a:lnSpc>
+              <a:spcBef>
+                <a:spcPts val="0"/>
+              </a:spcBef>
+              <a:spcAft>
+                <a:spcPts val="0"/>
+              </a:spcAft>
+              <a:buClrTx/>
+              <a:buSzTx/>
+              <a:buFontTx/>
+              <a:buNone/>
+              <a:tabLst/>
+              <a:defRPr/>
+            </a:pPr>
+            <a:r>
+              <a:rPr lang="en-US" altLang="zh-CN" dirty="0"/>
+              <a:t>Change Preventers</a:t>
+            </a:r>
+            <a:r>
+              <a:rPr lang="zh-CN" altLang="en-US" dirty="0"/>
+              <a:t>：对应于维护代码时需要在不同的类中修改，或者新增功能时需要修改很多函数</a:t>
+            </a:r>
+            <a:endParaRPr lang="en-US" altLang="zh-CN" dirty="0"/>
+          </a:p>
+          <a:p>
+            <a:pPr marL="0" marR="0" lvl="0" indent="0" algn="l" defTabSz="914400" rtl="0" eaLnBrk="1" fontAlgn="auto" latinLnBrk="0" hangingPunct="1">
+              <a:lnSpc>
+                <a:spcPct val="100000"/>
+              </a:lnSpc>
+              <a:spcBef>
+                <a:spcPts val="0"/>
+              </a:spcBef>
+              <a:spcAft>
+                <a:spcPts val="0"/>
+              </a:spcAft>
+              <a:buClrTx/>
+              <a:buSzTx/>
+              <a:buFontTx/>
+              <a:buNone/>
+              <a:tabLst/>
+              <a:defRPr/>
+            </a:pPr>
+            <a:r>
+              <a:rPr lang="en-US" altLang="zh-CN" dirty="0" err="1"/>
+              <a:t>Dispensables</a:t>
+            </a:r>
+            <a:r>
+              <a:rPr lang="zh-CN" altLang="en-US" dirty="0"/>
+              <a:t>：代码中存在冗余元素，比如纯数据类</a:t>
+            </a:r>
+            <a:endParaRPr lang="en-US" altLang="zh-CN" dirty="0"/>
+          </a:p>
+          <a:p>
+            <a:pPr marL="0" marR="0" lvl="0" indent="0" algn="l" defTabSz="914400" rtl="0" eaLnBrk="1" fontAlgn="auto" latinLnBrk="0" hangingPunct="1">
+              <a:lnSpc>
+                <a:spcPct val="100000"/>
+              </a:lnSpc>
+              <a:spcBef>
+                <a:spcPts val="0"/>
+              </a:spcBef>
+              <a:spcAft>
+                <a:spcPts val="0"/>
+              </a:spcAft>
+              <a:buClrTx/>
+              <a:buSzTx/>
+              <a:buFontTx/>
+              <a:buNone/>
+              <a:tabLst/>
+              <a:defRPr/>
+            </a:pPr>
+            <a:r>
+              <a:rPr lang="en-US" altLang="zh-CN" dirty="0" err="1"/>
+              <a:t>Encapsulators</a:t>
+            </a:r>
+            <a:r>
+              <a:rPr lang="en-US" altLang="zh-CN" dirty="0"/>
+              <a:t> </a:t>
+            </a:r>
+            <a:r>
+              <a:rPr lang="zh-CN" altLang="en-US" dirty="0"/>
+              <a:t>由于面向对象的特性需要对代码进行封装，封装往往意味着委托，即需要调用其他类的现有方法进行功能实现，但是人们可能过度使用委托，导致了过长的消息链，这样一旦调用链中的对象间关系发生变化，代码会不得不作出修改</a:t>
+            </a:r>
+            <a:endParaRPr lang="en-US" altLang="zh-CN" dirty="0"/>
+          </a:p>
+          <a:p>
+            <a:pPr marL="0" marR="0" lvl="0" indent="0" algn="l" defTabSz="914400" rtl="0" eaLnBrk="1" fontAlgn="auto" latinLnBrk="0" hangingPunct="1">
+              <a:lnSpc>
+                <a:spcPct val="100000"/>
+              </a:lnSpc>
+              <a:spcBef>
+                <a:spcPts val="0"/>
+              </a:spcBef>
+              <a:spcAft>
+                <a:spcPts val="0"/>
+              </a:spcAft>
+              <a:buClrTx/>
+              <a:buSzTx/>
+              <a:buFontTx/>
+              <a:buNone/>
+              <a:tabLst/>
+              <a:defRPr/>
+            </a:pPr>
+            <a:r>
+              <a:rPr lang="en-US" altLang="zh-CN" dirty="0"/>
+              <a:t>Couplers</a:t>
+            </a:r>
+            <a:r>
+              <a:rPr lang="zh-CN" altLang="en-US" dirty="0"/>
+              <a:t>：比如说依恋情结：一个函数跟另一个模块中的函数或者数据交流格外频繁，远胜于在自己所处模块内部的交流</a:t>
+            </a:r>
+            <a:endParaRPr lang="en-US" altLang="zh-CN" dirty="0"/>
+          </a:p>
+          <a:p>
+            <a:pPr marL="0" marR="0" lvl="0" indent="0" algn="l" defTabSz="914400" rtl="0" eaLnBrk="1" fontAlgn="auto" latinLnBrk="0" hangingPunct="1">
+              <a:lnSpc>
+                <a:spcPct val="100000"/>
+              </a:lnSpc>
+              <a:spcBef>
+                <a:spcPts val="0"/>
+              </a:spcBef>
+              <a:spcAft>
+                <a:spcPts val="0"/>
+              </a:spcAft>
+              <a:buClrTx/>
+              <a:buSzTx/>
+              <a:buFontTx/>
+              <a:buNone/>
+              <a:tabLst/>
+              <a:defRPr/>
+            </a:pPr>
+            <a:r>
+              <a:rPr lang="en-US" altLang="zh-CN" dirty="0"/>
+              <a:t>Others</a:t>
+            </a:r>
+            <a:r>
+              <a:rPr lang="zh-CN" altLang="en-US" dirty="0"/>
+              <a:t>：注释有时候过长往往是因为需要解释</a:t>
+            </a:r>
+            <a:r>
+              <a:rPr lang="en-US" altLang="zh-CN" dirty="0"/>
+              <a:t>code smell</a:t>
+            </a:r>
+            <a:r>
+              <a:rPr lang="zh-CN" altLang="en-US" dirty="0"/>
+              <a:t>，</a:t>
+            </a:r>
+            <a:r>
+              <a:rPr lang="en-US" altLang="zh-CN" dirty="0"/>
+              <a:t>Incomplete Library Class </a:t>
+            </a:r>
+            <a:r>
+              <a:rPr lang="zh-CN" altLang="en-US" dirty="0"/>
+              <a:t>指的是封装好的类库中没有需要的函数</a:t>
+            </a:r>
+            <a:endParaRPr lang="en-US" altLang="zh-CN" dirty="0"/>
+          </a:p>
+        </p:txBody>
+      </p:sp>
+      <p:sp>
+        <p:nvSpPr>
+          <p:cNvPr id="4" name="灯片编号占位符 3"/>
+          <p:cNvSpPr>
+            <a:spLocks noGrp="1"/>
+          </p:cNvSpPr>
+          <p:nvPr>
+            <p:ph type="sldNum" sz="quarter" idx="5"/>
+          </p:nvPr>
+        </p:nvSpPr>
+        <p:spPr/>
+        <p:txBody>
+          <a:bodyPr/>
+          <a:lstStyle/>
+          <a:p>
+            <a:fld id="{AFABFBDB-6986-4D68-AF78-58D1E535D72E}" type="slidenum">
+              <a:rPr lang="zh-CN" altLang="en-US" smtClean="0"/>
+              <a:t>4</a:t>
+            </a:fld>
+            <a:endParaRPr lang="zh-CN" altLang="en-US"/>
+          </a:p>
+        </p:txBody>
+      </p:sp>
+    </p:spTree>
+    <p:extLst>
+      <p:ext uri="{BB962C8B-B14F-4D97-AF65-F5344CB8AC3E}">
+        <p14:creationId xmlns:p14="http://schemas.microsoft.com/office/powerpoint/2010/main" val="2418891709"/>
+      </p:ext>
+    </p:extLst>
+  </p:cSld>
+  <p:clrMapOvr>
+    <a:masterClrMapping/>
+  </p:clrMapOvr>
+</p:notes>
+</file>
+
+<file path=ppt/notesSlides/notesSlide2.xml><?xml version="1.0" encoding="utf-8"?>
+<p:notes xmlns:a="http://schemas.openxmlformats.org/drawingml/2006/main" xmlns:r="http://schemas.openxmlformats.org/officeDocument/2006/relationships" xmlns:p="http://schemas.openxmlformats.org/presentationml/2006/main">
+  <p:cSld>
+    <p:spTree>
+      <p:nvGrpSpPr>
+        <p:cNvPr id="1" name=""/>
+        <p:cNvGrpSpPr/>
+        <p:nvPr/>
+      </p:nvGrpSpPr>
+      <p:grpSpPr>
+        <a:xfrm>
+          <a:off x="0" y="0"/>
+          <a:ext cx="0" cy="0"/>
+          <a:chOff x="0" y="0"/>
+          <a:chExt cx="0" cy="0"/>
+        </a:xfrm>
+      </p:grpSpPr>
+      <p:sp>
+        <p:nvSpPr>
+          <p:cNvPr id="2" name="幻灯片图像占位符 1"/>
+          <p:cNvSpPr>
+            <a:spLocks noGrp="1" noRot="1" noChangeAspect="1"/>
+          </p:cNvSpPr>
+          <p:nvPr>
+            <p:ph type="sldImg"/>
+          </p:nvPr>
+        </p:nvSpPr>
+        <p:spPr/>
+      </p:sp>
+      <p:sp>
+        <p:nvSpPr>
+          <p:cNvPr id="3" name="备注占位符 2"/>
+          <p:cNvSpPr>
+            <a:spLocks noGrp="1"/>
+          </p:cNvSpPr>
+          <p:nvPr>
+            <p:ph type="body" idx="1"/>
+          </p:nvPr>
+        </p:nvSpPr>
+        <p:spPr/>
+        <p:txBody>
+          <a:bodyPr/>
+          <a:lstStyle/>
+          <a:p>
+            <a:endParaRPr lang="zh-CN" altLang="en-US" dirty="0"/>
+          </a:p>
+        </p:txBody>
+      </p:sp>
+      <p:sp>
+        <p:nvSpPr>
+          <p:cNvPr id="4" name="灯片编号占位符 3"/>
+          <p:cNvSpPr>
+            <a:spLocks noGrp="1"/>
+          </p:cNvSpPr>
+          <p:nvPr>
+            <p:ph type="sldNum" sz="quarter" idx="5"/>
+          </p:nvPr>
+        </p:nvSpPr>
+        <p:spPr/>
+        <p:txBody>
+          <a:bodyPr/>
+          <a:lstStyle/>
+          <a:p>
+            <a:fld id="{AFABFBDB-6986-4D68-AF78-58D1E535D72E}" type="slidenum">
+              <a:rPr lang="zh-CN" altLang="en-US" smtClean="0"/>
+              <a:t>9</a:t>
+            </a:fld>
+            <a:endParaRPr lang="zh-CN" altLang="en-US"/>
+          </a:p>
+        </p:txBody>
+      </p:sp>
+    </p:spTree>
+    <p:extLst>
+      <p:ext uri="{BB962C8B-B14F-4D97-AF65-F5344CB8AC3E}">
+        <p14:creationId xmlns:p14="http://schemas.microsoft.com/office/powerpoint/2010/main" val="3071986100"/>
+      </p:ext>
+    </p:extLst>
+  </p:cSld>
+  <p:clrMapOvr>
+    <a:masterClrMapping/>
+  </p:clrMapOvr>
+</p:notes>
+</file>
+
+<file path=ppt/notesSlides/notesSlide3.xml><?xml version="1.0" encoding="utf-8"?>
+<p:notes xmlns:a="http://schemas.openxmlformats.org/drawingml/2006/main" xmlns:r="http://schemas.openxmlformats.org/officeDocument/2006/relationships" xmlns:p="http://schemas.openxmlformats.org/presentationml/2006/main">
+  <p:cSld>
+    <p:spTree>
+      <p:nvGrpSpPr>
+        <p:cNvPr id="1" name=""/>
+        <p:cNvGrpSpPr/>
+        <p:nvPr/>
+      </p:nvGrpSpPr>
+      <p:grpSpPr>
+        <a:xfrm>
+          <a:off x="0" y="0"/>
+          <a:ext cx="0" cy="0"/>
+          <a:chOff x="0" y="0"/>
+          <a:chExt cx="0" cy="0"/>
+        </a:xfrm>
+      </p:grpSpPr>
+      <p:sp>
+        <p:nvSpPr>
+          <p:cNvPr id="2" name="幻灯片图像占位符 1"/>
+          <p:cNvSpPr>
+            <a:spLocks noGrp="1" noRot="1" noChangeAspect="1"/>
+          </p:cNvSpPr>
+          <p:nvPr>
+            <p:ph type="sldImg"/>
+          </p:nvPr>
+        </p:nvSpPr>
+        <p:spPr/>
+      </p:sp>
+      <p:sp>
+        <p:nvSpPr>
+          <p:cNvPr id="3" name="备注占位符 2"/>
+          <p:cNvSpPr>
+            <a:spLocks noGrp="1"/>
+          </p:cNvSpPr>
+          <p:nvPr>
+            <p:ph type="body" idx="1"/>
+          </p:nvPr>
+        </p:nvSpPr>
+        <p:spPr/>
+        <p:txBody>
+          <a:bodyPr/>
+          <a:lstStyle/>
+          <a:p>
+            <a:endParaRPr lang="zh-CN" altLang="en-US" dirty="0"/>
+          </a:p>
+        </p:txBody>
+      </p:sp>
+      <p:sp>
+        <p:nvSpPr>
+          <p:cNvPr id="4" name="灯片编号占位符 3"/>
+          <p:cNvSpPr>
+            <a:spLocks noGrp="1"/>
+          </p:cNvSpPr>
+          <p:nvPr>
+            <p:ph type="sldNum" sz="quarter" idx="5"/>
+          </p:nvPr>
+        </p:nvSpPr>
+        <p:spPr/>
+        <p:txBody>
+          <a:bodyPr/>
+          <a:lstStyle/>
+          <a:p>
+            <a:fld id="{AFABFBDB-6986-4D68-AF78-58D1E535D72E}" type="slidenum">
+              <a:rPr lang="zh-CN" altLang="en-US" smtClean="0"/>
+              <a:t>10</a:t>
+            </a:fld>
+            <a:endParaRPr lang="zh-CN" altLang="en-US"/>
+          </a:p>
+        </p:txBody>
+      </p:sp>
+    </p:spTree>
+    <p:extLst>
+      <p:ext uri="{BB962C8B-B14F-4D97-AF65-F5344CB8AC3E}">
+        <p14:creationId xmlns:p14="http://schemas.microsoft.com/office/powerpoint/2010/main" val="3977652495"/>
+      </p:ext>
+    </p:extLst>
+  </p:cSld>
+  <p:clrMapOvr>
+    <a:masterClrMapping/>
+  </p:clrMapOvr>
+</p:notes>
+</file>
+
+<file path=ppt/notesSlides/notesSlide4.xml><?xml version="1.0" encoding="utf-8"?>
+<p:notes xmlns:a="http://schemas.openxmlformats.org/drawingml/2006/main" xmlns:r="http://schemas.openxmlformats.org/officeDocument/2006/relationships" xmlns:p="http://schemas.openxmlformats.org/presentationml/2006/main">
+  <p:cSld>
+    <p:spTree>
+      <p:nvGrpSpPr>
+        <p:cNvPr id="1" name=""/>
+        <p:cNvGrpSpPr/>
+        <p:nvPr/>
+      </p:nvGrpSpPr>
+      <p:grpSpPr>
+        <a:xfrm>
+          <a:off x="0" y="0"/>
+          <a:ext cx="0" cy="0"/>
+          <a:chOff x="0" y="0"/>
+          <a:chExt cx="0" cy="0"/>
+        </a:xfrm>
+      </p:grpSpPr>
+      <p:sp>
+        <p:nvSpPr>
+          <p:cNvPr id="2" name="幻灯片图像占位符 1"/>
+          <p:cNvSpPr>
+            <a:spLocks noGrp="1" noRot="1" noChangeAspect="1"/>
+          </p:cNvSpPr>
+          <p:nvPr>
+            <p:ph type="sldImg"/>
+          </p:nvPr>
+        </p:nvSpPr>
+        <p:spPr/>
+      </p:sp>
+      <p:sp>
+        <p:nvSpPr>
+          <p:cNvPr id="3" name="备注占位符 2"/>
+          <p:cNvSpPr>
+            <a:spLocks noGrp="1"/>
+          </p:cNvSpPr>
+          <p:nvPr>
+            <p:ph type="body" idx="1"/>
+          </p:nvPr>
+        </p:nvSpPr>
+        <p:spPr/>
+        <p:txBody>
+          <a:bodyPr/>
+          <a:lstStyle/>
+          <a:p>
+            <a:r>
+              <a:rPr lang="zh-CN" altLang="en-US" dirty="0"/>
+              <a:t>类中包括了</a:t>
+            </a:r>
+            <a:r>
+              <a:rPr lang="en-US" altLang="zh-CN" dirty="0"/>
+              <a:t>4</a:t>
+            </a:r>
+            <a:r>
+              <a:rPr lang="zh-CN" altLang="en-US" dirty="0"/>
+              <a:t>个成员变量和</a:t>
+            </a:r>
+            <a:r>
+              <a:rPr lang="en-US" altLang="zh-CN" dirty="0"/>
+              <a:t>3</a:t>
+            </a:r>
+            <a:r>
+              <a:rPr lang="zh-CN" altLang="en-US" dirty="0"/>
+              <a:t>个成员函数</a:t>
+            </a:r>
+          </a:p>
+        </p:txBody>
+      </p:sp>
+      <p:sp>
+        <p:nvSpPr>
+          <p:cNvPr id="4" name="灯片编号占位符 3"/>
+          <p:cNvSpPr>
+            <a:spLocks noGrp="1"/>
+          </p:cNvSpPr>
+          <p:nvPr>
+            <p:ph type="sldNum" sz="quarter" idx="5"/>
+          </p:nvPr>
+        </p:nvSpPr>
+        <p:spPr/>
+        <p:txBody>
+          <a:bodyPr/>
+          <a:lstStyle/>
+          <a:p>
+            <a:fld id="{AFABFBDB-6986-4D68-AF78-58D1E535D72E}" type="slidenum">
+              <a:rPr lang="zh-CN" altLang="en-US" smtClean="0"/>
+              <a:t>13</a:t>
+            </a:fld>
+            <a:endParaRPr lang="zh-CN" altLang="en-US"/>
+          </a:p>
+        </p:txBody>
+      </p:sp>
+    </p:spTree>
+    <p:extLst>
+      <p:ext uri="{BB962C8B-B14F-4D97-AF65-F5344CB8AC3E}">
+        <p14:creationId xmlns:p14="http://schemas.microsoft.com/office/powerpoint/2010/main" val="2009238937"/>
+      </p:ext>
+    </p:extLst>
+  </p:cSld>
+  <p:clrMapOvr>
+    <a:masterClrMapping/>
+  </p:clrMapOvr>
+</p:notes>
+</file>
+
+<file path=ppt/notesSlides/notesSlide5.xml><?xml version="1.0" encoding="utf-8"?>
+<p:notes xmlns:a="http://schemas.openxmlformats.org/drawingml/2006/main" xmlns:r="http://schemas.openxmlformats.org/officeDocument/2006/relationships" xmlns:p="http://schemas.openxmlformats.org/presentationml/2006/main">
+  <p:cSld>
+    <p:spTree>
+      <p:nvGrpSpPr>
+        <p:cNvPr id="1" name=""/>
+        <p:cNvGrpSpPr/>
+        <p:nvPr/>
+      </p:nvGrpSpPr>
+      <p:grpSpPr>
+        <a:xfrm>
+          <a:off x="0" y="0"/>
+          <a:ext cx="0" cy="0"/>
+          <a:chOff x="0" y="0"/>
+          <a:chExt cx="0" cy="0"/>
+        </a:xfrm>
+      </p:grpSpPr>
+      <p:sp>
+        <p:nvSpPr>
+          <p:cNvPr id="2" name="幻灯片图像占位符 1"/>
+          <p:cNvSpPr>
+            <a:spLocks noGrp="1" noRot="1" noChangeAspect="1"/>
+          </p:cNvSpPr>
+          <p:nvPr>
+            <p:ph type="sldImg"/>
+          </p:nvPr>
+        </p:nvSpPr>
+        <p:spPr/>
+      </p:sp>
+      <p:sp>
+        <p:nvSpPr>
+          <p:cNvPr id="3" name="备注占位符 2"/>
+          <p:cNvSpPr>
+            <a:spLocks noGrp="1"/>
+          </p:cNvSpPr>
+          <p:nvPr>
+            <p:ph type="body" idx="1"/>
+          </p:nvPr>
+        </p:nvSpPr>
+        <p:spPr/>
+        <p:txBody>
+          <a:bodyPr/>
+          <a:lstStyle/>
+          <a:p>
+            <a:pPr marL="0" marR="0" lvl="0" indent="0" algn="l" defTabSz="914400" rtl="0" eaLnBrk="1" fontAlgn="auto" latinLnBrk="0" hangingPunct="1">
+              <a:lnSpc>
+                <a:spcPct val="100000"/>
+              </a:lnSpc>
+              <a:spcBef>
+                <a:spcPts val="0"/>
+              </a:spcBef>
+              <a:spcAft>
+                <a:spcPts val="0"/>
+              </a:spcAft>
+              <a:buClrTx/>
+              <a:buSzTx/>
+              <a:buFontTx/>
+              <a:buNone/>
+              <a:tabLst/>
+              <a:defRPr/>
+            </a:pPr>
+            <a:r>
+              <a:rPr lang="zh-CN" altLang="en-US" dirty="0"/>
+              <a:t>首先通过计算不同成员之间的</a:t>
+            </a:r>
+            <a:r>
+              <a:rPr lang="en-US" altLang="zh-CN" dirty="0"/>
+              <a:t>distance</a:t>
+            </a:r>
+            <a:r>
+              <a:rPr lang="zh-CN" altLang="en-US" dirty="0"/>
+              <a:t>来刻画它们之间的相似度，然后利用一种分层聚类的方法，可以得到右下角的聚类树状图，树状图的每一个连接点可以看作是聚类生成的一种抽象的概念</a:t>
+            </a:r>
+            <a:r>
+              <a:rPr lang="en-US" altLang="zh-CN" dirty="0"/>
+              <a:t>(</a:t>
+            </a:r>
+            <a:r>
+              <a:rPr lang="zh-CN" altLang="en-US" dirty="0"/>
+              <a:t>类型</a:t>
+            </a:r>
+            <a:r>
+              <a:rPr lang="en-US" altLang="zh-CN" dirty="0"/>
+              <a:t>)</a:t>
+            </a:r>
+            <a:r>
+              <a:rPr lang="zh-CN" altLang="en-US" dirty="0"/>
+              <a:t>，比如这里的</a:t>
+            </a:r>
+            <a:r>
+              <a:rPr lang="en-US" altLang="zh-CN" dirty="0"/>
+              <a:t>C3</a:t>
+            </a:r>
+            <a:r>
+              <a:rPr lang="zh-CN" altLang="en-US" dirty="0"/>
+              <a:t>和</a:t>
+            </a:r>
+            <a:r>
+              <a:rPr lang="en-US" altLang="zh-CN" dirty="0"/>
+              <a:t>C5</a:t>
+            </a:r>
+            <a:r>
+              <a:rPr lang="zh-CN" altLang="en-US" dirty="0"/>
+              <a:t>的连接点代表的是最顶层的一般性的类型，</a:t>
+            </a:r>
+            <a:r>
+              <a:rPr lang="en-US" altLang="zh-CN" dirty="0"/>
+              <a:t>C1</a:t>
+            </a:r>
+            <a:r>
+              <a:rPr lang="zh-CN" altLang="en-US" dirty="0"/>
+              <a:t>和</a:t>
+            </a:r>
+            <a:r>
+              <a:rPr lang="en-US" altLang="zh-CN" dirty="0"/>
+              <a:t>C2</a:t>
+            </a:r>
+            <a:r>
+              <a:rPr lang="zh-CN" altLang="en-US" dirty="0"/>
+              <a:t>可以看作</a:t>
+            </a:r>
+            <a:r>
+              <a:rPr lang="en-US" altLang="zh-CN" dirty="0"/>
+              <a:t>C3</a:t>
+            </a:r>
+            <a:r>
+              <a:rPr lang="zh-CN" altLang="en-US" dirty="0"/>
+              <a:t>的子类型，然后审视所有可以提取类的机会是否都是有必要的，比如这里的</a:t>
+            </a:r>
+            <a:r>
+              <a:rPr lang="en-US" altLang="zh-CN" dirty="0"/>
+              <a:t>C1</a:t>
+            </a:r>
+            <a:r>
+              <a:rPr lang="zh-CN" altLang="en-US" dirty="0"/>
+              <a:t>类只包含成员变量，所有我们并不把</a:t>
+            </a:r>
+            <a:r>
+              <a:rPr lang="en-US" altLang="zh-CN" dirty="0"/>
+              <a:t>C1</a:t>
+            </a:r>
+            <a:r>
+              <a:rPr lang="zh-CN" altLang="en-US" dirty="0"/>
+              <a:t>再提取一个类出来</a:t>
+            </a:r>
+            <a:endParaRPr lang="en-US" altLang="zh-CN" dirty="0"/>
+          </a:p>
+        </p:txBody>
+      </p:sp>
+      <p:sp>
+        <p:nvSpPr>
+          <p:cNvPr id="4" name="灯片编号占位符 3"/>
+          <p:cNvSpPr>
+            <a:spLocks noGrp="1"/>
+          </p:cNvSpPr>
+          <p:nvPr>
+            <p:ph type="sldNum" sz="quarter" idx="5"/>
+          </p:nvPr>
+        </p:nvSpPr>
+        <p:spPr/>
+        <p:txBody>
+          <a:bodyPr/>
+          <a:lstStyle/>
+          <a:p>
+            <a:fld id="{AFABFBDB-6986-4D68-AF78-58D1E535D72E}" type="slidenum">
+              <a:rPr lang="zh-CN" altLang="en-US" smtClean="0"/>
+              <a:t>15</a:t>
+            </a:fld>
+            <a:endParaRPr lang="zh-CN" altLang="en-US"/>
+          </a:p>
+        </p:txBody>
+      </p:sp>
+    </p:spTree>
+    <p:extLst>
+      <p:ext uri="{BB962C8B-B14F-4D97-AF65-F5344CB8AC3E}">
+        <p14:creationId xmlns:p14="http://schemas.microsoft.com/office/powerpoint/2010/main" val="2733813734"/>
+      </p:ext>
+    </p:extLst>
+  </p:cSld>
+  <p:clrMapOvr>
+    <a:masterClrMapping/>
+  </p:clrMapOvr>
+</p:notes>
+</file>
+
+<file path=ppt/notesSlides/notesSlide6.xml><?xml version="1.0" encoding="utf-8"?>
+<p:notes xmlns:a="http://schemas.openxmlformats.org/drawingml/2006/main" xmlns:r="http://schemas.openxmlformats.org/officeDocument/2006/relationships" xmlns:p="http://schemas.openxmlformats.org/presentationml/2006/main">
+  <p:cSld>
+    <p:spTree>
+      <p:nvGrpSpPr>
+        <p:cNvPr id="1" name=""/>
+        <p:cNvGrpSpPr/>
+        <p:nvPr/>
+      </p:nvGrpSpPr>
+      <p:grpSpPr>
+        <a:xfrm>
+          <a:off x="0" y="0"/>
+          <a:ext cx="0" cy="0"/>
+          <a:chOff x="0" y="0"/>
+          <a:chExt cx="0" cy="0"/>
+        </a:xfrm>
+      </p:grpSpPr>
+      <p:sp>
+        <p:nvSpPr>
+          <p:cNvPr id="2" name="幻灯片图像占位符 1"/>
+          <p:cNvSpPr>
+            <a:spLocks noGrp="1" noRot="1" noChangeAspect="1"/>
+          </p:cNvSpPr>
+          <p:nvPr>
+            <p:ph type="sldImg"/>
+          </p:nvPr>
+        </p:nvSpPr>
+        <p:spPr/>
+      </p:sp>
+      <p:sp>
+        <p:nvSpPr>
+          <p:cNvPr id="3" name="备注占位符 2"/>
+          <p:cNvSpPr>
+            <a:spLocks noGrp="1"/>
+          </p:cNvSpPr>
+          <p:nvPr>
+            <p:ph type="body" idx="1"/>
+          </p:nvPr>
+        </p:nvSpPr>
+        <p:spPr/>
+        <p:txBody>
+          <a:bodyPr/>
+          <a:lstStyle/>
+          <a:p>
+            <a:r>
+              <a:rPr lang="zh-CN" altLang="en-US" dirty="0"/>
+              <a:t>在生成了一系列的可以提取的概念之后，第一步，我们线去掉那些不满足预置条件的重构机会</a:t>
+            </a:r>
+            <a:r>
+              <a:rPr lang="en-US" altLang="zh-CN" dirty="0"/>
+              <a:t>(C1)</a:t>
+            </a:r>
+            <a:r>
+              <a:rPr lang="zh-CN" altLang="en-US" dirty="0"/>
+              <a:t>，然后</a:t>
+            </a:r>
+            <a:r>
+              <a:rPr lang="en-US" altLang="zh-CN" dirty="0"/>
+              <a:t>C2</a:t>
+            </a:r>
+            <a:r>
+              <a:rPr lang="zh-CN" altLang="en-US" dirty="0"/>
+              <a:t>重构也被抛弃了，因为重构</a:t>
+            </a:r>
+            <a:r>
+              <a:rPr lang="en-US" altLang="zh-CN" dirty="0"/>
+              <a:t>C2</a:t>
+            </a:r>
+            <a:r>
+              <a:rPr lang="zh-CN" altLang="en-US" dirty="0"/>
+              <a:t>类会导致系统的</a:t>
+            </a:r>
+            <a:r>
+              <a:rPr lang="en-US" altLang="zh-CN" dirty="0"/>
+              <a:t>Entity Placement value</a:t>
+            </a:r>
+            <a:r>
+              <a:rPr lang="zh-CN" altLang="en-US" dirty="0"/>
+              <a:t>值变高</a:t>
+            </a:r>
+          </a:p>
+        </p:txBody>
+      </p:sp>
+      <p:sp>
+        <p:nvSpPr>
+          <p:cNvPr id="4" name="灯片编号占位符 3"/>
+          <p:cNvSpPr>
+            <a:spLocks noGrp="1"/>
+          </p:cNvSpPr>
+          <p:nvPr>
+            <p:ph type="sldNum" sz="quarter" idx="5"/>
+          </p:nvPr>
+        </p:nvSpPr>
+        <p:spPr/>
+        <p:txBody>
+          <a:bodyPr/>
+          <a:lstStyle/>
+          <a:p>
+            <a:fld id="{AFABFBDB-6986-4D68-AF78-58D1E535D72E}" type="slidenum">
+              <a:rPr lang="zh-CN" altLang="en-US" smtClean="0"/>
+              <a:t>17</a:t>
+            </a:fld>
+            <a:endParaRPr lang="zh-CN" altLang="en-US"/>
+          </a:p>
+        </p:txBody>
+      </p:sp>
+    </p:spTree>
+    <p:extLst>
+      <p:ext uri="{BB962C8B-B14F-4D97-AF65-F5344CB8AC3E}">
+        <p14:creationId xmlns:p14="http://schemas.microsoft.com/office/powerpoint/2010/main" val="1928000309"/>
+      </p:ext>
+    </p:extLst>
+  </p:cSld>
+  <p:clrMapOvr>
+    <a:masterClrMapping/>
+  </p:clrMapOvr>
+</p:notes>
+</file>
+
+<file path=ppt/notesSlides/notesSlide7.xml><?xml version="1.0" encoding="utf-8"?>
+<p:notes xmlns:a="http://schemas.openxmlformats.org/drawingml/2006/main" xmlns:r="http://schemas.openxmlformats.org/officeDocument/2006/relationships" xmlns:p="http://schemas.openxmlformats.org/presentationml/2006/main">
+  <p:cSld>
+    <p:spTree>
+      <p:nvGrpSpPr>
+        <p:cNvPr id="1" name=""/>
+        <p:cNvGrpSpPr/>
+        <p:nvPr/>
+      </p:nvGrpSpPr>
+      <p:grpSpPr>
+        <a:xfrm>
+          <a:off x="0" y="0"/>
+          <a:ext cx="0" cy="0"/>
+          <a:chOff x="0" y="0"/>
+          <a:chExt cx="0" cy="0"/>
+        </a:xfrm>
+      </p:grpSpPr>
+      <p:sp>
+        <p:nvSpPr>
+          <p:cNvPr id="2" name="幻灯片图像占位符 1"/>
+          <p:cNvSpPr>
+            <a:spLocks noGrp="1" noRot="1" noChangeAspect="1"/>
+          </p:cNvSpPr>
+          <p:nvPr>
+            <p:ph type="sldImg"/>
+          </p:nvPr>
+        </p:nvSpPr>
+        <p:spPr/>
+      </p:sp>
+      <p:sp>
+        <p:nvSpPr>
+          <p:cNvPr id="3" name="备注占位符 2"/>
+          <p:cNvSpPr>
+            <a:spLocks noGrp="1"/>
+          </p:cNvSpPr>
+          <p:nvPr>
+            <p:ph type="body" idx="1"/>
+          </p:nvPr>
+        </p:nvSpPr>
+        <p:spPr/>
+        <p:txBody>
+          <a:bodyPr/>
+          <a:lstStyle/>
+          <a:p>
+            <a:r>
+              <a:rPr lang="zh-CN" altLang="en-US" dirty="0"/>
+              <a:t>使用</a:t>
+            </a:r>
+            <a:r>
+              <a:rPr lang="en-US" altLang="zh-CN" dirty="0"/>
+              <a:t>Eclipse</a:t>
+            </a:r>
+            <a:r>
+              <a:rPr lang="zh-CN" altLang="en-US" dirty="0"/>
+              <a:t>的</a:t>
+            </a:r>
+            <a:r>
+              <a:rPr lang="en-US" altLang="zh-CN" dirty="0"/>
+              <a:t>JDT</a:t>
+            </a:r>
+            <a:r>
+              <a:rPr lang="zh-CN" altLang="en-US" dirty="0"/>
+              <a:t>来进行重构，首先从源码构建出</a:t>
+            </a:r>
+            <a:r>
+              <a:rPr lang="en-US" altLang="zh-CN" dirty="0"/>
+              <a:t>AST</a:t>
+            </a:r>
+            <a:r>
+              <a:rPr lang="zh-CN" altLang="en-US" dirty="0"/>
+              <a:t>，然后基于提取类的重构机制修改</a:t>
+            </a:r>
+            <a:r>
+              <a:rPr lang="en-US" altLang="zh-CN" dirty="0"/>
+              <a:t>AST</a:t>
+            </a:r>
+            <a:r>
+              <a:rPr lang="zh-CN" altLang="en-US" dirty="0"/>
+              <a:t>，然后重写代码</a:t>
+            </a:r>
+          </a:p>
+        </p:txBody>
+      </p:sp>
+      <p:sp>
+        <p:nvSpPr>
+          <p:cNvPr id="4" name="灯片编号占位符 3"/>
+          <p:cNvSpPr>
+            <a:spLocks noGrp="1"/>
+          </p:cNvSpPr>
+          <p:nvPr>
+            <p:ph type="sldNum" sz="quarter" idx="5"/>
+          </p:nvPr>
+        </p:nvSpPr>
+        <p:spPr/>
+        <p:txBody>
+          <a:bodyPr/>
+          <a:lstStyle/>
+          <a:p>
+            <a:fld id="{AFABFBDB-6986-4D68-AF78-58D1E535D72E}" type="slidenum">
+              <a:rPr lang="zh-CN" altLang="en-US" smtClean="0"/>
+              <a:t>18</a:t>
+            </a:fld>
+            <a:endParaRPr lang="zh-CN" altLang="en-US"/>
+          </a:p>
+        </p:txBody>
+      </p:sp>
+    </p:spTree>
+    <p:extLst>
+      <p:ext uri="{BB962C8B-B14F-4D97-AF65-F5344CB8AC3E}">
+        <p14:creationId xmlns:p14="http://schemas.microsoft.com/office/powerpoint/2010/main" val="1821777280"/>
+      </p:ext>
+    </p:extLst>
+  </p:cSld>
+  <p:clrMapOvr>
+    <a:masterClrMapping/>
+  </p:clrMapOvr>
+</p:notes>
+</file>
+
+<file path=ppt/notesSlides/notesSlide8.xml><?xml version="1.0" encoding="utf-8"?>
+<p:notes xmlns:a="http://schemas.openxmlformats.org/drawingml/2006/main" xmlns:r="http://schemas.openxmlformats.org/officeDocument/2006/relationships" xmlns:p="http://schemas.openxmlformats.org/presentationml/2006/main">
+  <p:cSld>
+    <p:spTree>
+      <p:nvGrpSpPr>
+        <p:cNvPr id="1" name=""/>
+        <p:cNvGrpSpPr/>
+        <p:nvPr/>
+      </p:nvGrpSpPr>
+      <p:grpSpPr>
+        <a:xfrm>
+          <a:off x="0" y="0"/>
+          <a:ext cx="0" cy="0"/>
+          <a:chOff x="0" y="0"/>
+          <a:chExt cx="0" cy="0"/>
+        </a:xfrm>
+      </p:grpSpPr>
+      <p:sp>
+        <p:nvSpPr>
+          <p:cNvPr id="2" name="幻灯片图像占位符 1"/>
+          <p:cNvSpPr>
+            <a:spLocks noGrp="1" noRot="1" noChangeAspect="1"/>
+          </p:cNvSpPr>
+          <p:nvPr>
+            <p:ph type="sldImg"/>
+          </p:nvPr>
+        </p:nvSpPr>
+        <p:spPr/>
+      </p:sp>
+      <p:sp>
+        <p:nvSpPr>
+          <p:cNvPr id="3" name="备注占位符 2"/>
+          <p:cNvSpPr>
+            <a:spLocks noGrp="1"/>
+          </p:cNvSpPr>
+          <p:nvPr>
+            <p:ph type="body" idx="1"/>
+          </p:nvPr>
+        </p:nvSpPr>
+        <p:spPr/>
+        <p:txBody>
+          <a:bodyPr/>
+          <a:lstStyle/>
+          <a:p>
+            <a:endParaRPr lang="zh-CN" altLang="en-US" dirty="0"/>
+          </a:p>
+        </p:txBody>
+      </p:sp>
+      <p:sp>
+        <p:nvSpPr>
+          <p:cNvPr id="4" name="灯片编号占位符 3"/>
+          <p:cNvSpPr>
+            <a:spLocks noGrp="1"/>
+          </p:cNvSpPr>
+          <p:nvPr>
+            <p:ph type="sldNum" sz="quarter" idx="5"/>
+          </p:nvPr>
+        </p:nvSpPr>
+        <p:spPr/>
+        <p:txBody>
+          <a:bodyPr/>
+          <a:lstStyle/>
+          <a:p>
+            <a:fld id="{AFABFBDB-6986-4D68-AF78-58D1E535D72E}" type="slidenum">
+              <a:rPr lang="zh-CN" altLang="en-US" smtClean="0"/>
+              <a:t>20</a:t>
+            </a:fld>
+            <a:endParaRPr lang="zh-CN" altLang="en-US"/>
+          </a:p>
+        </p:txBody>
+      </p:sp>
+    </p:spTree>
+    <p:extLst>
+      <p:ext uri="{BB962C8B-B14F-4D97-AF65-F5344CB8AC3E}">
+        <p14:creationId xmlns:p14="http://schemas.microsoft.com/office/powerpoint/2010/main" val="626271165"/>
+      </p:ext>
+    </p:extLst>
+  </p:cSld>
+  <p:clrMapOvr>
+    <a:masterClrMapping/>
+  </p:clrMapOvr>
+</p:notes>
 </file>
 
 <file path=ppt/slideLayouts/slideLayout1.xml><?xml version="1.0" encoding="utf-8"?>
@@ -264,7 +1688,7 @@
           <a:p>
             <a:fld id="{D7D94BF0-FE24-4E84-BEA5-B0EBF192CBAF}" type="datetimeFigureOut">
               <a:rPr lang="zh-CN" altLang="en-US" smtClean="0"/>
-              <a:t>2020/4/24</a:t>
+              <a:t>2020/5/7</a:t>
             </a:fld>
             <a:endParaRPr lang="zh-CN" altLang="en-US"/>
           </a:p>
@@ -462,7 +1886,7 @@
           <a:p>
             <a:fld id="{D7D94BF0-FE24-4E84-BEA5-B0EBF192CBAF}" type="datetimeFigureOut">
               <a:rPr lang="zh-CN" altLang="en-US" smtClean="0"/>
-              <a:t>2020/4/24</a:t>
+              <a:t>2020/5/7</a:t>
             </a:fld>
             <a:endParaRPr lang="zh-CN" altLang="en-US"/>
           </a:p>
@@ -670,7 +2094,7 @@
           <a:p>
             <a:fld id="{D7D94BF0-FE24-4E84-BEA5-B0EBF192CBAF}" type="datetimeFigureOut">
               <a:rPr lang="zh-CN" altLang="en-US" smtClean="0"/>
-              <a:t>2020/4/24</a:t>
+              <a:t>2020/5/7</a:t>
             </a:fld>
             <a:endParaRPr lang="zh-CN" altLang="en-US"/>
           </a:p>
@@ -868,7 +2292,7 @@
           <a:p>
             <a:fld id="{D7D94BF0-FE24-4E84-BEA5-B0EBF192CBAF}" type="datetimeFigureOut">
               <a:rPr lang="zh-CN" altLang="en-US" smtClean="0"/>
-              <a:t>2020/4/24</a:t>
+              <a:t>2020/5/7</a:t>
             </a:fld>
             <a:endParaRPr lang="zh-CN" altLang="en-US"/>
           </a:p>
@@ -1143,7 +2567,7 @@
           <a:p>
             <a:fld id="{D7D94BF0-FE24-4E84-BEA5-B0EBF192CBAF}" type="datetimeFigureOut">
               <a:rPr lang="zh-CN" altLang="en-US" smtClean="0"/>
-              <a:t>2020/4/24</a:t>
+              <a:t>2020/5/7</a:t>
             </a:fld>
             <a:endParaRPr lang="zh-CN" altLang="en-US"/>
           </a:p>
@@ -1408,7 +2832,7 @@
           <a:p>
             <a:fld id="{D7D94BF0-FE24-4E84-BEA5-B0EBF192CBAF}" type="datetimeFigureOut">
               <a:rPr lang="zh-CN" altLang="en-US" smtClean="0"/>
-              <a:t>2020/4/24</a:t>
+              <a:t>2020/5/7</a:t>
             </a:fld>
             <a:endParaRPr lang="zh-CN" altLang="en-US"/>
           </a:p>
@@ -1820,7 +3244,7 @@
           <a:p>
             <a:fld id="{D7D94BF0-FE24-4E84-BEA5-B0EBF192CBAF}" type="datetimeFigureOut">
               <a:rPr lang="zh-CN" altLang="en-US" smtClean="0"/>
-              <a:t>2020/4/24</a:t>
+              <a:t>2020/5/7</a:t>
             </a:fld>
             <a:endParaRPr lang="zh-CN" altLang="en-US"/>
           </a:p>
@@ -1961,7 +3385,7 @@
           <a:p>
             <a:fld id="{D7D94BF0-FE24-4E84-BEA5-B0EBF192CBAF}" type="datetimeFigureOut">
               <a:rPr lang="zh-CN" altLang="en-US" smtClean="0"/>
-              <a:t>2020/4/24</a:t>
+              <a:t>2020/5/7</a:t>
             </a:fld>
             <a:endParaRPr lang="zh-CN" altLang="en-US"/>
           </a:p>
@@ -2074,7 +3498,7 @@
           <a:p>
             <a:fld id="{D7D94BF0-FE24-4E84-BEA5-B0EBF192CBAF}" type="datetimeFigureOut">
               <a:rPr lang="zh-CN" altLang="en-US" smtClean="0"/>
-              <a:t>2020/4/24</a:t>
+              <a:t>2020/5/7</a:t>
             </a:fld>
             <a:endParaRPr lang="zh-CN" altLang="en-US"/>
           </a:p>
@@ -2385,7 +3809,7 @@
           <a:p>
             <a:fld id="{D7D94BF0-FE24-4E84-BEA5-B0EBF192CBAF}" type="datetimeFigureOut">
               <a:rPr lang="zh-CN" altLang="en-US" smtClean="0"/>
-              <a:t>2020/4/24</a:t>
+              <a:t>2020/5/7</a:t>
             </a:fld>
             <a:endParaRPr lang="zh-CN" altLang="en-US"/>
           </a:p>
@@ -2673,7 +4097,7 @@
           <a:p>
             <a:fld id="{D7D94BF0-FE24-4E84-BEA5-B0EBF192CBAF}" type="datetimeFigureOut">
               <a:rPr lang="zh-CN" altLang="en-US" smtClean="0"/>
-              <a:t>2020/4/24</a:t>
+              <a:t>2020/5/7</a:t>
             </a:fld>
             <a:endParaRPr lang="zh-CN" altLang="en-US"/>
           </a:p>
@@ -2914,7 +4338,7 @@
           <a:p>
             <a:fld id="{D7D94BF0-FE24-4E84-BEA5-B0EBF192CBAF}" type="datetimeFigureOut">
               <a:rPr lang="zh-CN" altLang="en-US" smtClean="0"/>
-              <a:t>2020/4/24</a:t>
+              <a:t>2020/5/7</a:t>
             </a:fld>
             <a:endParaRPr lang="zh-CN" altLang="en-US"/>
           </a:p>
@@ -3347,15 +4771,23 @@
             <p:ph type="ctrTitle"/>
           </p:nvPr>
         </p:nvSpPr>
-        <p:spPr/>
-        <p:txBody>
-          <a:bodyPr/>
-          <a:lstStyle/>
-          <a:p>
-            <a:r>
-              <a:rPr lang="zh-CN" altLang="en-US" dirty="0"/>
-              <a:t>课程报告</a:t>
-            </a:r>
+        <p:spPr>
+          <a:xfrm>
+            <a:off x="924910" y="2010486"/>
+            <a:ext cx="10342179" cy="1778876"/>
+          </a:xfrm>
+        </p:spPr>
+        <p:txBody>
+          <a:bodyPr>
+            <a:normAutofit/>
+          </a:bodyPr>
+          <a:lstStyle/>
+          <a:p>
+            <a:r>
+              <a:rPr lang="en-US" altLang="zh-CN" dirty="0"/>
+              <a:t>literature review: Refactoring for disclosing code smells</a:t>
+            </a:r>
+            <a:endParaRPr lang="zh-CN" altLang="en-US" dirty="0"/>
           </a:p>
         </p:txBody>
       </p:sp>
@@ -3375,9 +4807,16 @@
             <p:ph type="subTitle" idx="1"/>
           </p:nvPr>
         </p:nvSpPr>
-        <p:spPr/>
-        <p:txBody>
-          <a:bodyPr/>
+        <p:spPr>
+          <a:xfrm>
+            <a:off x="8797159" y="5375275"/>
+            <a:ext cx="2869324" cy="360362"/>
+          </a:xfrm>
+        </p:spPr>
+        <p:txBody>
+          <a:bodyPr>
+            <a:normAutofit fontScale="92500" lnSpcReduction="20000"/>
+          </a:bodyPr>
           <a:lstStyle/>
           <a:p>
             <a:r>
@@ -3426,7 +4865,7 @@
           <p:cNvPr id="2" name="标题 1">
             <a:extLst>
               <a:ext uri="{FF2B5EF4-FFF2-40B4-BE49-F238E27FC236}">
-                <a16:creationId xmlns:a16="http://schemas.microsoft.com/office/drawing/2014/main" id="{FC3E165B-29BD-42BB-9DF4-04D31A9F974B}"/>
+                <a16:creationId xmlns:a16="http://schemas.microsoft.com/office/drawing/2014/main" id="{054CE3F0-A26E-4934-9D3B-125235930AD7}"/>
               </a:ext>
             </a:extLst>
           </p:cNvPr>
@@ -3444,69 +4883,64 @@
           <a:p>
             <a:r>
               <a:rPr lang="en-US" altLang="zh-CN" dirty="0"/>
-              <a:t>Behavior Preservation</a:t>
+              <a:t>Semi-automatic techniques</a:t>
+            </a:r>
+          </a:p>
+        </p:txBody>
+      </p:sp>
+      <p:sp>
+        <p:nvSpPr>
+          <p:cNvPr id="3" name="内容占位符 2">
+            <a:extLst>
+              <a:ext uri="{FF2B5EF4-FFF2-40B4-BE49-F238E27FC236}">
+                <a16:creationId xmlns:a16="http://schemas.microsoft.com/office/drawing/2014/main" id="{455C24C7-E721-47A8-9164-F2AA194B9909}"/>
+              </a:ext>
+            </a:extLst>
+          </p:cNvPr>
+          <p:cNvSpPr>
+            <a:spLocks noGrp="1"/>
+          </p:cNvSpPr>
+          <p:nvPr>
+            <p:ph idx="1"/>
+          </p:nvPr>
+        </p:nvSpPr>
+        <p:spPr>
+          <a:xfrm>
+            <a:off x="838199" y="1825625"/>
+            <a:ext cx="11073063" cy="4334543"/>
+          </a:xfrm>
+        </p:spPr>
+        <p:txBody>
+          <a:bodyPr/>
+          <a:lstStyle/>
+          <a:p>
+            <a:r>
+              <a:rPr lang="en-US" altLang="zh-CN" dirty="0" err="1"/>
+              <a:t>GenReferee</a:t>
+            </a:r>
+            <a:endParaRPr lang="en-US" altLang="zh-CN" dirty="0"/>
+          </a:p>
+          <a:p>
+            <a:pPr lvl="1"/>
+            <a:r>
+              <a:rPr lang="en-US" altLang="zh-CN" dirty="0"/>
+              <a:t>Rough selection</a:t>
+            </a:r>
+          </a:p>
+          <a:p>
+            <a:pPr lvl="1"/>
+            <a:r>
+              <a:rPr lang="en-US" altLang="zh-CN" dirty="0"/>
+              <a:t>Resolution of structural correspondence</a:t>
+            </a:r>
+          </a:p>
+          <a:p>
+            <a:pPr lvl="1"/>
+            <a:r>
+              <a:rPr lang="en-US" altLang="zh-CN" dirty="0"/>
+              <a:t>recommends a list of refactoring opportunities</a:t>
             </a:r>
             <a:endParaRPr lang="zh-CN" altLang="en-US" dirty="0"/>
-          </a:p>
-        </p:txBody>
-      </p:sp>
-      <p:sp>
-        <p:nvSpPr>
-          <p:cNvPr id="3" name="内容占位符 2">
-            <a:extLst>
-              <a:ext uri="{FF2B5EF4-FFF2-40B4-BE49-F238E27FC236}">
-                <a16:creationId xmlns:a16="http://schemas.microsoft.com/office/drawing/2014/main" id="{8DCD2AB8-09CE-41AC-AB3A-95A8C76880E2}"/>
-              </a:ext>
-            </a:extLst>
-          </p:cNvPr>
-          <p:cNvSpPr>
-            <a:spLocks noGrp="1"/>
-          </p:cNvSpPr>
-          <p:nvPr>
-            <p:ph idx="1"/>
-          </p:nvPr>
-        </p:nvSpPr>
-        <p:spPr/>
-        <p:txBody>
-          <a:bodyPr>
-            <a:normAutofit/>
-          </a:bodyPr>
-          <a:lstStyle/>
-          <a:p>
-            <a:r>
-              <a:rPr lang="en-US" altLang="zh-CN" sz="3600" dirty="0"/>
-              <a:t>Require the preservation of the </a:t>
-            </a:r>
-            <a:r>
-              <a:rPr lang="en-US" altLang="zh-CN" sz="3600" i="1" dirty="0"/>
-              <a:t>syntactic</a:t>
-            </a:r>
-            <a:r>
-              <a:rPr lang="en-US" altLang="zh-CN" sz="3600" dirty="0"/>
-              <a:t> and </a:t>
-            </a:r>
-            <a:r>
-              <a:rPr lang="en-US" altLang="zh-CN" sz="3600" i="1" dirty="0"/>
-              <a:t>semantic</a:t>
-            </a:r>
-            <a:r>
-              <a:rPr lang="en-US" altLang="zh-CN" sz="3600" dirty="0"/>
-              <a:t> properties of a program</a:t>
-            </a:r>
-          </a:p>
-          <a:p>
-            <a:r>
-              <a:rPr lang="en-US" altLang="zh-CN" sz="3600" dirty="0"/>
-              <a:t>Detecting the potential name shadowing</a:t>
-            </a:r>
-          </a:p>
-          <a:p>
-            <a:pPr lvl="1"/>
-            <a:r>
-              <a:rPr lang="en-US" altLang="zh-CN" sz="3200" dirty="0"/>
-              <a:t>Pointer is more difficult</a:t>
-            </a:r>
-            <a:endParaRPr lang="zh-CN" altLang="en-US" sz="3200" dirty="0"/>
           </a:p>
         </p:txBody>
       </p:sp>
@@ -3515,37 +4949,7 @@
           <p:cNvPr id="4" name="图片 3">
             <a:extLst>
               <a:ext uri="{FF2B5EF4-FFF2-40B4-BE49-F238E27FC236}">
-                <a16:creationId xmlns:a16="http://schemas.microsoft.com/office/drawing/2014/main" id="{5C73E9CB-5C06-4526-846F-E6A30E21C996}"/>
-              </a:ext>
-            </a:extLst>
-          </p:cNvPr>
-          <p:cNvPicPr>
-            <a:picLocks noChangeAspect="1"/>
-          </p:cNvPicPr>
-          <p:nvPr/>
-        </p:nvPicPr>
-        <p:blipFill>
-          <a:blip r:embed="rId2"/>
-          <a:stretch>
-            <a:fillRect/>
-          </a:stretch>
-        </p:blipFill>
-        <p:spPr>
-          <a:xfrm>
-            <a:off x="555741" y="4326771"/>
-            <a:ext cx="4895850" cy="2114550"/>
-          </a:xfrm>
-          <a:prstGeom prst="rect">
-            <a:avLst/>
-          </a:prstGeom>
-        </p:spPr>
-      </p:pic>
-      <p:pic>
-        <p:nvPicPr>
-          <p:cNvPr id="5" name="图片 4">
-            <a:extLst>
-              <a:ext uri="{FF2B5EF4-FFF2-40B4-BE49-F238E27FC236}">
-                <a16:creationId xmlns:a16="http://schemas.microsoft.com/office/drawing/2014/main" id="{04597B66-670D-4AD8-9299-DE899175C6FB}"/>
+                <a16:creationId xmlns:a16="http://schemas.microsoft.com/office/drawing/2014/main" id="{1CEE21E6-7E5C-4164-BFF8-F95C40F99397}"/>
               </a:ext>
             </a:extLst>
           </p:cNvPr>
@@ -3562,168 +4966,18 @@
         </p:blipFill>
         <p:spPr>
           <a:xfrm>
-            <a:off x="5943600" y="4326771"/>
-            <a:ext cx="5410200" cy="2124075"/>
+            <a:off x="7904246" y="1690687"/>
+            <a:ext cx="4248242" cy="4802188"/>
           </a:xfrm>
           <a:prstGeom prst="rect">
             <a:avLst/>
           </a:prstGeom>
         </p:spPr>
       </p:pic>
-      <p:sp>
-        <p:nvSpPr>
-          <p:cNvPr id="6" name="矩形 5">
-            <a:extLst>
-              <a:ext uri="{FF2B5EF4-FFF2-40B4-BE49-F238E27FC236}">
-                <a16:creationId xmlns:a16="http://schemas.microsoft.com/office/drawing/2014/main" id="{FE351740-5FDB-4D19-9BF0-1285324C07EB}"/>
-              </a:ext>
-            </a:extLst>
-          </p:cNvPr>
-          <p:cNvSpPr/>
-          <p:nvPr/>
-        </p:nvSpPr>
-        <p:spPr>
-          <a:xfrm>
-            <a:off x="2211185" y="5220389"/>
-            <a:ext cx="1878677" cy="299258"/>
-          </a:xfrm>
-          <a:prstGeom prst="rect">
-            <a:avLst/>
-          </a:prstGeom>
-          <a:noFill/>
-          <a:ln>
-            <a:solidFill>
-              <a:srgbClr val="FF0000"/>
-            </a:solidFill>
-          </a:ln>
-        </p:spPr>
-        <p:style>
-          <a:lnRef idx="2">
-            <a:schemeClr val="accent6"/>
-          </a:lnRef>
-          <a:fillRef idx="1">
-            <a:schemeClr val="lt1"/>
-          </a:fillRef>
-          <a:effectRef idx="0">
-            <a:schemeClr val="accent6"/>
-          </a:effectRef>
-          <a:fontRef idx="minor">
-            <a:schemeClr val="dk1"/>
-          </a:fontRef>
-        </p:style>
-        <p:txBody>
-          <a:bodyPr rtlCol="0" anchor="ctr"/>
-          <a:lstStyle/>
-          <a:p>
-            <a:pPr algn="ctr"/>
-            <a:endParaRPr lang="zh-CN" altLang="en-US"/>
-          </a:p>
-        </p:txBody>
-      </p:sp>
-      <p:sp>
-        <p:nvSpPr>
-          <p:cNvPr id="8" name="矩形 7">
-            <a:extLst>
-              <a:ext uri="{FF2B5EF4-FFF2-40B4-BE49-F238E27FC236}">
-                <a16:creationId xmlns:a16="http://schemas.microsoft.com/office/drawing/2014/main" id="{D5A87700-EBF3-4194-B34A-CBAA11D6D30B}"/>
-              </a:ext>
-            </a:extLst>
-          </p:cNvPr>
-          <p:cNvSpPr/>
-          <p:nvPr/>
-        </p:nvSpPr>
-        <p:spPr>
-          <a:xfrm>
-            <a:off x="7617235" y="5173286"/>
-            <a:ext cx="1878677" cy="299258"/>
-          </a:xfrm>
-          <a:prstGeom prst="rect">
-            <a:avLst/>
-          </a:prstGeom>
-          <a:noFill/>
-          <a:ln>
-            <a:solidFill>
-              <a:srgbClr val="FF0000"/>
-            </a:solidFill>
-          </a:ln>
-        </p:spPr>
-        <p:style>
-          <a:lnRef idx="2">
-            <a:schemeClr val="accent6"/>
-          </a:lnRef>
-          <a:fillRef idx="1">
-            <a:schemeClr val="lt1"/>
-          </a:fillRef>
-          <a:effectRef idx="0">
-            <a:schemeClr val="accent6"/>
-          </a:effectRef>
-          <a:fontRef idx="minor">
-            <a:schemeClr val="dk1"/>
-          </a:fontRef>
-        </p:style>
-        <p:txBody>
-          <a:bodyPr rtlCol="0" anchor="ctr"/>
-          <a:lstStyle/>
-          <a:p>
-            <a:pPr algn="ctr"/>
-            <a:endParaRPr lang="zh-CN" altLang="en-US"/>
-          </a:p>
-        </p:txBody>
-      </p:sp>
-      <p:sp>
-        <p:nvSpPr>
-          <p:cNvPr id="9" name="矩形 8">
-            <a:extLst>
-              <a:ext uri="{FF2B5EF4-FFF2-40B4-BE49-F238E27FC236}">
-                <a16:creationId xmlns:a16="http://schemas.microsoft.com/office/drawing/2014/main" id="{FC63A312-EE1B-49FC-AB4B-BF9A87BC558B}"/>
-              </a:ext>
-            </a:extLst>
-          </p:cNvPr>
-          <p:cNvSpPr/>
-          <p:nvPr/>
-        </p:nvSpPr>
-        <p:spPr>
-          <a:xfrm>
-            <a:off x="10075025" y="5519648"/>
-            <a:ext cx="997528" cy="315884"/>
-          </a:xfrm>
-          <a:prstGeom prst="rect">
-            <a:avLst/>
-          </a:prstGeom>
-          <a:noFill/>
-          <a:ln>
-            <a:solidFill>
-              <a:srgbClr val="FF0000"/>
-            </a:solidFill>
-          </a:ln>
-        </p:spPr>
-        <p:style>
-          <a:lnRef idx="2">
-            <a:schemeClr val="accent6"/>
-          </a:lnRef>
-          <a:fillRef idx="1">
-            <a:schemeClr val="lt1"/>
-          </a:fillRef>
-          <a:effectRef idx="0">
-            <a:schemeClr val="accent6"/>
-          </a:effectRef>
-          <a:fontRef idx="minor">
-            <a:schemeClr val="dk1"/>
-          </a:fontRef>
-        </p:style>
-        <p:txBody>
-          <a:bodyPr rtlCol="0" anchor="ctr"/>
-          <a:lstStyle/>
-          <a:p>
-            <a:pPr algn="ctr"/>
-            <a:endParaRPr lang="zh-CN" altLang="en-US"/>
-          </a:p>
-        </p:txBody>
-      </p:sp>
     </p:spTree>
     <p:extLst>
       <p:ext uri="{BB962C8B-B14F-4D97-AF65-F5344CB8AC3E}">
-        <p14:creationId xmlns:p14="http://schemas.microsoft.com/office/powerpoint/2010/main" val="3464763122"/>
+        <p14:creationId xmlns:p14="http://schemas.microsoft.com/office/powerpoint/2010/main" val="3477404418"/>
       </p:ext>
     </p:extLst>
   </p:cSld>
@@ -3755,7 +5009,7 @@
           <p:cNvPr id="2" name="标题 1">
             <a:extLst>
               <a:ext uri="{FF2B5EF4-FFF2-40B4-BE49-F238E27FC236}">
-                <a16:creationId xmlns:a16="http://schemas.microsoft.com/office/drawing/2014/main" id="{76875082-03C4-4F0C-BCD1-64A898ED3480}"/>
+                <a16:creationId xmlns:a16="http://schemas.microsoft.com/office/drawing/2014/main" id="{054CE3F0-A26E-4934-9D3B-125235930AD7}"/>
               </a:ext>
             </a:extLst>
           </p:cNvPr>
@@ -3773,18 +5027,617 @@
           <a:p>
             <a:r>
               <a:rPr lang="en-US" altLang="zh-CN" dirty="0"/>
-              <a:t>Behavior Preservation</a:t>
+              <a:t>Automatic detection techniques</a:t>
+            </a:r>
+          </a:p>
+        </p:txBody>
+      </p:sp>
+      <p:sp>
+        <p:nvSpPr>
+          <p:cNvPr id="3" name="内容占位符 2">
+            <a:extLst>
+              <a:ext uri="{FF2B5EF4-FFF2-40B4-BE49-F238E27FC236}">
+                <a16:creationId xmlns:a16="http://schemas.microsoft.com/office/drawing/2014/main" id="{455C24C7-E721-47A8-9164-F2AA194B9909}"/>
+              </a:ext>
+            </a:extLst>
+          </p:cNvPr>
+          <p:cNvSpPr>
+            <a:spLocks noGrp="1"/>
+          </p:cNvSpPr>
+          <p:nvPr>
+            <p:ph idx="1"/>
+          </p:nvPr>
+        </p:nvSpPr>
+        <p:spPr>
+          <a:xfrm>
+            <a:off x="838199" y="1825625"/>
+            <a:ext cx="11073063" cy="4334543"/>
+          </a:xfrm>
+        </p:spPr>
+        <p:txBody>
+          <a:bodyPr/>
+          <a:lstStyle/>
+          <a:p>
+            <a:r>
+              <a:rPr lang="en-US" altLang="zh-CN" dirty="0" err="1"/>
+              <a:t>Marios</a:t>
+            </a:r>
+            <a:r>
+              <a:rPr lang="en-US" altLang="zh-CN" dirty="0"/>
+              <a:t> suggested automatic refactoring of extract method based on complete computation slice and object state slice.</a:t>
+            </a:r>
+          </a:p>
+          <a:p>
+            <a:pPr lvl="1"/>
+            <a:r>
+              <a:rPr lang="en-US" altLang="zh-CN" dirty="0"/>
+              <a:t>identify the design defects which affected coupling and cohesion in the form of Eclipse plug-in. Feature Envy Bad smell was detected using the refactoring procedure.</a:t>
             </a:r>
             <a:endParaRPr lang="zh-CN" altLang="en-US" dirty="0"/>
           </a:p>
         </p:txBody>
       </p:sp>
+    </p:spTree>
+    <p:extLst>
+      <p:ext uri="{BB962C8B-B14F-4D97-AF65-F5344CB8AC3E}">
+        <p14:creationId xmlns:p14="http://schemas.microsoft.com/office/powerpoint/2010/main" val="100792396"/>
+      </p:ext>
+    </p:extLst>
+  </p:cSld>
+  <p:clrMapOvr>
+    <a:masterClrMapping/>
+  </p:clrMapOvr>
+</p:sld>
+</file>
+
+<file path=ppt/slides/slide12.xml><?xml version="1.0" encoding="utf-8"?>
+<p:sld xmlns:a="http://schemas.openxmlformats.org/drawingml/2006/main" xmlns:r="http://schemas.openxmlformats.org/officeDocument/2006/relationships" xmlns:p="http://schemas.openxmlformats.org/presentationml/2006/main">
+  <p:cSld>
+    <p:spTree>
+      <p:nvGrpSpPr>
+        <p:cNvPr id="1" name=""/>
+        <p:cNvGrpSpPr/>
+        <p:nvPr/>
+      </p:nvGrpSpPr>
+      <p:grpSpPr>
+        <a:xfrm>
+          <a:off x="0" y="0"/>
+          <a:ext cx="0" cy="0"/>
+          <a:chOff x="0" y="0"/>
+          <a:chExt cx="0" cy="0"/>
+        </a:xfrm>
+      </p:grpSpPr>
+      <p:sp>
+        <p:nvSpPr>
+          <p:cNvPr id="2" name="标题 1">
+            <a:extLst>
+              <a:ext uri="{FF2B5EF4-FFF2-40B4-BE49-F238E27FC236}">
+                <a16:creationId xmlns:a16="http://schemas.microsoft.com/office/drawing/2014/main" id="{6F9B4C70-261E-4857-A705-EE6F7C1C985A}"/>
+              </a:ext>
+            </a:extLst>
+          </p:cNvPr>
+          <p:cNvSpPr>
+            <a:spLocks noGrp="1"/>
+          </p:cNvSpPr>
+          <p:nvPr>
+            <p:ph type="title"/>
+          </p:nvPr>
+        </p:nvSpPr>
+        <p:spPr/>
+        <p:txBody>
+          <a:bodyPr/>
+          <a:lstStyle/>
+          <a:p>
+            <a:r>
+              <a:rPr lang="en-US" altLang="zh-CN" dirty="0"/>
+              <a:t>Automatic detection techniques</a:t>
+            </a:r>
+            <a:endParaRPr lang="zh-CN" altLang="en-US" dirty="0"/>
+          </a:p>
+        </p:txBody>
+      </p:sp>
       <p:sp>
         <p:nvSpPr>
           <p:cNvPr id="3" name="内容占位符 2">
             <a:extLst>
               <a:ext uri="{FF2B5EF4-FFF2-40B4-BE49-F238E27FC236}">
-                <a16:creationId xmlns:a16="http://schemas.microsoft.com/office/drawing/2014/main" id="{FC06E15B-01EB-4C6C-BAAE-836F88F2FDB8}"/>
+                <a16:creationId xmlns:a16="http://schemas.microsoft.com/office/drawing/2014/main" id="{7A5CDDED-D1C2-47DF-9E76-C1B566F40808}"/>
+              </a:ext>
+            </a:extLst>
+          </p:cNvPr>
+          <p:cNvSpPr>
+            <a:spLocks noGrp="1"/>
+          </p:cNvSpPr>
+          <p:nvPr>
+            <p:ph idx="1"/>
+          </p:nvPr>
+        </p:nvSpPr>
+        <p:spPr/>
+        <p:txBody>
+          <a:bodyPr/>
+          <a:lstStyle/>
+          <a:p>
+            <a:r>
+              <a:rPr lang="en-US" altLang="zh-CN" dirty="0"/>
+              <a:t>Identify refactoring opportunities</a:t>
+            </a:r>
+          </a:p>
+          <a:p>
+            <a:pPr lvl="1"/>
+            <a:r>
+              <a:rPr lang="en-US" altLang="zh-CN" dirty="0"/>
+              <a:t>distance metric</a:t>
+            </a:r>
+          </a:p>
+          <a:p>
+            <a:pPr lvl="1"/>
+            <a:r>
+              <a:rPr lang="en-US" altLang="zh-CN" dirty="0"/>
+              <a:t>Clustering and detection of extractable concepts</a:t>
+            </a:r>
+          </a:p>
+          <a:p>
+            <a:pPr lvl="1"/>
+            <a:r>
+              <a:rPr lang="en-US" altLang="zh-CN" dirty="0"/>
+              <a:t>Eliminating illegal candidate classes</a:t>
+            </a:r>
+          </a:p>
+          <a:p>
+            <a:r>
+              <a:rPr lang="en-US" altLang="zh-CN" dirty="0"/>
+              <a:t>Rank candidate </a:t>
+            </a:r>
+            <a:r>
+              <a:rPr lang="en-US" altLang="zh-CN" dirty="0" err="1"/>
+              <a:t>refactorings</a:t>
+            </a:r>
+            <a:r>
+              <a:rPr lang="en-US" altLang="zh-CN" dirty="0"/>
+              <a:t> according to their potential impact on the system’s design</a:t>
+            </a:r>
+          </a:p>
+          <a:p>
+            <a:r>
+              <a:rPr lang="en-US" altLang="zh-CN" dirty="0"/>
+              <a:t>Refactor by modifying the corresponding AST of the code</a:t>
+            </a:r>
+            <a:endParaRPr lang="zh-CN" altLang="en-US" dirty="0"/>
+          </a:p>
+        </p:txBody>
+      </p:sp>
+    </p:spTree>
+    <p:extLst>
+      <p:ext uri="{BB962C8B-B14F-4D97-AF65-F5344CB8AC3E}">
+        <p14:creationId xmlns:p14="http://schemas.microsoft.com/office/powerpoint/2010/main" val="3213279117"/>
+      </p:ext>
+    </p:extLst>
+  </p:cSld>
+  <p:clrMapOvr>
+    <a:masterClrMapping/>
+  </p:clrMapOvr>
+</p:sld>
+</file>
+
+<file path=ppt/slides/slide13.xml><?xml version="1.0" encoding="utf-8"?>
+<p:sld xmlns:a="http://schemas.openxmlformats.org/drawingml/2006/main" xmlns:r="http://schemas.openxmlformats.org/officeDocument/2006/relationships" xmlns:p="http://schemas.openxmlformats.org/presentationml/2006/main">
+  <p:cSld>
+    <p:spTree>
+      <p:nvGrpSpPr>
+        <p:cNvPr id="1" name=""/>
+        <p:cNvGrpSpPr/>
+        <p:nvPr/>
+      </p:nvGrpSpPr>
+      <p:grpSpPr>
+        <a:xfrm>
+          <a:off x="0" y="0"/>
+          <a:ext cx="0" cy="0"/>
+          <a:chOff x="0" y="0"/>
+          <a:chExt cx="0" cy="0"/>
+        </a:xfrm>
+      </p:grpSpPr>
+      <p:sp>
+        <p:nvSpPr>
+          <p:cNvPr id="2" name="标题 1">
+            <a:extLst>
+              <a:ext uri="{FF2B5EF4-FFF2-40B4-BE49-F238E27FC236}">
+                <a16:creationId xmlns:a16="http://schemas.microsoft.com/office/drawing/2014/main" id="{852C683B-4710-4F8E-9F5F-4A50A4218A7B}"/>
+              </a:ext>
+            </a:extLst>
+          </p:cNvPr>
+          <p:cNvSpPr>
+            <a:spLocks noGrp="1"/>
+          </p:cNvSpPr>
+          <p:nvPr>
+            <p:ph type="title"/>
+          </p:nvPr>
+        </p:nvSpPr>
+        <p:spPr/>
+        <p:txBody>
+          <a:bodyPr/>
+          <a:lstStyle/>
+          <a:p>
+            <a:r>
+              <a:rPr lang="en-US" altLang="zh-CN" dirty="0"/>
+              <a:t>An illustrative example</a:t>
+            </a:r>
+            <a:endParaRPr lang="zh-CN" altLang="en-US" dirty="0"/>
+          </a:p>
+        </p:txBody>
+      </p:sp>
+      <p:pic>
+        <p:nvPicPr>
+          <p:cNvPr id="4" name="内容占位符 3">
+            <a:extLst>
+              <a:ext uri="{FF2B5EF4-FFF2-40B4-BE49-F238E27FC236}">
+                <a16:creationId xmlns:a16="http://schemas.microsoft.com/office/drawing/2014/main" id="{675BAEEE-77FE-4929-AE08-49297E8DC26B}"/>
+              </a:ext>
+            </a:extLst>
+          </p:cNvPr>
+          <p:cNvPicPr>
+            <a:picLocks noGrp="1" noChangeAspect="1"/>
+          </p:cNvPicPr>
+          <p:nvPr>
+            <p:ph idx="1"/>
+          </p:nvPr>
+        </p:nvPicPr>
+        <p:blipFill>
+          <a:blip r:embed="rId3"/>
+          <a:stretch>
+            <a:fillRect/>
+          </a:stretch>
+        </p:blipFill>
+        <p:spPr>
+          <a:xfrm>
+            <a:off x="538568" y="1690687"/>
+            <a:ext cx="4345948" cy="4976939"/>
+          </a:xfrm>
+          <a:prstGeom prst="rect">
+            <a:avLst/>
+          </a:prstGeom>
+        </p:spPr>
+      </p:pic>
+    </p:spTree>
+    <p:extLst>
+      <p:ext uri="{BB962C8B-B14F-4D97-AF65-F5344CB8AC3E}">
+        <p14:creationId xmlns:p14="http://schemas.microsoft.com/office/powerpoint/2010/main" val="3971500980"/>
+      </p:ext>
+    </p:extLst>
+  </p:cSld>
+  <p:clrMapOvr>
+    <a:masterClrMapping/>
+  </p:clrMapOvr>
+</p:sld>
+</file>
+
+<file path=ppt/slides/slide14.xml><?xml version="1.0" encoding="utf-8"?>
+<p:sld xmlns:a="http://schemas.openxmlformats.org/drawingml/2006/main" xmlns:r="http://schemas.openxmlformats.org/officeDocument/2006/relationships" xmlns:p="http://schemas.openxmlformats.org/presentationml/2006/main">
+  <p:cSld>
+    <p:spTree>
+      <p:nvGrpSpPr>
+        <p:cNvPr id="1" name=""/>
+        <p:cNvGrpSpPr/>
+        <p:nvPr/>
+      </p:nvGrpSpPr>
+      <p:grpSpPr>
+        <a:xfrm>
+          <a:off x="0" y="0"/>
+          <a:ext cx="0" cy="0"/>
+          <a:chOff x="0" y="0"/>
+          <a:chExt cx="0" cy="0"/>
+        </a:xfrm>
+      </p:grpSpPr>
+      <p:sp>
+        <p:nvSpPr>
+          <p:cNvPr id="2" name="标题 1">
+            <a:extLst>
+              <a:ext uri="{FF2B5EF4-FFF2-40B4-BE49-F238E27FC236}">
+                <a16:creationId xmlns:a16="http://schemas.microsoft.com/office/drawing/2014/main" id="{CFF39BCC-6086-4A53-83CC-8350B82CB900}"/>
+              </a:ext>
+            </a:extLst>
+          </p:cNvPr>
+          <p:cNvSpPr>
+            <a:spLocks noGrp="1"/>
+          </p:cNvSpPr>
+          <p:nvPr>
+            <p:ph type="title"/>
+          </p:nvPr>
+        </p:nvSpPr>
+        <p:spPr/>
+        <p:txBody>
+          <a:bodyPr/>
+          <a:lstStyle/>
+          <a:p>
+            <a:r>
+              <a:rPr lang="en-US" altLang="zh-CN" dirty="0"/>
+              <a:t>Distance metric</a:t>
+            </a:r>
+            <a:endParaRPr lang="zh-CN" altLang="en-US" dirty="0"/>
+          </a:p>
+        </p:txBody>
+      </p:sp>
+      <p:sp>
+        <p:nvSpPr>
+          <p:cNvPr id="3" name="内容占位符 2">
+            <a:extLst>
+              <a:ext uri="{FF2B5EF4-FFF2-40B4-BE49-F238E27FC236}">
+                <a16:creationId xmlns:a16="http://schemas.microsoft.com/office/drawing/2014/main" id="{C043B019-F646-4948-ABFE-DD4B0642285F}"/>
+              </a:ext>
+            </a:extLst>
+          </p:cNvPr>
+          <p:cNvSpPr>
+            <a:spLocks noGrp="1"/>
+          </p:cNvSpPr>
+          <p:nvPr>
+            <p:ph idx="1"/>
+          </p:nvPr>
+        </p:nvSpPr>
+        <p:spPr/>
+        <p:txBody>
+          <a:bodyPr/>
+          <a:lstStyle/>
+          <a:p>
+            <a:r>
+              <a:rPr lang="en-US" altLang="zh-CN" dirty="0"/>
+              <a:t>Get the entity set of each attribute and method</a:t>
+            </a:r>
+          </a:p>
+          <a:p>
+            <a:r>
+              <a:rPr lang="en-US" altLang="zh-CN" dirty="0"/>
+              <a:t>Calculate the Jaccard distance between two entities</a:t>
+            </a:r>
+          </a:p>
+          <a:p>
+            <a:endParaRPr lang="en-US" altLang="zh-CN" dirty="0"/>
+          </a:p>
+        </p:txBody>
+      </p:sp>
+      <p:pic>
+        <p:nvPicPr>
+          <p:cNvPr id="4" name="图片 3">
+            <a:extLst>
+              <a:ext uri="{FF2B5EF4-FFF2-40B4-BE49-F238E27FC236}">
+                <a16:creationId xmlns:a16="http://schemas.microsoft.com/office/drawing/2014/main" id="{96FDFE9E-F013-436A-AFC8-BB3A4C24483E}"/>
+              </a:ext>
+            </a:extLst>
+          </p:cNvPr>
+          <p:cNvPicPr>
+            <a:picLocks noChangeAspect="1"/>
+          </p:cNvPicPr>
+          <p:nvPr/>
+        </p:nvPicPr>
+        <p:blipFill>
+          <a:blip r:embed="rId2"/>
+          <a:stretch>
+            <a:fillRect/>
+          </a:stretch>
+        </p:blipFill>
+        <p:spPr>
+          <a:xfrm>
+            <a:off x="1260554" y="2858020"/>
+            <a:ext cx="3334595" cy="776432"/>
+          </a:xfrm>
+          <a:prstGeom prst="rect">
+            <a:avLst/>
+          </a:prstGeom>
+        </p:spPr>
+      </p:pic>
+      <p:pic>
+        <p:nvPicPr>
+          <p:cNvPr id="5" name="图片 4">
+            <a:extLst>
+              <a:ext uri="{FF2B5EF4-FFF2-40B4-BE49-F238E27FC236}">
+                <a16:creationId xmlns:a16="http://schemas.microsoft.com/office/drawing/2014/main" id="{8F2C7F98-40E8-4723-ADD4-E10C0F378C03}"/>
+              </a:ext>
+            </a:extLst>
+          </p:cNvPr>
+          <p:cNvPicPr>
+            <a:picLocks noChangeAspect="1"/>
+          </p:cNvPicPr>
+          <p:nvPr/>
+        </p:nvPicPr>
+        <p:blipFill>
+          <a:blip r:embed="rId3"/>
+          <a:stretch>
+            <a:fillRect/>
+          </a:stretch>
+        </p:blipFill>
+        <p:spPr>
+          <a:xfrm>
+            <a:off x="1140467" y="4730580"/>
+            <a:ext cx="9438793" cy="1952393"/>
+          </a:xfrm>
+          <a:prstGeom prst="rect">
+            <a:avLst/>
+          </a:prstGeom>
+        </p:spPr>
+      </p:pic>
+    </p:spTree>
+    <p:extLst>
+      <p:ext uri="{BB962C8B-B14F-4D97-AF65-F5344CB8AC3E}">
+        <p14:creationId xmlns:p14="http://schemas.microsoft.com/office/powerpoint/2010/main" val="2038501474"/>
+      </p:ext>
+    </p:extLst>
+  </p:cSld>
+  <p:clrMapOvr>
+    <a:masterClrMapping/>
+  </p:clrMapOvr>
+</p:sld>
+</file>
+
+<file path=ppt/slides/slide15.xml><?xml version="1.0" encoding="utf-8"?>
+<p:sld xmlns:a="http://schemas.openxmlformats.org/drawingml/2006/main" xmlns:r="http://schemas.openxmlformats.org/officeDocument/2006/relationships" xmlns:p="http://schemas.openxmlformats.org/presentationml/2006/main">
+  <p:cSld>
+    <p:spTree>
+      <p:nvGrpSpPr>
+        <p:cNvPr id="1" name=""/>
+        <p:cNvGrpSpPr/>
+        <p:nvPr/>
+      </p:nvGrpSpPr>
+      <p:grpSpPr>
+        <a:xfrm>
+          <a:off x="0" y="0"/>
+          <a:ext cx="0" cy="0"/>
+          <a:chOff x="0" y="0"/>
+          <a:chExt cx="0" cy="0"/>
+        </a:xfrm>
+      </p:grpSpPr>
+      <p:sp>
+        <p:nvSpPr>
+          <p:cNvPr id="2" name="标题 1">
+            <a:extLst>
+              <a:ext uri="{FF2B5EF4-FFF2-40B4-BE49-F238E27FC236}">
+                <a16:creationId xmlns:a16="http://schemas.microsoft.com/office/drawing/2014/main" id="{E263FCC3-E3F4-4A4B-8901-8F397D52BFAD}"/>
+              </a:ext>
+            </a:extLst>
+          </p:cNvPr>
+          <p:cNvSpPr>
+            <a:spLocks noGrp="1"/>
+          </p:cNvSpPr>
+          <p:nvPr>
+            <p:ph type="title"/>
+          </p:nvPr>
+        </p:nvSpPr>
+        <p:spPr/>
+        <p:txBody>
+          <a:bodyPr/>
+          <a:lstStyle/>
+          <a:p>
+            <a:r>
+              <a:rPr lang="en-US" altLang="zh-CN" dirty="0"/>
+              <a:t>Clustering</a:t>
+            </a:r>
+          </a:p>
+        </p:txBody>
+      </p:sp>
+      <p:pic>
+        <p:nvPicPr>
+          <p:cNvPr id="4" name="图片 3">
+            <a:extLst>
+              <a:ext uri="{FF2B5EF4-FFF2-40B4-BE49-F238E27FC236}">
+                <a16:creationId xmlns:a16="http://schemas.microsoft.com/office/drawing/2014/main" id="{EF81F501-CDD1-4FCF-BAEC-C2B0A3F95780}"/>
+              </a:ext>
+            </a:extLst>
+          </p:cNvPr>
+          <p:cNvPicPr>
+            <a:picLocks noChangeAspect="1"/>
+          </p:cNvPicPr>
+          <p:nvPr/>
+        </p:nvPicPr>
+        <p:blipFill>
+          <a:blip r:embed="rId3"/>
+          <a:stretch>
+            <a:fillRect/>
+          </a:stretch>
+        </p:blipFill>
+        <p:spPr>
+          <a:xfrm>
+            <a:off x="0" y="1783521"/>
+            <a:ext cx="8349811" cy="2311019"/>
+          </a:xfrm>
+          <a:prstGeom prst="rect">
+            <a:avLst/>
+          </a:prstGeom>
+        </p:spPr>
+      </p:pic>
+      <p:pic>
+        <p:nvPicPr>
+          <p:cNvPr id="5" name="内容占位符 4">
+            <a:extLst>
+              <a:ext uri="{FF2B5EF4-FFF2-40B4-BE49-F238E27FC236}">
+                <a16:creationId xmlns:a16="http://schemas.microsoft.com/office/drawing/2014/main" id="{4520DB63-7792-461C-8191-FED23D223C2C}"/>
+              </a:ext>
+            </a:extLst>
+          </p:cNvPr>
+          <p:cNvPicPr>
+            <a:picLocks noGrp="1" noChangeAspect="1"/>
+          </p:cNvPicPr>
+          <p:nvPr>
+            <p:ph idx="1"/>
+          </p:nvPr>
+        </p:nvPicPr>
+        <p:blipFill>
+          <a:blip r:embed="rId4"/>
+          <a:stretch>
+            <a:fillRect/>
+          </a:stretch>
+        </p:blipFill>
+        <p:spPr>
+          <a:xfrm>
+            <a:off x="7882359" y="1478530"/>
+            <a:ext cx="4309641" cy="4630005"/>
+          </a:xfrm>
+          <a:prstGeom prst="rect">
+            <a:avLst/>
+          </a:prstGeom>
+        </p:spPr>
+      </p:pic>
+    </p:spTree>
+    <p:extLst>
+      <p:ext uri="{BB962C8B-B14F-4D97-AF65-F5344CB8AC3E}">
+        <p14:creationId xmlns:p14="http://schemas.microsoft.com/office/powerpoint/2010/main" val="1531005784"/>
+      </p:ext>
+    </p:extLst>
+  </p:cSld>
+  <p:clrMapOvr>
+    <a:masterClrMapping/>
+  </p:clrMapOvr>
+</p:sld>
+</file>
+
+<file path=ppt/slides/slide16.xml><?xml version="1.0" encoding="utf-8"?>
+<p:sld xmlns:a="http://schemas.openxmlformats.org/drawingml/2006/main" xmlns:r="http://schemas.openxmlformats.org/officeDocument/2006/relationships" xmlns:p="http://schemas.openxmlformats.org/presentationml/2006/main">
+  <p:cSld>
+    <p:spTree>
+      <p:nvGrpSpPr>
+        <p:cNvPr id="1" name=""/>
+        <p:cNvGrpSpPr/>
+        <p:nvPr/>
+      </p:nvGrpSpPr>
+      <p:grpSpPr>
+        <a:xfrm>
+          <a:off x="0" y="0"/>
+          <a:ext cx="0" cy="0"/>
+          <a:chOff x="0" y="0"/>
+          <a:chExt cx="0" cy="0"/>
+        </a:xfrm>
+      </p:grpSpPr>
+      <p:sp>
+        <p:nvSpPr>
+          <p:cNvPr id="2" name="标题 1">
+            <a:extLst>
+              <a:ext uri="{FF2B5EF4-FFF2-40B4-BE49-F238E27FC236}">
+                <a16:creationId xmlns:a16="http://schemas.microsoft.com/office/drawing/2014/main" id="{C86F1EF2-70C6-4EE0-85DA-F4BC0F43E72B}"/>
+              </a:ext>
+            </a:extLst>
+          </p:cNvPr>
+          <p:cNvSpPr>
+            <a:spLocks noGrp="1"/>
+          </p:cNvSpPr>
+          <p:nvPr>
+            <p:ph type="title"/>
+          </p:nvPr>
+        </p:nvSpPr>
+        <p:spPr/>
+        <p:txBody>
+          <a:bodyPr/>
+          <a:lstStyle/>
+          <a:p>
+            <a:r>
+              <a:rPr lang="en-US" altLang="zh-CN" dirty="0"/>
+              <a:t>Eliminating illegal candidate classes</a:t>
+            </a:r>
+            <a:endParaRPr lang="zh-CN" altLang="en-US" dirty="0"/>
+          </a:p>
+        </p:txBody>
+      </p:sp>
+      <p:sp>
+        <p:nvSpPr>
+          <p:cNvPr id="3" name="内容占位符 2">
+            <a:extLst>
+              <a:ext uri="{FF2B5EF4-FFF2-40B4-BE49-F238E27FC236}">
+                <a16:creationId xmlns:a16="http://schemas.microsoft.com/office/drawing/2014/main" id="{2AA5503A-D223-4B78-A8D9-B87359477986}"/>
               </a:ext>
             </a:extLst>
           </p:cNvPr>
@@ -3803,31 +5656,448 @@
           <a:lstStyle/>
           <a:p>
             <a:r>
-              <a:rPr lang="en-US" altLang="zh-CN" sz="4000" dirty="0"/>
-              <a:t>Real-time systems and embedded systems</a:t>
+              <a:rPr lang="en-US" altLang="zh-CN" dirty="0"/>
+              <a:t>Sufficient substantive functionality</a:t>
             </a:r>
           </a:p>
           <a:p>
             <a:pPr lvl="1"/>
             <a:r>
-              <a:rPr lang="en-US" altLang="zh-CN" sz="3600" dirty="0"/>
-              <a:t>resource and runtime constraints</a:t>
-            </a:r>
-          </a:p>
-          <a:p>
-            <a:pPr lvl="2"/>
-            <a:r>
-              <a:rPr lang="en-US" altLang="zh-CN" sz="3200" dirty="0"/>
-              <a:t>memory usage and power consumption</a:t>
-            </a:r>
-            <a:endParaRPr lang="zh-CN" altLang="en-US" sz="3200" dirty="0"/>
+              <a:rPr lang="en-US" altLang="zh-CN" dirty="0"/>
+              <a:t>The class to be extracted should contain more than one entity</a:t>
+            </a:r>
+          </a:p>
+          <a:p>
+            <a:pPr lvl="1"/>
+            <a:r>
+              <a:rPr lang="en-US" altLang="zh-CN" dirty="0"/>
+              <a:t>The class to be extracted should contain at least one method</a:t>
+            </a:r>
+          </a:p>
+          <a:p>
+            <a:r>
+              <a:rPr lang="en-US" altLang="zh-CN" dirty="0"/>
+              <a:t>Behavior preservation</a:t>
+            </a:r>
+          </a:p>
+          <a:p>
+            <a:pPr lvl="1"/>
+            <a:r>
+              <a:rPr lang="en-US" altLang="zh-CN" dirty="0"/>
+              <a:t>Abstract methods should not be extracted</a:t>
+            </a:r>
+          </a:p>
+          <a:p>
+            <a:pPr lvl="1"/>
+            <a:r>
+              <a:rPr lang="en-US" altLang="zh-CN" dirty="0"/>
+              <a:t>Fields that have a visibility higher than private and are used by a class other than the source should not be extracted</a:t>
+            </a:r>
+          </a:p>
+          <a:p>
+            <a:pPr lvl="1"/>
+            <a:r>
+              <a:rPr lang="en-US" altLang="zh-CN" dirty="0"/>
+              <a:t>Methods that override an abstract or a concrete method of the super class of the original class should not be extracted</a:t>
+            </a:r>
+          </a:p>
+          <a:p>
+            <a:pPr lvl="1"/>
+            <a:r>
+              <a:rPr lang="en-US" altLang="zh-CN" dirty="0"/>
+              <a:t>The class to be extracted should not contain a method that makes any super method invocations.</a:t>
+            </a:r>
+            <a:endParaRPr lang="zh-CN" altLang="en-US" dirty="0"/>
           </a:p>
         </p:txBody>
       </p:sp>
     </p:spTree>
     <p:extLst>
       <p:ext uri="{BB962C8B-B14F-4D97-AF65-F5344CB8AC3E}">
-        <p14:creationId xmlns:p14="http://schemas.microsoft.com/office/powerpoint/2010/main" val="1928561727"/>
+        <p14:creationId xmlns:p14="http://schemas.microsoft.com/office/powerpoint/2010/main" val="1195464944"/>
+      </p:ext>
+    </p:extLst>
+  </p:cSld>
+  <p:clrMapOvr>
+    <a:masterClrMapping/>
+  </p:clrMapOvr>
+</p:sld>
+</file>
+
+<file path=ppt/slides/slide17.xml><?xml version="1.0" encoding="utf-8"?>
+<p:sld xmlns:a="http://schemas.openxmlformats.org/drawingml/2006/main" xmlns:r="http://schemas.openxmlformats.org/officeDocument/2006/relationships" xmlns:p="http://schemas.openxmlformats.org/presentationml/2006/main">
+  <p:cSld>
+    <p:spTree>
+      <p:nvGrpSpPr>
+        <p:cNvPr id="1" name=""/>
+        <p:cNvGrpSpPr/>
+        <p:nvPr/>
+      </p:nvGrpSpPr>
+      <p:grpSpPr>
+        <a:xfrm>
+          <a:off x="0" y="0"/>
+          <a:ext cx="0" cy="0"/>
+          <a:chOff x="0" y="0"/>
+          <a:chExt cx="0" cy="0"/>
+        </a:xfrm>
+      </p:grpSpPr>
+      <p:sp>
+        <p:nvSpPr>
+          <p:cNvPr id="2" name="标题 1">
+            <a:extLst>
+              <a:ext uri="{FF2B5EF4-FFF2-40B4-BE49-F238E27FC236}">
+                <a16:creationId xmlns:a16="http://schemas.microsoft.com/office/drawing/2014/main" id="{6646CC70-F080-417E-9298-8B773F6FBFD2}"/>
+              </a:ext>
+            </a:extLst>
+          </p:cNvPr>
+          <p:cNvSpPr>
+            <a:spLocks noGrp="1"/>
+          </p:cNvSpPr>
+          <p:nvPr>
+            <p:ph type="title"/>
+          </p:nvPr>
+        </p:nvSpPr>
+        <p:spPr/>
+        <p:txBody>
+          <a:bodyPr/>
+          <a:lstStyle/>
+          <a:p>
+            <a:r>
+              <a:rPr lang="en-US" altLang="zh-CN" dirty="0"/>
+              <a:t>Rank candidate </a:t>
+            </a:r>
+            <a:r>
+              <a:rPr lang="en-US" altLang="zh-CN" dirty="0" err="1"/>
+              <a:t>refactorings</a:t>
+            </a:r>
+            <a:endParaRPr lang="zh-CN" altLang="en-US" dirty="0"/>
+          </a:p>
+        </p:txBody>
+      </p:sp>
+      <p:sp>
+        <p:nvSpPr>
+          <p:cNvPr id="3" name="内容占位符 2">
+            <a:extLst>
+              <a:ext uri="{FF2B5EF4-FFF2-40B4-BE49-F238E27FC236}">
+                <a16:creationId xmlns:a16="http://schemas.microsoft.com/office/drawing/2014/main" id="{A640D7C3-D7B4-46D5-9431-684147DBE611}"/>
+              </a:ext>
+            </a:extLst>
+          </p:cNvPr>
+          <p:cNvSpPr>
+            <a:spLocks noGrp="1"/>
+          </p:cNvSpPr>
+          <p:nvPr>
+            <p:ph idx="1"/>
+          </p:nvPr>
+        </p:nvSpPr>
+        <p:spPr/>
+        <p:txBody>
+          <a:bodyPr/>
+          <a:lstStyle/>
+          <a:p>
+            <a:r>
+              <a:rPr lang="en-US" altLang="zh-CN" dirty="0"/>
+              <a:t>Calculate the Entity Placement value and sort</a:t>
+            </a:r>
+          </a:p>
+          <a:p>
+            <a:endParaRPr lang="en-US" altLang="zh-CN" dirty="0"/>
+          </a:p>
+          <a:p>
+            <a:endParaRPr lang="en-US" altLang="zh-CN" dirty="0"/>
+          </a:p>
+          <a:p>
+            <a:endParaRPr lang="en-US" altLang="zh-CN" dirty="0"/>
+          </a:p>
+          <a:p>
+            <a:endParaRPr lang="zh-CN" altLang="en-US" dirty="0"/>
+          </a:p>
+        </p:txBody>
+      </p:sp>
+      <p:pic>
+        <p:nvPicPr>
+          <p:cNvPr id="4" name="图片 3">
+            <a:extLst>
+              <a:ext uri="{FF2B5EF4-FFF2-40B4-BE49-F238E27FC236}">
+                <a16:creationId xmlns:a16="http://schemas.microsoft.com/office/drawing/2014/main" id="{597EF0F8-21ED-413C-AB91-2AFED71DEEB2}"/>
+              </a:ext>
+            </a:extLst>
+          </p:cNvPr>
+          <p:cNvPicPr>
+            <a:picLocks noChangeAspect="1"/>
+          </p:cNvPicPr>
+          <p:nvPr/>
+        </p:nvPicPr>
+        <p:blipFill>
+          <a:blip r:embed="rId3"/>
+          <a:stretch>
+            <a:fillRect/>
+          </a:stretch>
+        </p:blipFill>
+        <p:spPr>
+          <a:xfrm>
+            <a:off x="1170305" y="2225992"/>
+            <a:ext cx="4629150" cy="942975"/>
+          </a:xfrm>
+          <a:prstGeom prst="rect">
+            <a:avLst/>
+          </a:prstGeom>
+        </p:spPr>
+      </p:pic>
+      <p:pic>
+        <p:nvPicPr>
+          <p:cNvPr id="5" name="图片 4">
+            <a:extLst>
+              <a:ext uri="{FF2B5EF4-FFF2-40B4-BE49-F238E27FC236}">
+                <a16:creationId xmlns:a16="http://schemas.microsoft.com/office/drawing/2014/main" id="{58F66788-BD75-4A0A-A6F7-E5B669B2B691}"/>
+              </a:ext>
+            </a:extLst>
+          </p:cNvPr>
+          <p:cNvPicPr>
+            <a:picLocks noChangeAspect="1"/>
+          </p:cNvPicPr>
+          <p:nvPr/>
+        </p:nvPicPr>
+        <p:blipFill>
+          <a:blip r:embed="rId4"/>
+          <a:stretch>
+            <a:fillRect/>
+          </a:stretch>
+        </p:blipFill>
+        <p:spPr>
+          <a:xfrm>
+            <a:off x="838200" y="3429000"/>
+            <a:ext cx="7334250" cy="2266950"/>
+          </a:xfrm>
+          <a:prstGeom prst="rect">
+            <a:avLst/>
+          </a:prstGeom>
+        </p:spPr>
+      </p:pic>
+    </p:spTree>
+    <p:extLst>
+      <p:ext uri="{BB962C8B-B14F-4D97-AF65-F5344CB8AC3E}">
+        <p14:creationId xmlns:p14="http://schemas.microsoft.com/office/powerpoint/2010/main" val="226829421"/>
+      </p:ext>
+    </p:extLst>
+  </p:cSld>
+  <p:clrMapOvr>
+    <a:masterClrMapping/>
+  </p:clrMapOvr>
+</p:sld>
+</file>
+
+<file path=ppt/slides/slide18.xml><?xml version="1.0" encoding="utf-8"?>
+<p:sld xmlns:a="http://schemas.openxmlformats.org/drawingml/2006/main" xmlns:r="http://schemas.openxmlformats.org/officeDocument/2006/relationships" xmlns:p="http://schemas.openxmlformats.org/presentationml/2006/main">
+  <p:cSld>
+    <p:spTree>
+      <p:nvGrpSpPr>
+        <p:cNvPr id="1" name=""/>
+        <p:cNvGrpSpPr/>
+        <p:nvPr/>
+      </p:nvGrpSpPr>
+      <p:grpSpPr>
+        <a:xfrm>
+          <a:off x="0" y="0"/>
+          <a:ext cx="0" cy="0"/>
+          <a:chOff x="0" y="0"/>
+          <a:chExt cx="0" cy="0"/>
+        </a:xfrm>
+      </p:grpSpPr>
+      <p:sp>
+        <p:nvSpPr>
+          <p:cNvPr id="2" name="标题 1">
+            <a:extLst>
+              <a:ext uri="{FF2B5EF4-FFF2-40B4-BE49-F238E27FC236}">
+                <a16:creationId xmlns:a16="http://schemas.microsoft.com/office/drawing/2014/main" id="{53D9A73D-1B9E-45AA-8DCE-F1391BD218DF}"/>
+              </a:ext>
+            </a:extLst>
+          </p:cNvPr>
+          <p:cNvSpPr>
+            <a:spLocks noGrp="1"/>
+          </p:cNvSpPr>
+          <p:nvPr>
+            <p:ph type="title"/>
+          </p:nvPr>
+        </p:nvSpPr>
+        <p:spPr/>
+        <p:txBody>
+          <a:bodyPr/>
+          <a:lstStyle/>
+          <a:p>
+            <a:r>
+              <a:rPr lang="en-US" altLang="zh-CN" dirty="0"/>
+              <a:t>Refactor</a:t>
+            </a:r>
+            <a:endParaRPr lang="zh-CN" altLang="en-US" dirty="0"/>
+          </a:p>
+        </p:txBody>
+      </p:sp>
+      <p:pic>
+        <p:nvPicPr>
+          <p:cNvPr id="4" name="内容占位符 3">
+            <a:extLst>
+              <a:ext uri="{FF2B5EF4-FFF2-40B4-BE49-F238E27FC236}">
+                <a16:creationId xmlns:a16="http://schemas.microsoft.com/office/drawing/2014/main" id="{809CC209-858F-420C-B50D-B1B79F5BA4EF}"/>
+              </a:ext>
+            </a:extLst>
+          </p:cNvPr>
+          <p:cNvPicPr>
+            <a:picLocks noGrp="1" noChangeAspect="1"/>
+          </p:cNvPicPr>
+          <p:nvPr>
+            <p:ph idx="1"/>
+          </p:nvPr>
+        </p:nvPicPr>
+        <p:blipFill>
+          <a:blip r:embed="rId3"/>
+          <a:stretch>
+            <a:fillRect/>
+          </a:stretch>
+        </p:blipFill>
+        <p:spPr>
+          <a:xfrm>
+            <a:off x="-1" y="1690688"/>
+            <a:ext cx="7594145" cy="4461821"/>
+          </a:xfrm>
+          <a:prstGeom prst="rect">
+            <a:avLst/>
+          </a:prstGeom>
+        </p:spPr>
+      </p:pic>
+      <p:pic>
+        <p:nvPicPr>
+          <p:cNvPr id="5" name="图片 4">
+            <a:extLst>
+              <a:ext uri="{FF2B5EF4-FFF2-40B4-BE49-F238E27FC236}">
+                <a16:creationId xmlns:a16="http://schemas.microsoft.com/office/drawing/2014/main" id="{B97537C3-C501-4977-B491-FF7CE8D39B0D}"/>
+              </a:ext>
+            </a:extLst>
+          </p:cNvPr>
+          <p:cNvPicPr>
+            <a:picLocks noChangeAspect="1"/>
+          </p:cNvPicPr>
+          <p:nvPr/>
+        </p:nvPicPr>
+        <p:blipFill>
+          <a:blip r:embed="rId4"/>
+          <a:stretch>
+            <a:fillRect/>
+          </a:stretch>
+        </p:blipFill>
+        <p:spPr>
+          <a:xfrm>
+            <a:off x="7671632" y="1690688"/>
+            <a:ext cx="4412337" cy="4461821"/>
+          </a:xfrm>
+          <a:prstGeom prst="rect">
+            <a:avLst/>
+          </a:prstGeom>
+        </p:spPr>
+      </p:pic>
+    </p:spTree>
+    <p:extLst>
+      <p:ext uri="{BB962C8B-B14F-4D97-AF65-F5344CB8AC3E}">
+        <p14:creationId xmlns:p14="http://schemas.microsoft.com/office/powerpoint/2010/main" val="3379905463"/>
+      </p:ext>
+    </p:extLst>
+  </p:cSld>
+  <p:clrMapOvr>
+    <a:masterClrMapping/>
+  </p:clrMapOvr>
+</p:sld>
+</file>
+
+<file path=ppt/slides/slide19.xml><?xml version="1.0" encoding="utf-8"?>
+<p:sld xmlns:a="http://schemas.openxmlformats.org/drawingml/2006/main" xmlns:r="http://schemas.openxmlformats.org/officeDocument/2006/relationships" xmlns:p="http://schemas.openxmlformats.org/presentationml/2006/main">
+  <p:cSld>
+    <p:spTree>
+      <p:nvGrpSpPr>
+        <p:cNvPr id="1" name=""/>
+        <p:cNvGrpSpPr/>
+        <p:nvPr/>
+      </p:nvGrpSpPr>
+      <p:grpSpPr>
+        <a:xfrm>
+          <a:off x="0" y="0"/>
+          <a:ext cx="0" cy="0"/>
+          <a:chOff x="0" y="0"/>
+          <a:chExt cx="0" cy="0"/>
+        </a:xfrm>
+      </p:grpSpPr>
+      <p:sp>
+        <p:nvSpPr>
+          <p:cNvPr id="2" name="标题 1">
+            <a:extLst>
+              <a:ext uri="{FF2B5EF4-FFF2-40B4-BE49-F238E27FC236}">
+                <a16:creationId xmlns:a16="http://schemas.microsoft.com/office/drawing/2014/main" id="{44E6BEBE-8E49-4966-9456-DC50E81DBE2C}"/>
+              </a:ext>
+            </a:extLst>
+          </p:cNvPr>
+          <p:cNvSpPr>
+            <a:spLocks noGrp="1"/>
+          </p:cNvSpPr>
+          <p:nvPr>
+            <p:ph type="title"/>
+          </p:nvPr>
+        </p:nvSpPr>
+        <p:spPr/>
+        <p:txBody>
+          <a:bodyPr/>
+          <a:lstStyle/>
+          <a:p>
+            <a:r>
+              <a:rPr lang="en-US" altLang="zh-CN" dirty="0"/>
+              <a:t>Conclusion</a:t>
+            </a:r>
+            <a:endParaRPr lang="zh-CN" altLang="en-US" dirty="0"/>
+          </a:p>
+        </p:txBody>
+      </p:sp>
+      <p:sp>
+        <p:nvSpPr>
+          <p:cNvPr id="3" name="内容占位符 2">
+            <a:extLst>
+              <a:ext uri="{FF2B5EF4-FFF2-40B4-BE49-F238E27FC236}">
+                <a16:creationId xmlns:a16="http://schemas.microsoft.com/office/drawing/2014/main" id="{1AAAD31D-15DB-4418-A38E-9449A101C33D}"/>
+              </a:ext>
+            </a:extLst>
+          </p:cNvPr>
+          <p:cNvSpPr>
+            <a:spLocks noGrp="1"/>
+          </p:cNvSpPr>
+          <p:nvPr>
+            <p:ph idx="1"/>
+          </p:nvPr>
+        </p:nvSpPr>
+        <p:spPr>
+          <a:xfrm>
+            <a:off x="838200" y="1612265"/>
+            <a:ext cx="10515600" cy="4351338"/>
+          </a:xfrm>
+        </p:spPr>
+        <p:txBody>
+          <a:bodyPr/>
+          <a:lstStyle/>
+          <a:p>
+            <a:r>
+              <a:rPr lang="en-US" altLang="zh-CN" dirty="0"/>
+              <a:t>Introduce different types of code smell</a:t>
+            </a:r>
+          </a:p>
+          <a:p>
+            <a:r>
+              <a:rPr lang="en-US" altLang="zh-CN" dirty="0"/>
+              <a:t>Introduce different types of code smell detection approaches</a:t>
+            </a:r>
+            <a:endParaRPr lang="zh-CN" altLang="en-US" dirty="0"/>
+          </a:p>
+        </p:txBody>
+      </p:sp>
+    </p:spTree>
+    <p:extLst>
+      <p:ext uri="{BB962C8B-B14F-4D97-AF65-F5344CB8AC3E}">
+        <p14:creationId xmlns:p14="http://schemas.microsoft.com/office/powerpoint/2010/main" val="3744506106"/>
       </p:ext>
     </p:extLst>
   </p:cSld>
@@ -3875,6 +6145,10 @@
           <a:bodyPr/>
           <a:lstStyle/>
           <a:p>
+            <a:r>
+              <a:rPr lang="en-US" altLang="zh-CN" dirty="0"/>
+              <a:t>Outline</a:t>
+            </a:r>
             <a:endParaRPr lang="zh-CN" altLang="en-US" dirty="0"/>
           </a:p>
         </p:txBody>
@@ -3908,23 +6182,20 @@
           <a:p>
             <a:r>
               <a:rPr lang="en-US" altLang="zh-CN" dirty="0"/>
-              <a:t>A running example</a:t>
-            </a:r>
-          </a:p>
-          <a:p>
-            <a:r>
-              <a:rPr lang="en-US" altLang="zh-CN" dirty="0"/>
-              <a:t>Introduction to refactoring tools</a:t>
-            </a:r>
-          </a:p>
-          <a:p>
-            <a:r>
-              <a:rPr lang="en-US" altLang="zh-CN" dirty="0"/>
-              <a:t>Implementation challenges</a:t>
-            </a:r>
-          </a:p>
-          <a:p>
-            <a:endParaRPr lang="en-US" altLang="zh-CN" dirty="0"/>
+              <a:t>Categorization of code smells</a:t>
+            </a:r>
+          </a:p>
+          <a:p>
+            <a:r>
+              <a:rPr lang="en-US" altLang="zh-CN" dirty="0"/>
+              <a:t>Code smells detection approaches</a:t>
+            </a:r>
+          </a:p>
+          <a:p>
+            <a:r>
+              <a:rPr lang="en-US" altLang="zh-CN" dirty="0"/>
+              <a:t>Conclusion</a:t>
+            </a:r>
           </a:p>
           <a:p>
             <a:endParaRPr lang="zh-CN" altLang="en-US" dirty="0"/>
@@ -3935,6 +6206,75 @@
     <p:extLst>
       <p:ext uri="{BB962C8B-B14F-4D97-AF65-F5344CB8AC3E}">
         <p14:creationId xmlns:p14="http://schemas.microsoft.com/office/powerpoint/2010/main" val="2455882716"/>
+      </p:ext>
+    </p:extLst>
+  </p:cSld>
+  <p:clrMapOvr>
+    <a:masterClrMapping/>
+  </p:clrMapOvr>
+</p:sld>
+</file>
+
+<file path=ppt/slides/slide20.xml><?xml version="1.0" encoding="utf-8"?>
+<p:sld xmlns:a="http://schemas.openxmlformats.org/drawingml/2006/main" xmlns:r="http://schemas.openxmlformats.org/officeDocument/2006/relationships" xmlns:p="http://schemas.openxmlformats.org/presentationml/2006/main">
+  <p:cSld>
+    <p:spTree>
+      <p:nvGrpSpPr>
+        <p:cNvPr id="1" name=""/>
+        <p:cNvGrpSpPr/>
+        <p:nvPr/>
+      </p:nvGrpSpPr>
+      <p:grpSpPr>
+        <a:xfrm>
+          <a:off x="0" y="0"/>
+          <a:ext cx="0" cy="0"/>
+          <a:chOff x="0" y="0"/>
+          <a:chExt cx="0" cy="0"/>
+        </a:xfrm>
+      </p:grpSpPr>
+      <p:sp>
+        <p:nvSpPr>
+          <p:cNvPr id="3" name="内容占位符 2">
+            <a:extLst>
+              <a:ext uri="{FF2B5EF4-FFF2-40B4-BE49-F238E27FC236}">
+                <a16:creationId xmlns:a16="http://schemas.microsoft.com/office/drawing/2014/main" id="{789C870E-FF5F-4EBF-B943-52E4F3101B3D}"/>
+              </a:ext>
+            </a:extLst>
+          </p:cNvPr>
+          <p:cNvSpPr>
+            <a:spLocks noGrp="1"/>
+          </p:cNvSpPr>
+          <p:nvPr>
+            <p:ph idx="1"/>
+          </p:nvPr>
+        </p:nvSpPr>
+        <p:spPr>
+          <a:xfrm>
+            <a:off x="838200" y="2699502"/>
+            <a:ext cx="10515599" cy="1458996"/>
+          </a:xfrm>
+        </p:spPr>
+        <p:txBody>
+          <a:bodyPr>
+            <a:normAutofit/>
+          </a:bodyPr>
+          <a:lstStyle/>
+          <a:p>
+            <a:pPr marL="0" indent="0" algn="ctr">
+              <a:buNone/>
+            </a:pPr>
+            <a:r>
+              <a:rPr lang="en-US" altLang="zh-CN" sz="6000" dirty="0"/>
+              <a:t>Q&amp;A</a:t>
+            </a:r>
+            <a:endParaRPr lang="zh-CN" altLang="en-US" sz="6000" dirty="0"/>
+          </a:p>
+        </p:txBody>
+      </p:sp>
+    </p:spTree>
+    <p:extLst>
+      <p:ext uri="{BB962C8B-B14F-4D97-AF65-F5344CB8AC3E}">
+        <p14:creationId xmlns:p14="http://schemas.microsoft.com/office/powerpoint/2010/main" val="745719681"/>
       </p:ext>
     </p:extLst>
   </p:cSld>
@@ -4008,7 +6348,7 @@
         </p:nvSpPr>
         <p:spPr>
           <a:xfrm>
-            <a:off x="838200" y="1825625"/>
+            <a:off x="838200" y="1690688"/>
             <a:ext cx="11098876" cy="4492048"/>
           </a:xfrm>
         </p:spPr>
@@ -4019,36 +6359,16 @@
           <a:lstStyle/>
           <a:p>
             <a:r>
-              <a:rPr lang="en-US" altLang="zh-CN" sz="3600" dirty="0"/>
-              <a:t>The major part of the total software development cost is devoted to </a:t>
-            </a:r>
-            <a:r>
-              <a:rPr lang="en-US" altLang="zh-CN" sz="3600" dirty="0">
-                <a:solidFill>
-                  <a:srgbClr val="FF0000"/>
-                </a:solidFill>
-              </a:rPr>
-              <a:t>software maintenance</a:t>
-            </a:r>
-          </a:p>
-          <a:p>
-            <a:r>
-              <a:rPr lang="en-US" altLang="zh-CN" sz="3600" dirty="0"/>
-              <a:t>Refactoring can improve the internal software quality</a:t>
-            </a:r>
-          </a:p>
-          <a:p>
-            <a:pPr lvl="1"/>
-            <a:r>
-              <a:rPr lang="en-US" altLang="zh-CN" sz="3200" dirty="0"/>
-              <a:t>the transformation from one representation form to another at the same relative abstraction level, while preserving the subject system’s external behavior</a:t>
-            </a:r>
-          </a:p>
-          <a:p>
-            <a:pPr lvl="1"/>
-            <a:r>
-              <a:rPr lang="en-US" altLang="zh-CN" sz="3200" dirty="0"/>
-              <a:t>Improve software system’s internal structure</a:t>
+              <a:rPr lang="en-US" altLang="zh-CN" dirty="0"/>
+              <a:t>Code smells are violations of coding design principles.</a:t>
+            </a:r>
+            <a:r>
+              <a:rPr lang="zh-CN" altLang="en-US" dirty="0"/>
+              <a:t> </a:t>
+            </a:r>
+            <a:r>
+              <a:rPr lang="en-US" altLang="zh-CN" dirty="0"/>
+              <a:t>They increase technical debt, affecting software maintenance, and evolution. They contribute negatively to software understanding and potentially lead to the introduction of flaws.</a:t>
             </a:r>
             <a:endParaRPr lang="zh-CN" altLang="en-US" sz="3200" dirty="0"/>
           </a:p>
@@ -4089,7 +6409,7 @@
           <p:cNvPr id="2" name="标题 1">
             <a:extLst>
               <a:ext uri="{FF2B5EF4-FFF2-40B4-BE49-F238E27FC236}">
-                <a16:creationId xmlns:a16="http://schemas.microsoft.com/office/drawing/2014/main" id="{5FA21571-57FF-4422-AE11-D99CC7066D12}"/>
+                <a16:creationId xmlns:a16="http://schemas.microsoft.com/office/drawing/2014/main" id="{7CB4BDB6-A426-49F2-B1A8-EC151310D094}"/>
               </a:ext>
             </a:extLst>
           </p:cNvPr>
@@ -4107,92 +6427,165 @@
           <a:p>
             <a:r>
               <a:rPr lang="en-US" altLang="zh-CN" dirty="0"/>
-              <a:t>A running example</a:t>
+              <a:t>Categorization of code smells</a:t>
             </a:r>
             <a:endParaRPr lang="zh-CN" altLang="en-US" dirty="0"/>
           </a:p>
         </p:txBody>
       </p:sp>
-      <p:pic>
-        <p:nvPicPr>
-          <p:cNvPr id="4" name="内容占位符 3">
-            <a:extLst>
-              <a:ext uri="{FF2B5EF4-FFF2-40B4-BE49-F238E27FC236}">
-                <a16:creationId xmlns:a16="http://schemas.microsoft.com/office/drawing/2014/main" id="{CE823AF4-D390-4959-8F22-2A8119463E56}"/>
-              </a:ext>
-            </a:extLst>
-          </p:cNvPr>
-          <p:cNvPicPr>
-            <a:picLocks noGrp="1" noChangeAspect="1"/>
-          </p:cNvPicPr>
+      <p:sp>
+        <p:nvSpPr>
+          <p:cNvPr id="3" name="内容占位符 2">
+            <a:extLst>
+              <a:ext uri="{FF2B5EF4-FFF2-40B4-BE49-F238E27FC236}">
+                <a16:creationId xmlns:a16="http://schemas.microsoft.com/office/drawing/2014/main" id="{6225BB5B-D243-49A7-A1DF-D88D2E50785A}"/>
+              </a:ext>
+            </a:extLst>
+          </p:cNvPr>
+          <p:cNvSpPr>
+            <a:spLocks noGrp="1"/>
+          </p:cNvSpPr>
           <p:nvPr>
             <p:ph idx="1"/>
           </p:nvPr>
-        </p:nvPicPr>
-        <p:blipFill>
-          <a:blip r:embed="rId2"/>
-          <a:stretch>
-            <a:fillRect/>
-          </a:stretch>
-        </p:blipFill>
+        </p:nvSpPr>
         <p:spPr>
           <a:xfrm>
-            <a:off x="271549" y="1690688"/>
-            <a:ext cx="6872343" cy="4163536"/>
+            <a:off x="313996" y="1690688"/>
+            <a:ext cx="11720348" cy="5167312"/>
           </a:xfrm>
-          <a:prstGeom prst="rect">
-            <a:avLst/>
-          </a:prstGeom>
         </p:spPr>
-      </p:pic>
-      <p:sp>
-        <p:nvSpPr>
-          <p:cNvPr id="5" name="文本框 4">
-            <a:extLst>
-              <a:ext uri="{FF2B5EF4-FFF2-40B4-BE49-F238E27FC236}">
-                <a16:creationId xmlns:a16="http://schemas.microsoft.com/office/drawing/2014/main" id="{7B669E61-5EF1-40C7-8623-F84FD7B5B43E}"/>
-              </a:ext>
-            </a:extLst>
-          </p:cNvPr>
-          <p:cNvSpPr txBox="1"/>
-          <p:nvPr/>
-        </p:nvSpPr>
-        <p:spPr>
-          <a:xfrm>
-            <a:off x="6096000" y="5854224"/>
-            <a:ext cx="5257800" cy="584775"/>
-          </a:xfrm>
-          <a:prstGeom prst="rect">
-            <a:avLst/>
-          </a:prstGeom>
-          <a:noFill/>
-        </p:spPr>
-        <p:txBody>
-          <a:bodyPr wrap="square" rtlCol="0">
-            <a:spAutoFit/>
+        <p:txBody>
+          <a:bodyPr>
+            <a:normAutofit fontScale="92500" lnSpcReduction="20000"/>
           </a:bodyPr>
           <a:lstStyle/>
           <a:p>
             <a:r>
-              <a:rPr lang="en-US" altLang="zh-CN" sz="3200" dirty="0">
-                <a:solidFill>
-                  <a:srgbClr val="FF0000"/>
-                </a:solidFill>
-              </a:rPr>
-              <a:t>This design is not optimal</a:t>
-            </a:r>
-            <a:endParaRPr lang="zh-CN" altLang="en-US" sz="3200" dirty="0">
-              <a:solidFill>
-                <a:srgbClr val="FF0000"/>
-              </a:solidFill>
-            </a:endParaRPr>
+              <a:rPr lang="en-US" altLang="zh-CN" dirty="0"/>
+              <a:t>Bloaters</a:t>
+            </a:r>
+          </a:p>
+          <a:p>
+            <a:pPr lvl="1"/>
+            <a:r>
+              <a:rPr lang="en-US" altLang="zh-CN" dirty="0"/>
+              <a:t>Long Method,</a:t>
+            </a:r>
+            <a:r>
+              <a:rPr lang="zh-CN" altLang="en-US" dirty="0"/>
+              <a:t> </a:t>
+            </a:r>
+            <a:r>
+              <a:rPr lang="en-US" altLang="zh-CN" dirty="0"/>
+              <a:t>Large</a:t>
+            </a:r>
+            <a:r>
+              <a:rPr lang="zh-CN" altLang="en-US" dirty="0"/>
+              <a:t> </a:t>
+            </a:r>
+            <a:r>
+              <a:rPr lang="en-US" altLang="zh-CN" dirty="0"/>
+              <a:t>Class</a:t>
+            </a:r>
+          </a:p>
+          <a:p>
+            <a:r>
+              <a:rPr lang="en-US" altLang="zh-CN" dirty="0"/>
+              <a:t>Object-Orientation Abusers</a:t>
+            </a:r>
+          </a:p>
+          <a:p>
+            <a:pPr lvl="1"/>
+            <a:r>
+              <a:rPr lang="en-US" altLang="zh-CN" dirty="0"/>
+              <a:t>Temporary Field,</a:t>
+            </a:r>
+            <a:r>
+              <a:rPr lang="zh-CN" altLang="en-US" dirty="0"/>
+              <a:t> </a:t>
+            </a:r>
+            <a:r>
+              <a:rPr lang="en-US" altLang="zh-CN" dirty="0"/>
+              <a:t>Refused Bequest</a:t>
+            </a:r>
+          </a:p>
+          <a:p>
+            <a:r>
+              <a:rPr lang="en-US" altLang="zh-CN" dirty="0"/>
+              <a:t>Change Preventers</a:t>
+            </a:r>
+          </a:p>
+          <a:p>
+            <a:pPr lvl="1"/>
+            <a:r>
+              <a:rPr lang="en-US" altLang="zh-CN" dirty="0"/>
+              <a:t>Divergent Change, Shotgun Surgery </a:t>
+            </a:r>
+          </a:p>
+          <a:p>
+            <a:r>
+              <a:rPr lang="en-US" altLang="zh-CN" dirty="0" err="1"/>
+              <a:t>Dispensables</a:t>
+            </a:r>
+            <a:endParaRPr lang="en-US" altLang="zh-CN" dirty="0"/>
+          </a:p>
+          <a:p>
+            <a:pPr lvl="1"/>
+            <a:r>
+              <a:rPr lang="en-US" altLang="zh-CN" dirty="0"/>
+              <a:t>Lazy class, Data class</a:t>
+            </a:r>
+          </a:p>
+          <a:p>
+            <a:r>
+              <a:rPr lang="en-US" altLang="zh-CN" dirty="0" err="1"/>
+              <a:t>Encapsulators</a:t>
+            </a:r>
+            <a:endParaRPr lang="en-US" altLang="zh-CN" dirty="0"/>
+          </a:p>
+          <a:p>
+            <a:pPr lvl="1"/>
+            <a:r>
+              <a:rPr lang="en-US" altLang="zh-CN" dirty="0"/>
+              <a:t>Message Chains and Middle Man</a:t>
+            </a:r>
+          </a:p>
+          <a:p>
+            <a:r>
+              <a:rPr lang="en-US" altLang="zh-CN" dirty="0"/>
+              <a:t>Couplers</a:t>
+            </a:r>
+          </a:p>
+          <a:p>
+            <a:pPr lvl="1"/>
+            <a:r>
+              <a:rPr lang="en-US" altLang="zh-CN" dirty="0"/>
+              <a:t>Feature Envy and Inappropriate Intimacy</a:t>
+            </a:r>
+          </a:p>
+          <a:p>
+            <a:r>
+              <a:rPr lang="en-US" altLang="zh-CN" dirty="0"/>
+              <a:t>Others</a:t>
+            </a:r>
+          </a:p>
+          <a:p>
+            <a:pPr lvl="1"/>
+            <a:r>
+              <a:rPr lang="en-US" altLang="zh-CN" dirty="0"/>
+              <a:t>Incomplete Library Class and Comments</a:t>
+            </a:r>
+          </a:p>
+          <a:p>
+            <a:endParaRPr lang="zh-CN" altLang="en-US" dirty="0"/>
           </a:p>
         </p:txBody>
       </p:sp>
     </p:spTree>
     <p:extLst>
       <p:ext uri="{BB962C8B-B14F-4D97-AF65-F5344CB8AC3E}">
-        <p14:creationId xmlns:p14="http://schemas.microsoft.com/office/powerpoint/2010/main" val="3048897765"/>
+        <p14:creationId xmlns:p14="http://schemas.microsoft.com/office/powerpoint/2010/main" val="1246239951"/>
       </p:ext>
     </p:extLst>
   </p:cSld>
@@ -4224,7 +6617,7 @@
           <p:cNvPr id="2" name="标题 1">
             <a:extLst>
               <a:ext uri="{FF2B5EF4-FFF2-40B4-BE49-F238E27FC236}">
-                <a16:creationId xmlns:a16="http://schemas.microsoft.com/office/drawing/2014/main" id="{57DC46BB-4153-42E8-8280-852A129E7491}"/>
+                <a16:creationId xmlns:a16="http://schemas.microsoft.com/office/drawing/2014/main" id="{F6B8901D-4EDC-4D22-98BA-84AA94523809}"/>
               </a:ext>
             </a:extLst>
           </p:cNvPr>
@@ -4242,123 +6635,63 @@
           <a:p>
             <a:r>
               <a:rPr lang="en-US" altLang="zh-CN" dirty="0"/>
-              <a:t>A running example</a:t>
+              <a:t>Code smells detection approaches</a:t>
             </a:r>
             <a:endParaRPr lang="zh-CN" altLang="en-US" dirty="0"/>
           </a:p>
         </p:txBody>
       </p:sp>
-      <p:pic>
-        <p:nvPicPr>
-          <p:cNvPr id="4" name="内容占位符 3">
-            <a:extLst>
-              <a:ext uri="{FF2B5EF4-FFF2-40B4-BE49-F238E27FC236}">
-                <a16:creationId xmlns:a16="http://schemas.microsoft.com/office/drawing/2014/main" id="{AA373D19-A224-457B-ACD4-1AD6188A74E9}"/>
-              </a:ext>
-            </a:extLst>
-          </p:cNvPr>
-          <p:cNvPicPr>
-            <a:picLocks noGrp="1" noChangeAspect="1"/>
-          </p:cNvPicPr>
+      <p:sp>
+        <p:nvSpPr>
+          <p:cNvPr id="3" name="内容占位符 2">
+            <a:extLst>
+              <a:ext uri="{FF2B5EF4-FFF2-40B4-BE49-F238E27FC236}">
+                <a16:creationId xmlns:a16="http://schemas.microsoft.com/office/drawing/2014/main" id="{303A5BFA-282C-4B64-95E9-B47FE1220C42}"/>
+              </a:ext>
+            </a:extLst>
+          </p:cNvPr>
+          <p:cNvSpPr>
+            <a:spLocks noGrp="1"/>
+          </p:cNvSpPr>
           <p:nvPr>
             <p:ph idx="1"/>
           </p:nvPr>
-        </p:nvPicPr>
-        <p:blipFill>
-          <a:blip r:embed="rId2"/>
-          <a:stretch>
-            <a:fillRect/>
-          </a:stretch>
-        </p:blipFill>
-        <p:spPr>
-          <a:xfrm>
-            <a:off x="838200" y="1900851"/>
-            <a:ext cx="9995829" cy="3163237"/>
-          </a:xfrm>
-          <a:prstGeom prst="rect">
-            <a:avLst/>
-          </a:prstGeom>
-        </p:spPr>
-      </p:pic>
-      <p:sp>
-        <p:nvSpPr>
-          <p:cNvPr id="5" name="矩形 4">
-            <a:extLst>
-              <a:ext uri="{FF2B5EF4-FFF2-40B4-BE49-F238E27FC236}">
-                <a16:creationId xmlns:a16="http://schemas.microsoft.com/office/drawing/2014/main" id="{F0DEB939-AC02-479C-87C4-7B7EBFF485F7}"/>
-              </a:ext>
-            </a:extLst>
-          </p:cNvPr>
-          <p:cNvSpPr/>
-          <p:nvPr/>
-        </p:nvSpPr>
-        <p:spPr>
-          <a:xfrm>
-            <a:off x="838200" y="5274251"/>
-            <a:ext cx="11121043" cy="954107"/>
-          </a:xfrm>
-          <a:prstGeom prst="rect">
-            <a:avLst/>
-          </a:prstGeom>
-        </p:spPr>
-        <p:txBody>
-          <a:bodyPr wrap="square">
-            <a:spAutoFit/>
-          </a:bodyPr>
-          <a:lstStyle/>
-          <a:p>
-            <a:r>
-              <a:rPr lang="en-US" altLang="zh-CN" sz="2800" dirty="0">
-                <a:solidFill>
-                  <a:srgbClr val="FF0000"/>
-                </a:solidFill>
-                <a:effectLst/>
-              </a:rPr>
-              <a:t>new functionality can be added by simply creating a new subclass of </a:t>
-            </a:r>
-            <a:r>
-              <a:rPr lang="en-US" altLang="zh-CN" sz="2800" i="1" dirty="0">
-                <a:solidFill>
-                  <a:srgbClr val="FF0000"/>
-                </a:solidFill>
-                <a:effectLst/>
-              </a:rPr>
-              <a:t>Visitor </a:t>
-            </a:r>
-            <a:r>
-              <a:rPr lang="en-US" altLang="zh-CN" sz="2800" dirty="0">
-                <a:solidFill>
-                  <a:srgbClr val="FF0000"/>
-                </a:solidFill>
-                <a:effectLst/>
-              </a:rPr>
-              <a:t>, and implementing the </a:t>
-            </a:r>
-            <a:r>
-              <a:rPr lang="en-US" altLang="zh-CN" sz="2800" b="1" i="1" dirty="0">
-                <a:solidFill>
-                  <a:srgbClr val="FF0000"/>
-                </a:solidFill>
-                <a:effectLst/>
-              </a:rPr>
-              <a:t>visit*  </a:t>
-            </a:r>
-            <a:r>
-              <a:rPr lang="en-US" altLang="zh-CN" sz="2800" dirty="0">
-                <a:solidFill>
-                  <a:srgbClr val="FF0000"/>
-                </a:solidFill>
-                <a:effectLst/>
-              </a:rPr>
-              <a:t>methods appropriately.</a:t>
-            </a:r>
+        </p:nvSpPr>
+        <p:spPr/>
+        <p:txBody>
+          <a:bodyPr/>
+          <a:lstStyle/>
+          <a:p>
+            <a:r>
+              <a:rPr lang="en-US" altLang="zh-CN" dirty="0"/>
+              <a:t>Manual detection techniques</a:t>
+            </a:r>
+          </a:p>
+          <a:p>
+            <a:r>
+              <a:rPr lang="en-US" altLang="zh-CN" dirty="0"/>
+              <a:t>Visualization based techniques</a:t>
+            </a:r>
+          </a:p>
+          <a:p>
+            <a:r>
+              <a:rPr lang="en-US" altLang="zh-CN" dirty="0"/>
+              <a:t>Semi-automatic techniques</a:t>
+            </a:r>
+          </a:p>
+          <a:p>
+            <a:r>
+              <a:rPr lang="en-US" altLang="zh-CN" dirty="0"/>
+              <a:t>Automatic detection techniques</a:t>
+            </a:r>
+            <a:endParaRPr lang="zh-CN" altLang="en-US" dirty="0"/>
           </a:p>
         </p:txBody>
       </p:sp>
     </p:spTree>
     <p:extLst>
       <p:ext uri="{BB962C8B-B14F-4D97-AF65-F5344CB8AC3E}">
-        <p14:creationId xmlns:p14="http://schemas.microsoft.com/office/powerpoint/2010/main" val="525639463"/>
+        <p14:creationId xmlns:p14="http://schemas.microsoft.com/office/powerpoint/2010/main" val="904516061"/>
       </p:ext>
     </p:extLst>
   </p:cSld>
@@ -4390,7 +6723,7 @@
           <p:cNvPr id="2" name="标题 1">
             <a:extLst>
               <a:ext uri="{FF2B5EF4-FFF2-40B4-BE49-F238E27FC236}">
-                <a16:creationId xmlns:a16="http://schemas.microsoft.com/office/drawing/2014/main" id="{AD0F1475-266C-4396-88FC-DF4CFECD32C0}"/>
+                <a16:creationId xmlns:a16="http://schemas.microsoft.com/office/drawing/2014/main" id="{054CE3F0-A26E-4934-9D3B-125235930AD7}"/>
               </a:ext>
             </a:extLst>
           </p:cNvPr>
@@ -4406,7 +6739,11 @@
           <a:bodyPr/>
           <a:lstStyle/>
           <a:p>
-            <a:endParaRPr lang="zh-CN" altLang="en-US"/>
+            <a:r>
+              <a:rPr lang="en-US" altLang="zh-CN" dirty="0"/>
+              <a:t>Manual detection techniques</a:t>
+            </a:r>
+            <a:endParaRPr lang="zh-CN" altLang="en-US" dirty="0"/>
           </a:p>
         </p:txBody>
       </p:sp>
@@ -4415,7 +6752,7 @@
           <p:cNvPr id="3" name="内容占位符 2">
             <a:extLst>
               <a:ext uri="{FF2B5EF4-FFF2-40B4-BE49-F238E27FC236}">
-                <a16:creationId xmlns:a16="http://schemas.microsoft.com/office/drawing/2014/main" id="{758D652B-B4EF-4B1C-AC3C-E07DDF91E5E6}"/>
+                <a16:creationId xmlns:a16="http://schemas.microsoft.com/office/drawing/2014/main" id="{455C24C7-E721-47A8-9164-F2AA194B9909}"/>
               </a:ext>
             </a:extLst>
           </p:cNvPr>
@@ -4426,77 +6763,49 @@
             <p:ph idx="1"/>
           </p:nvPr>
         </p:nvSpPr>
-        <p:spPr/>
-        <p:txBody>
-          <a:bodyPr/>
-          <a:lstStyle/>
-          <a:p>
-            <a:r>
-              <a:rPr lang="en-US" altLang="zh-CN" dirty="0"/>
-              <a:t>Composite refactoring for renaming and moving </a:t>
-            </a:r>
-            <a:r>
-              <a:rPr lang="en-US" altLang="zh-CN" b="1" i="1" dirty="0"/>
-              <a:t>print </a:t>
-            </a:r>
-            <a:r>
-              <a:rPr lang="en-US" altLang="zh-CN" dirty="0"/>
-              <a:t>methods from the </a:t>
-            </a:r>
-            <a:r>
-              <a:rPr lang="en-US" altLang="zh-CN" i="1" dirty="0"/>
-              <a:t>Document</a:t>
-            </a:r>
-            <a:r>
-              <a:rPr lang="en-US" altLang="zh-CN" dirty="0"/>
-              <a:t> subclasses to the </a:t>
-            </a:r>
-            <a:r>
-              <a:rPr lang="en-US" altLang="zh-CN" i="1" dirty="0"/>
-              <a:t>Printer</a:t>
-            </a:r>
-            <a:r>
-              <a:rPr lang="en-US" altLang="zh-CN" dirty="0"/>
-              <a:t> class</a:t>
-            </a:r>
-            <a:endParaRPr lang="zh-CN" altLang="en-US" dirty="0"/>
-          </a:p>
-        </p:txBody>
-      </p:sp>
-      <p:pic>
-        <p:nvPicPr>
-          <p:cNvPr id="5" name="图片 4">
-            <a:extLst>
-              <a:ext uri="{FF2B5EF4-FFF2-40B4-BE49-F238E27FC236}">
-                <a16:creationId xmlns:a16="http://schemas.microsoft.com/office/drawing/2014/main" id="{8E2F4EF8-9B87-4A71-8CD1-3C7085028972}"/>
-              </a:ext>
-            </a:extLst>
-          </p:cNvPr>
-          <p:cNvPicPr>
-            <a:picLocks noChangeAspect="1"/>
-          </p:cNvPicPr>
-          <p:nvPr/>
-        </p:nvPicPr>
-        <p:blipFill>
-          <a:blip r:embed="rId2"/>
-          <a:stretch>
-            <a:fillRect/>
-          </a:stretch>
-        </p:blipFill>
         <p:spPr>
           <a:xfrm>
-            <a:off x="1415761" y="2592940"/>
-            <a:ext cx="7994246" cy="4078036"/>
+            <a:off x="838199" y="1825625"/>
+            <a:ext cx="11073063" cy="4334543"/>
           </a:xfrm>
-          <a:prstGeom prst="rect">
-            <a:avLst/>
-          </a:prstGeom>
         </p:spPr>
-      </p:pic>
+        <p:txBody>
+          <a:bodyPr/>
+          <a:lstStyle/>
+          <a:p>
+            <a:r>
+              <a:rPr lang="en-US" altLang="zh-CN" dirty="0"/>
+              <a:t>Human intervention for code smells detection</a:t>
+            </a:r>
+            <a:endParaRPr lang="en-US" altLang="zh-CN" b="1" dirty="0"/>
+          </a:p>
+          <a:p>
+            <a:pPr lvl="1"/>
+            <a:r>
+              <a:rPr lang="en-US" altLang="zh-CN" dirty="0"/>
+              <a:t>Tedious and time consuming</a:t>
+            </a:r>
+          </a:p>
+          <a:p>
+            <a:r>
+              <a:rPr lang="en-US" altLang="zh-CN" dirty="0"/>
+              <a:t>Munro suggested a template driven model to detect anti-patterns. The template consisted of three components: Name of smell, description of the properties of code smell in text format, Heuristics for the detection of smells</a:t>
+            </a:r>
+          </a:p>
+          <a:p>
+            <a:pPr lvl="1"/>
+            <a:r>
+              <a:rPr lang="en-US" altLang="zh-CN" dirty="0"/>
+              <a:t>Give the possible location of bad smells based on the informal descriptions given by the originators Fowler and Beck</a:t>
+            </a:r>
+            <a:endParaRPr lang="zh-CN" altLang="en-US" dirty="0"/>
+          </a:p>
+        </p:txBody>
+      </p:sp>
     </p:spTree>
     <p:extLst>
       <p:ext uri="{BB962C8B-B14F-4D97-AF65-F5344CB8AC3E}">
-        <p14:creationId xmlns:p14="http://schemas.microsoft.com/office/powerpoint/2010/main" val="2532830398"/>
+        <p14:creationId xmlns:p14="http://schemas.microsoft.com/office/powerpoint/2010/main" val="3525811003"/>
       </p:ext>
     </p:extLst>
   </p:cSld>
@@ -4528,7 +6837,7 @@
           <p:cNvPr id="2" name="标题 1">
             <a:extLst>
               <a:ext uri="{FF2B5EF4-FFF2-40B4-BE49-F238E27FC236}">
-                <a16:creationId xmlns:a16="http://schemas.microsoft.com/office/drawing/2014/main" id="{247A30C0-A861-4821-847B-5E7F3A6BADD0}"/>
+                <a16:creationId xmlns:a16="http://schemas.microsoft.com/office/drawing/2014/main" id="{054CE3F0-A26E-4934-9D3B-125235930AD7}"/>
               </a:ext>
             </a:extLst>
           </p:cNvPr>
@@ -4546,9 +6855,8 @@
           <a:p>
             <a:r>
               <a:rPr lang="en-US" altLang="zh-CN" dirty="0"/>
-              <a:t>Introduction to refactoring tools</a:t>
-            </a:r>
-            <a:endParaRPr lang="zh-CN" altLang="en-US" dirty="0"/>
+              <a:t>Visualization based techniques</a:t>
+            </a:r>
           </a:p>
         </p:txBody>
       </p:sp>
@@ -4557,7 +6865,7 @@
           <p:cNvPr id="3" name="内容占位符 2">
             <a:extLst>
               <a:ext uri="{FF2B5EF4-FFF2-40B4-BE49-F238E27FC236}">
-                <a16:creationId xmlns:a16="http://schemas.microsoft.com/office/drawing/2014/main" id="{E93E3897-E2AB-4A6C-A182-E42F2DF55565}"/>
+                <a16:creationId xmlns:a16="http://schemas.microsoft.com/office/drawing/2014/main" id="{455C24C7-E721-47A8-9164-F2AA194B9909}"/>
               </a:ext>
             </a:extLst>
           </p:cNvPr>
@@ -4568,57 +6876,48 @@
             <p:ph idx="1"/>
           </p:nvPr>
         </p:nvSpPr>
-        <p:spPr/>
-        <p:txBody>
-          <a:bodyPr>
-            <a:normAutofit/>
-          </a:bodyPr>
-          <a:lstStyle/>
-          <a:p>
-            <a:r>
-              <a:rPr lang="en-US" altLang="zh-CN" dirty="0"/>
-              <a:t>Fundamental architecture</a:t>
-            </a:r>
-          </a:p>
-          <a:p>
-            <a:endParaRPr lang="zh-CN" altLang="en-US" dirty="0"/>
-          </a:p>
-        </p:txBody>
-      </p:sp>
-      <p:pic>
-        <p:nvPicPr>
-          <p:cNvPr id="4" name="图片 3">
-            <a:extLst>
-              <a:ext uri="{FF2B5EF4-FFF2-40B4-BE49-F238E27FC236}">
-                <a16:creationId xmlns:a16="http://schemas.microsoft.com/office/drawing/2014/main" id="{FD843247-A591-40E4-B2B1-9129F97913C1}"/>
-              </a:ext>
-            </a:extLst>
-          </p:cNvPr>
-          <p:cNvPicPr>
-            <a:picLocks noChangeAspect="1"/>
-          </p:cNvPicPr>
-          <p:nvPr/>
-        </p:nvPicPr>
-        <p:blipFill>
-          <a:blip r:embed="rId2"/>
-          <a:stretch>
-            <a:fillRect/>
-          </a:stretch>
-        </p:blipFill>
         <p:spPr>
           <a:xfrm>
-            <a:off x="6541515" y="1389496"/>
-            <a:ext cx="4342011" cy="5223596"/>
+            <a:off x="838199" y="1825625"/>
+            <a:ext cx="11073063" cy="4334543"/>
           </a:xfrm>
-          <a:prstGeom prst="rect">
-            <a:avLst/>
-          </a:prstGeom>
         </p:spPr>
-      </p:pic>
+        <p:txBody>
+          <a:bodyPr/>
+          <a:lstStyle/>
+          <a:p>
+            <a:r>
+              <a:rPr lang="en-US" altLang="zh-CN" dirty="0"/>
+              <a:t>Visualization orientated strategy, Visualized design defect detection strategy, Domain Specific Language</a:t>
+            </a:r>
+          </a:p>
+          <a:p>
+            <a:r>
+              <a:rPr lang="en-US" altLang="zh-CN" dirty="0"/>
+              <a:t>Simon suggested a powerful technique to inspect the internal quality of the software using a metric based visualization approach</a:t>
+            </a:r>
+          </a:p>
+          <a:p>
+            <a:pPr lvl="1"/>
+            <a:r>
+              <a:rPr lang="en-US" altLang="zh-CN" dirty="0"/>
+              <a:t>Put together what belongs together</a:t>
+            </a:r>
+          </a:p>
+          <a:p>
+            <a:pPr lvl="1"/>
+            <a:r>
+              <a:rPr lang="en-US" altLang="zh-CN" dirty="0"/>
+              <a:t>move function, move attribute, extract class and inline class</a:t>
+            </a:r>
+            <a:endParaRPr lang="zh-CN" altLang="en-US" dirty="0"/>
+          </a:p>
+        </p:txBody>
+      </p:sp>
     </p:spTree>
     <p:extLst>
       <p:ext uri="{BB962C8B-B14F-4D97-AF65-F5344CB8AC3E}">
-        <p14:creationId xmlns:p14="http://schemas.microsoft.com/office/powerpoint/2010/main" val="3788043560"/>
+        <p14:creationId xmlns:p14="http://schemas.microsoft.com/office/powerpoint/2010/main" val="3911950203"/>
       </p:ext>
     </p:extLst>
   </p:cSld>
@@ -4650,7 +6949,7 @@
           <p:cNvPr id="2" name="标题 1">
             <a:extLst>
               <a:ext uri="{FF2B5EF4-FFF2-40B4-BE49-F238E27FC236}">
-                <a16:creationId xmlns:a16="http://schemas.microsoft.com/office/drawing/2014/main" id="{8BA23ACB-6D1E-4820-9659-BBC70B5FD919}"/>
+                <a16:creationId xmlns:a16="http://schemas.microsoft.com/office/drawing/2014/main" id="{054CE3F0-A26E-4934-9D3B-125235930AD7}"/>
               </a:ext>
             </a:extLst>
           </p:cNvPr>
@@ -4668,64 +6967,129 @@
           <a:p>
             <a:r>
               <a:rPr lang="en-US" altLang="zh-CN" dirty="0"/>
-              <a:t>Implementation Challenges</a:t>
-            </a:r>
-            <a:endParaRPr lang="zh-CN" altLang="en-US" dirty="0"/>
-          </a:p>
-        </p:txBody>
-      </p:sp>
-      <p:sp>
-        <p:nvSpPr>
-          <p:cNvPr id="3" name="内容占位符 2">
-            <a:extLst>
-              <a:ext uri="{FF2B5EF4-FFF2-40B4-BE49-F238E27FC236}">
-                <a16:creationId xmlns:a16="http://schemas.microsoft.com/office/drawing/2014/main" id="{CD44B36B-B868-4DDD-9490-61A743A4A032}"/>
-              </a:ext>
-            </a:extLst>
-          </p:cNvPr>
-          <p:cNvSpPr>
-            <a:spLocks noGrp="1"/>
-          </p:cNvSpPr>
+              <a:t>Visualization based techniques</a:t>
+            </a:r>
+          </a:p>
+        </p:txBody>
+      </p:sp>
+      <p:pic>
+        <p:nvPicPr>
+          <p:cNvPr id="4" name="内容占位符 3">
+            <a:extLst>
+              <a:ext uri="{FF2B5EF4-FFF2-40B4-BE49-F238E27FC236}">
+                <a16:creationId xmlns:a16="http://schemas.microsoft.com/office/drawing/2014/main" id="{CCDD4A87-ACE2-4816-A6D8-208115A52BB9}"/>
+              </a:ext>
+            </a:extLst>
+          </p:cNvPr>
+          <p:cNvPicPr>
+            <a:picLocks noGrp="1" noChangeAspect="1"/>
+          </p:cNvPicPr>
           <p:nvPr>
             <p:ph idx="1"/>
           </p:nvPr>
-        </p:nvSpPr>
-        <p:spPr/>
-        <p:txBody>
-          <a:bodyPr/>
-          <a:lstStyle/>
-          <a:p>
-            <a:r>
-              <a:rPr lang="en-US" altLang="zh-CN" dirty="0"/>
-              <a:t>implementers of refactoring tools have to deal with two types of problems</a:t>
-            </a:r>
-          </a:p>
-          <a:p>
-            <a:pPr lvl="1"/>
-            <a:r>
-              <a:rPr lang="en-US" altLang="zh-CN" dirty="0"/>
-              <a:t>Fundamentally hard problems are common to all </a:t>
-            </a:r>
-            <a:r>
-              <a:rPr lang="en-US" altLang="zh-CN" dirty="0" err="1"/>
-              <a:t>refactorings</a:t>
-            </a:r>
-            <a:endParaRPr lang="en-US" altLang="zh-CN" dirty="0"/>
-          </a:p>
-          <a:p>
-            <a:pPr lvl="1"/>
-            <a:r>
-              <a:rPr lang="en-US" altLang="zh-CN" dirty="0"/>
-              <a:t>Incidental problems are highly language and refactoring specific</a:t>
-            </a:r>
-            <a:endParaRPr lang="zh-CN" altLang="en-US" dirty="0"/>
+        </p:nvPicPr>
+        <p:blipFill>
+          <a:blip r:embed="rId2"/>
+          <a:stretch>
+            <a:fillRect/>
+          </a:stretch>
+        </p:blipFill>
+        <p:spPr>
+          <a:xfrm>
+            <a:off x="404436" y="1542632"/>
+            <a:ext cx="7125448" cy="3017336"/>
+          </a:xfrm>
+          <a:prstGeom prst="rect">
+            <a:avLst/>
+          </a:prstGeom>
+        </p:spPr>
+      </p:pic>
+      <p:pic>
+        <p:nvPicPr>
+          <p:cNvPr id="5" name="图片 4">
+            <a:extLst>
+              <a:ext uri="{FF2B5EF4-FFF2-40B4-BE49-F238E27FC236}">
+                <a16:creationId xmlns:a16="http://schemas.microsoft.com/office/drawing/2014/main" id="{13D89262-0095-48A1-AB13-F0C24137EFC1}"/>
+              </a:ext>
+            </a:extLst>
+          </p:cNvPr>
+          <p:cNvPicPr>
+            <a:picLocks noChangeAspect="1"/>
+          </p:cNvPicPr>
+          <p:nvPr/>
+        </p:nvPicPr>
+        <p:blipFill>
+          <a:blip r:embed="rId3"/>
+          <a:stretch>
+            <a:fillRect/>
+          </a:stretch>
+        </p:blipFill>
+        <p:spPr>
+          <a:xfrm>
+            <a:off x="7737301" y="1465722"/>
+            <a:ext cx="4301547" cy="5022432"/>
+          </a:xfrm>
+          <a:prstGeom prst="rect">
+            <a:avLst/>
+          </a:prstGeom>
+        </p:spPr>
+      </p:pic>
+      <p:sp>
+        <p:nvSpPr>
+          <p:cNvPr id="6" name="文本框 5">
+            <a:extLst>
+              <a:ext uri="{FF2B5EF4-FFF2-40B4-BE49-F238E27FC236}">
+                <a16:creationId xmlns:a16="http://schemas.microsoft.com/office/drawing/2014/main" id="{6D7AF8A9-3B73-4DFA-A46E-5CC9506D4EFE}"/>
+              </a:ext>
+            </a:extLst>
+          </p:cNvPr>
+          <p:cNvSpPr txBox="1"/>
+          <p:nvPr/>
+        </p:nvSpPr>
+        <p:spPr>
+          <a:xfrm>
+            <a:off x="958516" y="5186205"/>
+            <a:ext cx="6128084" cy="584775"/>
+          </a:xfrm>
+          <a:prstGeom prst="rect">
+            <a:avLst/>
+          </a:prstGeom>
+          <a:noFill/>
+        </p:spPr>
+        <p:txBody>
+          <a:bodyPr wrap="square" rtlCol="0">
+            <a:spAutoFit/>
+          </a:bodyPr>
+          <a:lstStyle/>
+          <a:p>
+            <a:r>
+              <a:rPr lang="en-US" altLang="zh-CN" sz="3200" dirty="0">
+                <a:solidFill>
+                  <a:srgbClr val="FF0000"/>
+                </a:solidFill>
+              </a:rPr>
+              <a:t>Move methosB1 to </a:t>
+            </a:r>
+            <a:r>
+              <a:rPr lang="en-US" altLang="zh-CN" sz="3200" dirty="0" err="1">
+                <a:solidFill>
+                  <a:srgbClr val="FF0000"/>
+                </a:solidFill>
+              </a:rPr>
+              <a:t>class_A</a:t>
+            </a:r>
+            <a:endParaRPr lang="zh-CN" altLang="en-US" sz="3200" dirty="0">
+              <a:solidFill>
+                <a:srgbClr val="FF0000"/>
+              </a:solidFill>
+            </a:endParaRPr>
           </a:p>
         </p:txBody>
       </p:sp>
     </p:spTree>
     <p:extLst>
       <p:ext uri="{BB962C8B-B14F-4D97-AF65-F5344CB8AC3E}">
-        <p14:creationId xmlns:p14="http://schemas.microsoft.com/office/powerpoint/2010/main" val="1491988315"/>
+        <p14:creationId xmlns:p14="http://schemas.microsoft.com/office/powerpoint/2010/main" val="1189125252"/>
       </p:ext>
     </p:extLst>
   </p:cSld>
@@ -4757,7 +7121,7 @@
           <p:cNvPr id="2" name="标题 1">
             <a:extLst>
               <a:ext uri="{FF2B5EF4-FFF2-40B4-BE49-F238E27FC236}">
-                <a16:creationId xmlns:a16="http://schemas.microsoft.com/office/drawing/2014/main" id="{982258C7-2947-4DBE-A674-8ABE1FA6A67D}"/>
+                <a16:creationId xmlns:a16="http://schemas.microsoft.com/office/drawing/2014/main" id="{054CE3F0-A26E-4934-9D3B-125235930AD7}"/>
               </a:ext>
             </a:extLst>
           </p:cNvPr>
@@ -4775,9 +7139,8 @@
           <a:p>
             <a:r>
               <a:rPr lang="en-US" altLang="zh-CN" dirty="0"/>
-              <a:t>Behavior Preservation</a:t>
-            </a:r>
-            <a:endParaRPr lang="zh-CN" altLang="en-US" dirty="0"/>
+              <a:t>Semi-automatic techniques</a:t>
+            </a:r>
           </a:p>
         </p:txBody>
       </p:sp>
@@ -4786,7 +7149,7 @@
           <p:cNvPr id="3" name="内容占位符 2">
             <a:extLst>
               <a:ext uri="{FF2B5EF4-FFF2-40B4-BE49-F238E27FC236}">
-                <a16:creationId xmlns:a16="http://schemas.microsoft.com/office/drawing/2014/main" id="{CB7C60EB-FDD1-44CA-BF47-86FA8BE93B45}"/>
+                <a16:creationId xmlns:a16="http://schemas.microsoft.com/office/drawing/2014/main" id="{455C24C7-E721-47A8-9164-F2AA194B9909}"/>
               </a:ext>
             </a:extLst>
           </p:cNvPr>
@@ -4797,122 +7160,33 @@
             <p:ph idx="1"/>
           </p:nvPr>
         </p:nvSpPr>
-        <p:spPr/>
-        <p:txBody>
-          <a:bodyPr/>
-          <a:lstStyle/>
-          <a:p>
-            <a:r>
-              <a:rPr lang="en-US" altLang="zh-CN" sz="3200" dirty="0" err="1"/>
-              <a:t>Refactorings</a:t>
-            </a:r>
-            <a:r>
-              <a:rPr lang="en-US" altLang="zh-CN" sz="3200" dirty="0"/>
-              <a:t> must preserve </a:t>
-            </a:r>
-            <a:r>
-              <a:rPr lang="en-US" altLang="zh-CN" sz="3200" i="1" dirty="0"/>
-              <a:t>external behavior </a:t>
-            </a:r>
-            <a:r>
-              <a:rPr lang="en-US" altLang="zh-CN" sz="3200" dirty="0"/>
-              <a:t>by definition. Unfortunately behavior itself is </a:t>
-            </a:r>
-            <a:r>
-              <a:rPr lang="en-US" altLang="zh-CN" sz="3200" dirty="0">
-                <a:solidFill>
-                  <a:srgbClr val="FF0000"/>
-                </a:solidFill>
-              </a:rPr>
-              <a:t>not defined</a:t>
-            </a:r>
-            <a:r>
-              <a:rPr lang="en-US" altLang="zh-CN" sz="3200" dirty="0"/>
-              <a:t>.</a:t>
-            </a:r>
-          </a:p>
-          <a:p>
-            <a:r>
-              <a:rPr lang="en-US" altLang="zh-CN" sz="3200" dirty="0"/>
-              <a:t>Opdyke’s description : same inputs result in same outputs</a:t>
-            </a:r>
-          </a:p>
-          <a:p>
-            <a:pPr lvl="1"/>
-            <a:r>
-              <a:rPr lang="en-US" altLang="zh-CN" sz="2800" dirty="0"/>
-              <a:t>Not enough</a:t>
-            </a:r>
-          </a:p>
-          <a:p>
-            <a:pPr lvl="1"/>
-            <a:endParaRPr lang="en-US" altLang="zh-CN" dirty="0"/>
-          </a:p>
-          <a:p>
-            <a:r>
-              <a:rPr lang="en-US" altLang="zh-CN" b="1" i="1" dirty="0"/>
-              <a:t>Rename</a:t>
-            </a:r>
-            <a:r>
-              <a:rPr lang="en-US" altLang="zh-CN" dirty="0"/>
-              <a:t> </a:t>
-            </a:r>
-            <a:r>
-              <a:rPr lang="en-US" altLang="zh-CN" i="1" dirty="0"/>
-              <a:t>Foo</a:t>
-            </a:r>
-            <a:r>
-              <a:rPr lang="en-US" altLang="zh-CN" dirty="0"/>
-              <a:t> to </a:t>
-            </a:r>
-            <a:r>
-              <a:rPr lang="en-US" altLang="zh-CN" i="1" dirty="0"/>
-              <a:t>Bar</a:t>
-            </a:r>
-          </a:p>
-          <a:p>
-            <a:pPr lvl="1"/>
-            <a:endParaRPr lang="en-US" altLang="zh-CN" dirty="0"/>
-          </a:p>
-          <a:p>
-            <a:endParaRPr lang="zh-CN" altLang="en-US" dirty="0"/>
-          </a:p>
-        </p:txBody>
-      </p:sp>
-      <p:pic>
-        <p:nvPicPr>
-          <p:cNvPr id="4" name="图片 3">
-            <a:extLst>
-              <a:ext uri="{FF2B5EF4-FFF2-40B4-BE49-F238E27FC236}">
-                <a16:creationId xmlns:a16="http://schemas.microsoft.com/office/drawing/2014/main" id="{CCB6BD0A-E6ED-47B3-955F-DE6BFB0F8915}"/>
-              </a:ext>
-            </a:extLst>
-          </p:cNvPr>
-          <p:cNvPicPr>
-            <a:picLocks noChangeAspect="1"/>
-          </p:cNvPicPr>
-          <p:nvPr/>
-        </p:nvPicPr>
-        <p:blipFill>
-          <a:blip r:embed="rId2"/>
-          <a:stretch>
-            <a:fillRect/>
-          </a:stretch>
-        </p:blipFill>
         <p:spPr>
           <a:xfrm>
-            <a:off x="1553094" y="4875213"/>
-            <a:ext cx="8319529" cy="1982787"/>
+            <a:off x="838199" y="1825625"/>
+            <a:ext cx="11073063" cy="4334543"/>
           </a:xfrm>
-          <a:prstGeom prst="rect">
-            <a:avLst/>
-          </a:prstGeom>
         </p:spPr>
-      </p:pic>
+        <p:txBody>
+          <a:bodyPr/>
+          <a:lstStyle/>
+          <a:p>
+            <a:r>
+              <a:rPr lang="en-US" altLang="zh-CN" dirty="0"/>
+              <a:t>Semi-automatic strategy for the detection of smells</a:t>
+            </a:r>
+          </a:p>
+          <a:p>
+            <a:r>
+              <a:rPr lang="en-US" altLang="zh-CN" dirty="0"/>
+              <a:t>Liu et al. proposed a new kind of semi-automatic generalization refactoring approach where the classes and interfaces supporting inheritance were managed.</a:t>
+            </a:r>
+          </a:p>
+        </p:txBody>
+      </p:sp>
     </p:spTree>
     <p:extLst>
       <p:ext uri="{BB962C8B-B14F-4D97-AF65-F5344CB8AC3E}">
-        <p14:creationId xmlns:p14="http://schemas.microsoft.com/office/powerpoint/2010/main" val="1323336683"/>
+        <p14:creationId xmlns:p14="http://schemas.microsoft.com/office/powerpoint/2010/main" val="2850059920"/>
       </p:ext>
     </p:extLst>
   </p:cSld>
@@ -5215,4 +7489,299 @@
     </a:ext>
   </a:extLst>
 </a:theme>
+</file>
+
+<file path=ppt/theme/theme2.xml><?xml version="1.0" encoding="utf-8"?>
+<a:theme xmlns:a="http://schemas.openxmlformats.org/drawingml/2006/main" name="Office 主题​​">
+  <a:themeElements>
+    <a:clrScheme name="Office">
+      <a:dk1>
+        <a:sysClr val="windowText" lastClr="000000"/>
+      </a:dk1>
+      <a:lt1>
+        <a:sysClr val="window" lastClr="FFFFFF"/>
+      </a:lt1>
+      <a:dk2>
+        <a:srgbClr val="44546A"/>
+      </a:dk2>
+      <a:lt2>
+        <a:srgbClr val="E7E6E6"/>
+      </a:lt2>
+      <a:accent1>
+        <a:srgbClr val="4472C4"/>
+      </a:accent1>
+      <a:accent2>
+        <a:srgbClr val="ED7D31"/>
+      </a:accent2>
+      <a:accent3>
+        <a:srgbClr val="A5A5A5"/>
+      </a:accent3>
+      <a:accent4>
+        <a:srgbClr val="FFC000"/>
+      </a:accent4>
+      <a:accent5>
+        <a:srgbClr val="5B9BD5"/>
+      </a:accent5>
+      <a:accent6>
+        <a:srgbClr val="70AD47"/>
+      </a:accent6>
+      <a:hlink>
+        <a:srgbClr val="0563C1"/>
+      </a:hlink>
+      <a:folHlink>
+        <a:srgbClr val="954F72"/>
+      </a:folHlink>
+    </a:clrScheme>
+    <a:fontScheme name="Office">
+      <a:majorFont>
+        <a:latin typeface="等线 Light" panose="020F0302020204030204"/>
+        <a:ea typeface=""/>
+        <a:cs typeface=""/>
+        <a:font script="Jpan" typeface="游ゴシック Light"/>
+        <a:font script="Hang" typeface="맑은 고딕"/>
+        <a:font script="Hans" typeface="等线 Light"/>
+        <a:font script="Hant" typeface="新細明體"/>
+        <a:font script="Arab" typeface="Times New Roman"/>
+        <a:font script="Hebr" typeface="Times New Roman"/>
+        <a:font script="Thai" typeface="Angsana New"/>
+        <a:font script="Ethi" typeface="Nyala"/>
+        <a:font script="Beng" typeface="Vrinda"/>
+        <a:font script="Gujr" typeface="Shruti"/>
+        <a:font script="Khmr" typeface="MoolBoran"/>
+        <a:font script="Knda" typeface="Tunga"/>
+        <a:font script="Guru" typeface="Raavi"/>
+        <a:font script="Cans" typeface="Euphemia"/>
+        <a:font script="Cher" typeface="Plantagenet Cherokee"/>
+        <a:font script="Yiii" typeface="Microsoft Yi Baiti"/>
+        <a:font script="Tibt" typeface="Microsoft Himalaya"/>
+        <a:font script="Thaa" typeface="MV Boli"/>
+        <a:font script="Deva" typeface="Mangal"/>
+        <a:font script="Telu" typeface="Gautami"/>
+        <a:font script="Taml" typeface="Latha"/>
+        <a:font script="Syrc" typeface="Estrangelo Edessa"/>
+        <a:font script="Orya" typeface="Kalinga"/>
+        <a:font script="Mlym" typeface="Kartika"/>
+        <a:font script="Laoo" typeface="DokChampa"/>
+        <a:font script="Sinh" typeface="Iskoola Pota"/>
+        <a:font script="Mong" typeface="Mongolian Baiti"/>
+        <a:font script="Viet" typeface="Times New Roman"/>
+        <a:font script="Uigh" typeface="Microsoft Uighur"/>
+        <a:font script="Geor" typeface="Sylfaen"/>
+        <a:font script="Armn" typeface="Arial"/>
+        <a:font script="Bugi" typeface="Leelawadee UI"/>
+        <a:font script="Bopo" typeface="Microsoft JhengHei"/>
+        <a:font script="Java" typeface="Javanese Text"/>
+        <a:font script="Lisu" typeface="Segoe UI"/>
+        <a:font script="Mymr" typeface="Myanmar Text"/>
+        <a:font script="Nkoo" typeface="Ebrima"/>
+        <a:font script="Olck" typeface="Nirmala UI"/>
+        <a:font script="Osma" typeface="Ebrima"/>
+        <a:font script="Phag" typeface="Phagspa"/>
+        <a:font script="Syrn" typeface="Estrangelo Edessa"/>
+        <a:font script="Syrj" typeface="Estrangelo Edessa"/>
+        <a:font script="Syre" typeface="Estrangelo Edessa"/>
+        <a:font script="Sora" typeface="Nirmala UI"/>
+        <a:font script="Tale" typeface="Microsoft Tai Le"/>
+        <a:font script="Talu" typeface="Microsoft New Tai Lue"/>
+        <a:font script="Tfng" typeface="Ebrima"/>
+      </a:majorFont>
+      <a:minorFont>
+        <a:latin typeface="等线" panose="020F0502020204030204"/>
+        <a:ea typeface=""/>
+        <a:cs typeface=""/>
+        <a:font script="Jpan" typeface="游ゴシック"/>
+        <a:font script="Hang" typeface="맑은 고딕"/>
+        <a:font script="Hans" typeface="等线"/>
+        <a:font script="Hant" typeface="新細明體"/>
+        <a:font script="Arab" typeface="Arial"/>
+        <a:font script="Hebr" typeface="Arial"/>
+        <a:font script="Thai" typeface="Cordia New"/>
+        <a:font script="Ethi" typeface="Nyala"/>
+        <a:font script="Beng" typeface="Vrinda"/>
+        <a:font script="Gujr" typeface="Shruti"/>
+        <a:font script="Khmr" typeface="DaunPenh"/>
+        <a:font script="Knda" typeface="Tunga"/>
+        <a:font script="Guru" typeface="Raavi"/>
+        <a:font script="Cans" typeface="Euphemia"/>
+        <a:font script="Cher" typeface="Plantagenet Cherokee"/>
+        <a:font script="Yiii" typeface="Microsoft Yi Baiti"/>
+        <a:font script="Tibt" typeface="Microsoft Himalaya"/>
+        <a:font script="Thaa" typeface="MV Boli"/>
+        <a:font script="Deva" typeface="Mangal"/>
+        <a:font script="Telu" typeface="Gautami"/>
+        <a:font script="Taml" typeface="Latha"/>
+        <a:font script="Syrc" typeface="Estrangelo Edessa"/>
+        <a:font script="Orya" typeface="Kalinga"/>
+        <a:font script="Mlym" typeface="Kartika"/>
+        <a:font script="Laoo" typeface="DokChampa"/>
+        <a:font script="Sinh" typeface="Iskoola Pota"/>
+        <a:font script="Mong" typeface="Mongolian Baiti"/>
+        <a:font script="Viet" typeface="Arial"/>
+        <a:font script="Uigh" typeface="Microsoft Uighur"/>
+        <a:font script="Geor" typeface="Sylfaen"/>
+        <a:font script="Armn" typeface="Arial"/>
+        <a:font script="Bugi" typeface="Leelawadee UI"/>
+        <a:font script="Bopo" typeface="Microsoft JhengHei"/>
+        <a:font script="Java" typeface="Javanese Text"/>
+        <a:font script="Lisu" typeface="Segoe UI"/>
+        <a:font script="Mymr" typeface="Myanmar Text"/>
+        <a:font script="Nkoo" typeface="Ebrima"/>
+        <a:font script="Olck" typeface="Nirmala UI"/>
+        <a:font script="Osma" typeface="Ebrima"/>
+        <a:font script="Phag" typeface="Phagspa"/>
+        <a:font script="Syrn" typeface="Estrangelo Edessa"/>
+        <a:font script="Syrj" typeface="Estrangelo Edessa"/>
+        <a:font script="Syre" typeface="Estrangelo Edessa"/>
+        <a:font script="Sora" typeface="Nirmala UI"/>
+        <a:font script="Tale" typeface="Microsoft Tai Le"/>
+        <a:font script="Talu" typeface="Microsoft New Tai Lue"/>
+        <a:font script="Tfng" typeface="Ebrima"/>
+      </a:minorFont>
+    </a:fontScheme>
+    <a:fmtScheme name="Office">
+      <a:fillStyleLst>
+        <a:solidFill>
+          <a:schemeClr val="phClr"/>
+        </a:solidFill>
+        <a:gradFill rotWithShape="1">
+          <a:gsLst>
+            <a:gs pos="0">
+              <a:schemeClr val="phClr">
+                <a:lumMod val="110000"/>
+                <a:satMod val="105000"/>
+                <a:tint val="67000"/>
+              </a:schemeClr>
+            </a:gs>
+            <a:gs pos="50000">
+              <a:schemeClr val="phClr">
+                <a:lumMod val="105000"/>
+                <a:satMod val="103000"/>
+                <a:tint val="73000"/>
+              </a:schemeClr>
+            </a:gs>
+            <a:gs pos="100000">
+              <a:schemeClr val="phClr">
+                <a:lumMod val="105000"/>
+                <a:satMod val="109000"/>
+                <a:tint val="81000"/>
+              </a:schemeClr>
+            </a:gs>
+          </a:gsLst>
+          <a:lin ang="5400000" scaled="0"/>
+        </a:gradFill>
+        <a:gradFill rotWithShape="1">
+          <a:gsLst>
+            <a:gs pos="0">
+              <a:schemeClr val="phClr">
+                <a:satMod val="103000"/>
+                <a:lumMod val="102000"/>
+                <a:tint val="94000"/>
+              </a:schemeClr>
+            </a:gs>
+            <a:gs pos="50000">
+              <a:schemeClr val="phClr">
+                <a:satMod val="110000"/>
+                <a:lumMod val="100000"/>
+                <a:shade val="100000"/>
+              </a:schemeClr>
+            </a:gs>
+            <a:gs pos="100000">
+              <a:schemeClr val="phClr">
+                <a:lumMod val="99000"/>
+                <a:satMod val="120000"/>
+                <a:shade val="78000"/>
+              </a:schemeClr>
+            </a:gs>
+          </a:gsLst>
+          <a:lin ang="5400000" scaled="0"/>
+        </a:gradFill>
+      </a:fillStyleLst>
+      <a:lnStyleLst>
+        <a:ln w="6350" cap="flat" cmpd="sng" algn="ctr">
+          <a:solidFill>
+            <a:schemeClr val="phClr"/>
+          </a:solidFill>
+          <a:prstDash val="solid"/>
+          <a:miter lim="800000"/>
+        </a:ln>
+        <a:ln w="12700" cap="flat" cmpd="sng" algn="ctr">
+          <a:solidFill>
+            <a:schemeClr val="phClr"/>
+          </a:solidFill>
+          <a:prstDash val="solid"/>
+          <a:miter lim="800000"/>
+        </a:ln>
+        <a:ln w="19050" cap="flat" cmpd="sng" algn="ctr">
+          <a:solidFill>
+            <a:schemeClr val="phClr"/>
+          </a:solidFill>
+          <a:prstDash val="solid"/>
+          <a:miter lim="800000"/>
+        </a:ln>
+      </a:lnStyleLst>
+      <a:effectStyleLst>
+        <a:effectStyle>
+          <a:effectLst/>
+        </a:effectStyle>
+        <a:effectStyle>
+          <a:effectLst/>
+        </a:effectStyle>
+        <a:effectStyle>
+          <a:effectLst>
+            <a:outerShdw blurRad="57150" dist="19050" dir="5400000" algn="ctr" rotWithShape="0">
+              <a:srgbClr val="000000">
+                <a:alpha val="63000"/>
+              </a:srgbClr>
+            </a:outerShdw>
+          </a:effectLst>
+        </a:effectStyle>
+      </a:effectStyleLst>
+      <a:bgFillStyleLst>
+        <a:solidFill>
+          <a:schemeClr val="phClr"/>
+        </a:solidFill>
+        <a:solidFill>
+          <a:schemeClr val="phClr">
+            <a:tint val="95000"/>
+            <a:satMod val="170000"/>
+          </a:schemeClr>
+        </a:solidFill>
+        <a:gradFill rotWithShape="1">
+          <a:gsLst>
+            <a:gs pos="0">
+              <a:schemeClr val="phClr">
+                <a:tint val="93000"/>
+                <a:satMod val="150000"/>
+                <a:shade val="98000"/>
+                <a:lumMod val="102000"/>
+              </a:schemeClr>
+            </a:gs>
+            <a:gs pos="50000">
+              <a:schemeClr val="phClr">
+                <a:tint val="98000"/>
+                <a:satMod val="130000"/>
+                <a:shade val="90000"/>
+                <a:lumMod val="103000"/>
+              </a:schemeClr>
+            </a:gs>
+            <a:gs pos="100000">
+              <a:schemeClr val="phClr">
+                <a:shade val="63000"/>
+                <a:satMod val="120000"/>
+              </a:schemeClr>
+            </a:gs>
+          </a:gsLst>
+          <a:lin ang="5400000" scaled="0"/>
+        </a:gradFill>
+      </a:bgFillStyleLst>
+    </a:fmtScheme>
+  </a:themeElements>
+  <a:objectDefaults/>
+  <a:extraClrSchemeLst/>
+  <a:extLst>
+    <a:ext uri="{05A4C25C-085E-4340-85A3-A5531E510DB2}">
+      <thm15:themeFamily xmlns:thm15="http://schemas.microsoft.com/office/thememl/2012/main" name="Office Theme" id="{62F939B6-93AF-4DB8-9C6B-D6C7DFDC589F}" vid="{4A3C46E8-61CC-4603-A589-7422A47A8E4A}"/>
+    </a:ext>
+  </a:extLst>
+</a:theme>
 </file>
--- a/MF1833061-沈思远 课程报告/课程报告.pptx
+++ b/MF1833061-沈思远 课程报告/课程报告.pptx
@@ -216,7 +216,7 @@
           <a:p>
             <a:fld id="{90E872AE-70C9-46AC-9706-4BC073558D48}" type="datetimeFigureOut">
               <a:rPr lang="zh-CN" altLang="en-US" smtClean="0"/>
-              <a:t>2020/5/7</a:t>
+              <a:t>2020/5/8</a:t>
             </a:fld>
             <a:endParaRPr lang="zh-CN" altLang="en-US"/>
           </a:p>
@@ -807,7 +807,10 @@
           <a:bodyPr/>
           <a:lstStyle/>
           <a:p>
-            <a:endParaRPr lang="zh-CN" altLang="en-US" dirty="0"/>
+            <a:r>
+              <a:rPr lang="zh-CN" altLang="en-US" dirty="0"/>
+              <a:t>泛化重构的方式（重组面向对象的源代码以最大利用泛化的能力），</a:t>
+            </a:r>
           </a:p>
         </p:txBody>
       </p:sp>
@@ -891,7 +894,117 @@
           <a:bodyPr/>
           <a:lstStyle/>
           <a:p>
+            <a:r>
+              <a:rPr lang="zh-CN" altLang="en-US" dirty="0"/>
+              <a:t>首先对于不同类组成的类对经过粗略的选择形成候选类对</a:t>
+            </a:r>
+            <a:endParaRPr lang="en-US" altLang="zh-CN" dirty="0"/>
+          </a:p>
+          <a:p>
+            <a:r>
+              <a:rPr lang="zh-CN" altLang="en-US" dirty="0"/>
+              <a:t>然后计算类对中类与类结构上的相似性，然后对于相似程度较大的类根据继承关系分为不同的类别</a:t>
+            </a:r>
+            <a:endParaRPr lang="en-US" altLang="zh-CN" dirty="0"/>
+          </a:p>
+          <a:p>
+            <a:r>
+              <a:rPr lang="en-US" altLang="zh-CN" dirty="0"/>
+              <a:t>Root class</a:t>
+            </a:r>
+            <a:r>
+              <a:rPr lang="zh-CN" altLang="en-US" dirty="0"/>
+              <a:t>：</a:t>
+            </a:r>
+            <a:r>
+              <a:rPr lang="en-US" altLang="zh-CN" dirty="0"/>
+              <a:t>c1</a:t>
+            </a:r>
+            <a:r>
+              <a:rPr lang="zh-CN" altLang="en-US" dirty="0"/>
+              <a:t>和</a:t>
+            </a:r>
+            <a:r>
+              <a:rPr lang="en-US" altLang="zh-CN" dirty="0"/>
+              <a:t>c2</a:t>
+            </a:r>
+            <a:r>
+              <a:rPr lang="zh-CN" altLang="en-US" dirty="0"/>
+              <a:t>无除了</a:t>
+            </a:r>
+            <a:r>
+              <a:rPr lang="en-US" altLang="zh-CN" dirty="0"/>
+              <a:t>Object</a:t>
+            </a:r>
+            <a:r>
+              <a:rPr lang="zh-CN" altLang="en-US" dirty="0"/>
+              <a:t>类外无共同祖先，那么可以设计一个新的父类包含两个类的共同行为，然后进行继承</a:t>
+            </a:r>
+            <a:endParaRPr lang="en-US" altLang="zh-CN" dirty="0"/>
+          </a:p>
+          <a:p>
+            <a:r>
+              <a:rPr lang="en-US" altLang="zh-CN" dirty="0"/>
+              <a:t>Sibling class</a:t>
+            </a:r>
+            <a:r>
+              <a:rPr lang="zh-CN" altLang="en-US" dirty="0"/>
+              <a:t>；两个类有相同的直接父类，那么可以把相同的成员变量或函数进行上移</a:t>
+            </a:r>
+            <a:endParaRPr lang="en-US" altLang="zh-CN" i="0" dirty="0"/>
+          </a:p>
+          <a:p>
+            <a:r>
+              <a:rPr lang="en-US" altLang="zh-CN" i="1" dirty="0"/>
+              <a:t>unrelated classes</a:t>
+            </a:r>
+            <a:r>
+              <a:rPr lang="zh-CN" altLang="en-US" i="1" dirty="0"/>
+              <a:t>：两个类的直接父类均不是</a:t>
+            </a:r>
+            <a:r>
+              <a:rPr lang="en-US" altLang="zh-CN" i="1" dirty="0"/>
+              <a:t>Object</a:t>
+            </a:r>
+            <a:r>
+              <a:rPr lang="zh-CN" altLang="en-US" i="1" dirty="0"/>
+              <a:t>类且不相同，这时候可以将它们的共同行为封装成一个接口</a:t>
+            </a:r>
+            <a:endParaRPr lang="en-US" altLang="zh-CN" i="1" dirty="0"/>
+          </a:p>
+          <a:p>
+            <a:pPr marL="0" marR="0" lvl="0" indent="0" algn="l" defTabSz="914400" rtl="0" eaLnBrk="1" fontAlgn="auto" latinLnBrk="0" hangingPunct="1">
+              <a:lnSpc>
+                <a:spcPct val="100000"/>
+              </a:lnSpc>
+              <a:spcBef>
+                <a:spcPts val="0"/>
+              </a:spcBef>
+              <a:spcAft>
+                <a:spcPts val="0"/>
+              </a:spcAft>
+              <a:buClrTx/>
+              <a:buSzTx/>
+              <a:buFontTx/>
+              <a:buNone/>
+              <a:tabLst/>
+              <a:defRPr/>
+            </a:pPr>
+            <a:r>
+              <a:rPr lang="en-US" altLang="zh-CN" i="1" dirty="0"/>
+              <a:t>offspring of the same ancestor</a:t>
+            </a:r>
+            <a:r>
+              <a:rPr lang="zh-CN" altLang="en-US" i="1" dirty="0"/>
+              <a:t>：两个类有非父类的相同祖先，也是将相同方法进行接口的封装</a:t>
+            </a:r>
             <a:endParaRPr lang="zh-CN" altLang="en-US" dirty="0"/>
+          </a:p>
+          <a:p>
+            <a:endParaRPr lang="en-US" altLang="zh-CN" i="1" dirty="0"/>
+          </a:p>
+          <a:p>
+            <a:endParaRPr lang="en-US" altLang="zh-CN" i="1" dirty="0"/>
           </a:p>
         </p:txBody>
       </p:sp>
@@ -1688,7 +1801,7 @@
           <a:p>
             <a:fld id="{D7D94BF0-FE24-4E84-BEA5-B0EBF192CBAF}" type="datetimeFigureOut">
               <a:rPr lang="zh-CN" altLang="en-US" smtClean="0"/>
-              <a:t>2020/5/7</a:t>
+              <a:t>2020/5/8</a:t>
             </a:fld>
             <a:endParaRPr lang="zh-CN" altLang="en-US"/>
           </a:p>
@@ -1886,7 +1999,7 @@
           <a:p>
             <a:fld id="{D7D94BF0-FE24-4E84-BEA5-B0EBF192CBAF}" type="datetimeFigureOut">
               <a:rPr lang="zh-CN" altLang="en-US" smtClean="0"/>
-              <a:t>2020/5/7</a:t>
+              <a:t>2020/5/8</a:t>
             </a:fld>
             <a:endParaRPr lang="zh-CN" altLang="en-US"/>
           </a:p>
@@ -2094,7 +2207,7 @@
           <a:p>
             <a:fld id="{D7D94BF0-FE24-4E84-BEA5-B0EBF192CBAF}" type="datetimeFigureOut">
               <a:rPr lang="zh-CN" altLang="en-US" smtClean="0"/>
-              <a:t>2020/5/7</a:t>
+              <a:t>2020/5/8</a:t>
             </a:fld>
             <a:endParaRPr lang="zh-CN" altLang="en-US"/>
           </a:p>
@@ -2292,7 +2405,7 @@
           <a:p>
             <a:fld id="{D7D94BF0-FE24-4E84-BEA5-B0EBF192CBAF}" type="datetimeFigureOut">
               <a:rPr lang="zh-CN" altLang="en-US" smtClean="0"/>
-              <a:t>2020/5/7</a:t>
+              <a:t>2020/5/8</a:t>
             </a:fld>
             <a:endParaRPr lang="zh-CN" altLang="en-US"/>
           </a:p>
@@ -2567,7 +2680,7 @@
           <a:p>
             <a:fld id="{D7D94BF0-FE24-4E84-BEA5-B0EBF192CBAF}" type="datetimeFigureOut">
               <a:rPr lang="zh-CN" altLang="en-US" smtClean="0"/>
-              <a:t>2020/5/7</a:t>
+              <a:t>2020/5/8</a:t>
             </a:fld>
             <a:endParaRPr lang="zh-CN" altLang="en-US"/>
           </a:p>
@@ -2832,7 +2945,7 @@
           <a:p>
             <a:fld id="{D7D94BF0-FE24-4E84-BEA5-B0EBF192CBAF}" type="datetimeFigureOut">
               <a:rPr lang="zh-CN" altLang="en-US" smtClean="0"/>
-              <a:t>2020/5/7</a:t>
+              <a:t>2020/5/8</a:t>
             </a:fld>
             <a:endParaRPr lang="zh-CN" altLang="en-US"/>
           </a:p>
@@ -3244,7 +3357,7 @@
           <a:p>
             <a:fld id="{D7D94BF0-FE24-4E84-BEA5-B0EBF192CBAF}" type="datetimeFigureOut">
               <a:rPr lang="zh-CN" altLang="en-US" smtClean="0"/>
-              <a:t>2020/5/7</a:t>
+              <a:t>2020/5/8</a:t>
             </a:fld>
             <a:endParaRPr lang="zh-CN" altLang="en-US"/>
           </a:p>
@@ -3385,7 +3498,7 @@
           <a:p>
             <a:fld id="{D7D94BF0-FE24-4E84-BEA5-B0EBF192CBAF}" type="datetimeFigureOut">
               <a:rPr lang="zh-CN" altLang="en-US" smtClean="0"/>
-              <a:t>2020/5/7</a:t>
+              <a:t>2020/5/8</a:t>
             </a:fld>
             <a:endParaRPr lang="zh-CN" altLang="en-US"/>
           </a:p>
@@ -3498,7 +3611,7 @@
           <a:p>
             <a:fld id="{D7D94BF0-FE24-4E84-BEA5-B0EBF192CBAF}" type="datetimeFigureOut">
               <a:rPr lang="zh-CN" altLang="en-US" smtClean="0"/>
-              <a:t>2020/5/7</a:t>
+              <a:t>2020/5/8</a:t>
             </a:fld>
             <a:endParaRPr lang="zh-CN" altLang="en-US"/>
           </a:p>
@@ -3809,7 +3922,7 @@
           <a:p>
             <a:fld id="{D7D94BF0-FE24-4E84-BEA5-B0EBF192CBAF}" type="datetimeFigureOut">
               <a:rPr lang="zh-CN" altLang="en-US" smtClean="0"/>
-              <a:t>2020/5/7</a:t>
+              <a:t>2020/5/8</a:t>
             </a:fld>
             <a:endParaRPr lang="zh-CN" altLang="en-US"/>
           </a:p>
@@ -4097,7 +4210,7 @@
           <a:p>
             <a:fld id="{D7D94BF0-FE24-4E84-BEA5-B0EBF192CBAF}" type="datetimeFigureOut">
               <a:rPr lang="zh-CN" altLang="en-US" smtClean="0"/>
-              <a:t>2020/5/7</a:t>
+              <a:t>2020/5/8</a:t>
             </a:fld>
             <a:endParaRPr lang="zh-CN" altLang="en-US"/>
           </a:p>
@@ -4338,7 +4451,7 @@
           <a:p>
             <a:fld id="{D7D94BF0-FE24-4E84-BEA5-B0EBF192CBAF}" type="datetimeFigureOut">
               <a:rPr lang="zh-CN" altLang="en-US" smtClean="0"/>
-              <a:t>2020/5/7</a:t>
+              <a:t>2020/5/8</a:t>
             </a:fld>
             <a:endParaRPr lang="zh-CN" altLang="en-US"/>
           </a:p>
@@ -4940,6 +5053,34 @@
               <a:rPr lang="en-US" altLang="zh-CN" dirty="0"/>
               <a:t>recommends a list of refactoring opportunities</a:t>
             </a:r>
+          </a:p>
+          <a:p>
+            <a:pPr lvl="2"/>
+            <a:r>
+              <a:rPr lang="en-US" altLang="zh-CN" i="1" dirty="0"/>
+              <a:t>root classes</a:t>
+            </a:r>
+          </a:p>
+          <a:p>
+            <a:pPr lvl="2"/>
+            <a:r>
+              <a:rPr lang="en-US" altLang="zh-CN" i="1" dirty="0"/>
+              <a:t>sibling classes</a:t>
+            </a:r>
+          </a:p>
+          <a:p>
+            <a:pPr lvl="2"/>
+            <a:r>
+              <a:rPr lang="en-US" altLang="zh-CN" i="1" dirty="0"/>
+              <a:t>unrelated classes</a:t>
+            </a:r>
+          </a:p>
+          <a:p>
+            <a:pPr lvl="2"/>
+            <a:r>
+              <a:rPr lang="en-US" altLang="zh-CN" i="1" dirty="0"/>
+              <a:t>offspring of the same ancestor</a:t>
+            </a:r>
             <a:endParaRPr lang="zh-CN" altLang="en-US" dirty="0"/>
           </a:p>
         </p:txBody>
@@ -5867,7 +6008,7 @@
         <p:spPr>
           <a:xfrm>
             <a:off x="838200" y="3429000"/>
-            <a:ext cx="7334250" cy="2266950"/>
+            <a:ext cx="9785684" cy="3024666"/>
           </a:xfrm>
           <a:prstGeom prst="rect">
             <a:avLst/>
@@ -6089,6 +6230,12 @@
             <a:r>
               <a:rPr lang="en-US" altLang="zh-CN" dirty="0"/>
               <a:t>Introduce different types of code smell detection approaches</a:t>
+            </a:r>
+          </a:p>
+          <a:p>
+            <a:r>
+              <a:rPr lang="en-US" altLang="zh-CN" dirty="0"/>
+              <a:t>Most approaches are based on distance metric</a:t>
             </a:r>
             <a:endParaRPr lang="zh-CN" altLang="en-US" dirty="0"/>
           </a:p>

--- a/MF1833061-沈思远 课程报告/课程报告.pptx
+++ b/MF1833061-沈思远 课程报告/课程报告.pptx
@@ -528,202 +528,9 @@
           <a:lstStyle/>
           <a:p>
             <a:r>
-              <a:rPr lang="en-US" altLang="zh-CN" dirty="0"/>
-              <a:t>Bloaters:</a:t>
-            </a:r>
-            <a:r>
               <a:rPr lang="zh-CN" altLang="en-US" dirty="0"/>
-              <a:t>对应于代码的膨胀结构，比如：长方法、大类</a:t>
-            </a:r>
-            <a:endParaRPr lang="en-US" altLang="zh-CN" dirty="0"/>
-          </a:p>
-          <a:p>
-            <a:pPr marL="0" marR="0" lvl="0" indent="0" algn="l" defTabSz="914400" rtl="0" eaLnBrk="1" fontAlgn="auto" latinLnBrk="0" hangingPunct="1">
-              <a:lnSpc>
-                <a:spcPct val="100000"/>
-              </a:lnSpc>
-              <a:spcBef>
-                <a:spcPts val="0"/>
-              </a:spcBef>
-              <a:spcAft>
-                <a:spcPts val="0"/>
-              </a:spcAft>
-              <a:buClrTx/>
-              <a:buSzTx/>
-              <a:buFontTx/>
-              <a:buNone/>
-              <a:tabLst/>
-              <a:defRPr/>
-            </a:pPr>
-            <a:r>
-              <a:rPr lang="en-US" altLang="zh-CN" dirty="0"/>
-              <a:t>Object-Orientation Abusers</a:t>
-            </a:r>
-            <a:r>
-              <a:rPr lang="zh-CN" altLang="en-US" dirty="0"/>
-              <a:t>：对应与代码没有使用正确的面向对象编程的原则，比如类中存在临时字段和被拒绝的馈赠（子类并不想继承超类的所有函数和数据）</a:t>
-            </a:r>
-            <a:endParaRPr lang="en-US" altLang="zh-CN" dirty="0"/>
-          </a:p>
-          <a:p>
-            <a:pPr marL="0" marR="0" lvl="0" indent="0" algn="l" defTabSz="914400" rtl="0" eaLnBrk="1" fontAlgn="auto" latinLnBrk="0" hangingPunct="1">
-              <a:lnSpc>
-                <a:spcPct val="100000"/>
-              </a:lnSpc>
-              <a:spcBef>
-                <a:spcPts val="0"/>
-              </a:spcBef>
-              <a:spcAft>
-                <a:spcPts val="0"/>
-              </a:spcAft>
-              <a:buClrTx/>
-              <a:buSzTx/>
-              <a:buFontTx/>
-              <a:buNone/>
-              <a:tabLst/>
-              <a:defRPr/>
-            </a:pPr>
-            <a:r>
-              <a:rPr lang="en-US" altLang="zh-CN" dirty="0"/>
-              <a:t>Change Preventers</a:t>
-            </a:r>
-            <a:r>
-              <a:rPr lang="zh-CN" altLang="en-US" dirty="0"/>
-              <a:t>：对应于维护代码时需要在不同的类中修改，或者新增功能时需要修改很多函数</a:t>
-            </a:r>
-            <a:endParaRPr lang="en-US" altLang="zh-CN" dirty="0"/>
-          </a:p>
-          <a:p>
-            <a:pPr marL="0" marR="0" lvl="0" indent="0" algn="l" defTabSz="914400" rtl="0" eaLnBrk="1" fontAlgn="auto" latinLnBrk="0" hangingPunct="1">
-              <a:lnSpc>
-                <a:spcPct val="100000"/>
-              </a:lnSpc>
-              <a:spcBef>
-                <a:spcPts val="0"/>
-              </a:spcBef>
-              <a:spcAft>
-                <a:spcPts val="0"/>
-              </a:spcAft>
-              <a:buClrTx/>
-              <a:buSzTx/>
-              <a:buFontTx/>
-              <a:buNone/>
-              <a:tabLst/>
-              <a:defRPr/>
-            </a:pPr>
-            <a:r>
-              <a:rPr lang="en-US" altLang="zh-CN" dirty="0" err="1"/>
-              <a:t>Dispensables</a:t>
-            </a:r>
-            <a:r>
-              <a:rPr lang="zh-CN" altLang="en-US" dirty="0"/>
-              <a:t>：代码中存在冗余元素，比如纯数据类</a:t>
-            </a:r>
-            <a:endParaRPr lang="en-US" altLang="zh-CN" dirty="0"/>
-          </a:p>
-          <a:p>
-            <a:pPr marL="0" marR="0" lvl="0" indent="0" algn="l" defTabSz="914400" rtl="0" eaLnBrk="1" fontAlgn="auto" latinLnBrk="0" hangingPunct="1">
-              <a:lnSpc>
-                <a:spcPct val="100000"/>
-              </a:lnSpc>
-              <a:spcBef>
-                <a:spcPts val="0"/>
-              </a:spcBef>
-              <a:spcAft>
-                <a:spcPts val="0"/>
-              </a:spcAft>
-              <a:buClrTx/>
-              <a:buSzTx/>
-              <a:buFontTx/>
-              <a:buNone/>
-              <a:tabLst/>
-              <a:defRPr/>
-            </a:pPr>
-            <a:r>
-              <a:rPr lang="en-US" altLang="zh-CN" dirty="0" err="1"/>
-              <a:t>Encapsulators</a:t>
-            </a:r>
-            <a:r>
-              <a:rPr lang="en-US" altLang="zh-CN" dirty="0"/>
-              <a:t> </a:t>
-            </a:r>
-            <a:r>
-              <a:rPr lang="zh-CN" altLang="en-US" dirty="0"/>
-              <a:t>由于面向对象的特性需要对代码进行封装，封装往往意味着委托，即需要调用其他类的现有方法进行功能实现，但是人们可能过度使用委托，导致了过长的消息链，这样一旦调用链中的对象间关系发生变化，代码会不得不作出修改</a:t>
-            </a:r>
-            <a:endParaRPr lang="en-US" altLang="zh-CN" dirty="0"/>
-          </a:p>
-          <a:p>
-            <a:pPr marL="0" marR="0" lvl="0" indent="0" algn="l" defTabSz="914400" rtl="0" eaLnBrk="1" fontAlgn="auto" latinLnBrk="0" hangingPunct="1">
-              <a:lnSpc>
-                <a:spcPct val="100000"/>
-              </a:lnSpc>
-              <a:spcBef>
-                <a:spcPts val="0"/>
-              </a:spcBef>
-              <a:spcAft>
-                <a:spcPts val="0"/>
-              </a:spcAft>
-              <a:buClrTx/>
-              <a:buSzTx/>
-              <a:buFontTx/>
-              <a:buNone/>
-              <a:tabLst/>
-              <a:defRPr/>
-            </a:pPr>
-            <a:r>
-              <a:rPr lang="en-US" altLang="zh-CN" dirty="0"/>
-              <a:t>Couplers</a:t>
-            </a:r>
-            <a:r>
-              <a:rPr lang="zh-CN" altLang="en-US" dirty="0"/>
-              <a:t>：比如说依恋情结：一个函数跟另一个模块中的函数或者数据交流格外频繁，远胜于在自己所处模块内部的交流</a:t>
-            </a:r>
-            <a:endParaRPr lang="en-US" altLang="zh-CN" dirty="0"/>
-          </a:p>
-          <a:p>
-            <a:pPr marL="0" marR="0" lvl="0" indent="0" algn="l" defTabSz="914400" rtl="0" eaLnBrk="1" fontAlgn="auto" latinLnBrk="0" hangingPunct="1">
-              <a:lnSpc>
-                <a:spcPct val="100000"/>
-              </a:lnSpc>
-              <a:spcBef>
-                <a:spcPts val="0"/>
-              </a:spcBef>
-              <a:spcAft>
-                <a:spcPts val="0"/>
-              </a:spcAft>
-              <a:buClrTx/>
-              <a:buSzTx/>
-              <a:buFontTx/>
-              <a:buNone/>
-              <a:tabLst/>
-              <a:defRPr/>
-            </a:pPr>
-            <a:r>
-              <a:rPr lang="en-US" altLang="zh-CN" dirty="0"/>
-              <a:t>Others</a:t>
-            </a:r>
-            <a:r>
-              <a:rPr lang="zh-CN" altLang="en-US" dirty="0"/>
-              <a:t>：注释有时候过长往往是因为需要解释</a:t>
-            </a:r>
-            <a:r>
-              <a:rPr lang="en-US" altLang="zh-CN" dirty="0"/>
-              <a:t>code smell</a:t>
-            </a:r>
-            <a:r>
-              <a:rPr lang="zh-CN" altLang="en-US" dirty="0"/>
-              <a:t>，</a:t>
-            </a:r>
-            <a:r>
-              <a:rPr lang="en-US" altLang="zh-CN" dirty="0"/>
-              <a:t>Incomplete Library Class </a:t>
-            </a:r>
-            <a:r>
-              <a:rPr lang="zh-CN" altLang="en-US" dirty="0"/>
-              <a:t>指的是封装好的类库中没有需要的函数</a:t>
-            </a:r>
-            <a:endParaRPr lang="en-US" altLang="zh-CN" dirty="0"/>
+              <a:t>就是针对代码异味进行重构的一个综述</a:t>
+            </a:r>
           </a:p>
         </p:txBody>
       </p:sp>
@@ -744,7 +551,7 @@
           <a:p>
             <a:fld id="{AFABFBDB-6986-4D68-AF78-58D1E535D72E}" type="slidenum">
               <a:rPr lang="zh-CN" altLang="en-US" smtClean="0"/>
-              <a:t>4</a:t>
+              <a:t>1</a:t>
             </a:fld>
             <a:endParaRPr lang="zh-CN" altLang="en-US"/>
           </a:p>
@@ -753,7 +560,210 @@
     </p:spTree>
     <p:extLst>
       <p:ext uri="{BB962C8B-B14F-4D97-AF65-F5344CB8AC3E}">
-        <p14:creationId xmlns:p14="http://schemas.microsoft.com/office/powerpoint/2010/main" val="2418891709"/>
+        <p14:creationId xmlns:p14="http://schemas.microsoft.com/office/powerpoint/2010/main" val="3693428653"/>
+      </p:ext>
+    </p:extLst>
+  </p:cSld>
+  <p:clrMapOvr>
+    <a:masterClrMapping/>
+  </p:clrMapOvr>
+</p:notes>
+</file>
+
+<file path=ppt/notesSlides/notesSlide10.xml><?xml version="1.0" encoding="utf-8"?>
+<p:notes xmlns:a="http://schemas.openxmlformats.org/drawingml/2006/main" xmlns:r="http://schemas.openxmlformats.org/officeDocument/2006/relationships" xmlns:p="http://schemas.openxmlformats.org/presentationml/2006/main">
+  <p:cSld>
+    <p:spTree>
+      <p:nvGrpSpPr>
+        <p:cNvPr id="1" name=""/>
+        <p:cNvGrpSpPr/>
+        <p:nvPr/>
+      </p:nvGrpSpPr>
+      <p:grpSpPr>
+        <a:xfrm>
+          <a:off x="0" y="0"/>
+          <a:ext cx="0" cy="0"/>
+          <a:chOff x="0" y="0"/>
+          <a:chExt cx="0" cy="0"/>
+        </a:xfrm>
+      </p:grpSpPr>
+      <p:sp>
+        <p:nvSpPr>
+          <p:cNvPr id="2" name="幻灯片图像占位符 1"/>
+          <p:cNvSpPr>
+            <a:spLocks noGrp="1" noRot="1" noChangeAspect="1"/>
+          </p:cNvSpPr>
+          <p:nvPr>
+            <p:ph type="sldImg"/>
+          </p:nvPr>
+        </p:nvSpPr>
+        <p:spPr/>
+      </p:sp>
+      <p:sp>
+        <p:nvSpPr>
+          <p:cNvPr id="3" name="备注占位符 2"/>
+          <p:cNvSpPr>
+            <a:spLocks noGrp="1"/>
+          </p:cNvSpPr>
+          <p:nvPr>
+            <p:ph type="body" idx="1"/>
+          </p:nvPr>
+        </p:nvSpPr>
+        <p:spPr/>
+        <p:txBody>
+          <a:bodyPr/>
+          <a:lstStyle/>
+          <a:p>
+            <a:r>
+              <a:rPr lang="zh-CN" altLang="en-US" dirty="0"/>
+              <a:t>使用</a:t>
+            </a:r>
+            <a:r>
+              <a:rPr lang="en-US" altLang="zh-CN" dirty="0"/>
+              <a:t>Eclipse</a:t>
+            </a:r>
+            <a:r>
+              <a:rPr lang="zh-CN" altLang="en-US" dirty="0"/>
+              <a:t>的</a:t>
+            </a:r>
+            <a:r>
+              <a:rPr lang="en-US" altLang="zh-CN" dirty="0"/>
+              <a:t>JDT</a:t>
+            </a:r>
+            <a:r>
+              <a:rPr lang="zh-CN" altLang="en-US" dirty="0"/>
+              <a:t>来进行重构，首先从源码构建出</a:t>
+            </a:r>
+            <a:r>
+              <a:rPr lang="en-US" altLang="zh-CN" dirty="0"/>
+              <a:t>AST</a:t>
+            </a:r>
+            <a:r>
+              <a:rPr lang="zh-CN" altLang="en-US" dirty="0"/>
+              <a:t>，然后基于提取类的重构机制修改</a:t>
+            </a:r>
+            <a:r>
+              <a:rPr lang="en-US" altLang="zh-CN" dirty="0"/>
+              <a:t>AST</a:t>
+            </a:r>
+            <a:r>
+              <a:rPr lang="zh-CN" altLang="en-US" dirty="0"/>
+              <a:t>，然后重写代码</a:t>
+            </a:r>
+          </a:p>
+        </p:txBody>
+      </p:sp>
+      <p:sp>
+        <p:nvSpPr>
+          <p:cNvPr id="4" name="灯片编号占位符 3"/>
+          <p:cNvSpPr>
+            <a:spLocks noGrp="1"/>
+          </p:cNvSpPr>
+          <p:nvPr>
+            <p:ph type="sldNum" sz="quarter" idx="5"/>
+          </p:nvPr>
+        </p:nvSpPr>
+        <p:spPr/>
+        <p:txBody>
+          <a:bodyPr/>
+          <a:lstStyle/>
+          <a:p>
+            <a:fld id="{AFABFBDB-6986-4D68-AF78-58D1E535D72E}" type="slidenum">
+              <a:rPr lang="zh-CN" altLang="en-US" smtClean="0"/>
+              <a:t>18</a:t>
+            </a:fld>
+            <a:endParaRPr lang="zh-CN" altLang="en-US"/>
+          </a:p>
+        </p:txBody>
+      </p:sp>
+    </p:spTree>
+    <p:extLst>
+      <p:ext uri="{BB962C8B-B14F-4D97-AF65-F5344CB8AC3E}">
+        <p14:creationId xmlns:p14="http://schemas.microsoft.com/office/powerpoint/2010/main" val="1821777280"/>
+      </p:ext>
+    </p:extLst>
+  </p:cSld>
+  <p:clrMapOvr>
+    <a:masterClrMapping/>
+  </p:clrMapOvr>
+</p:notes>
+</file>
+
+<file path=ppt/notesSlides/notesSlide11.xml><?xml version="1.0" encoding="utf-8"?>
+<p:notes xmlns:a="http://schemas.openxmlformats.org/drawingml/2006/main" xmlns:r="http://schemas.openxmlformats.org/officeDocument/2006/relationships" xmlns:p="http://schemas.openxmlformats.org/presentationml/2006/main">
+  <p:cSld>
+    <p:spTree>
+      <p:nvGrpSpPr>
+        <p:cNvPr id="1" name=""/>
+        <p:cNvGrpSpPr/>
+        <p:nvPr/>
+      </p:nvGrpSpPr>
+      <p:grpSpPr>
+        <a:xfrm>
+          <a:off x="0" y="0"/>
+          <a:ext cx="0" cy="0"/>
+          <a:chOff x="0" y="0"/>
+          <a:chExt cx="0" cy="0"/>
+        </a:xfrm>
+      </p:grpSpPr>
+      <p:sp>
+        <p:nvSpPr>
+          <p:cNvPr id="2" name="幻灯片图像占位符 1"/>
+          <p:cNvSpPr>
+            <a:spLocks noGrp="1" noRot="1" noChangeAspect="1"/>
+          </p:cNvSpPr>
+          <p:nvPr>
+            <p:ph type="sldImg"/>
+          </p:nvPr>
+        </p:nvSpPr>
+        <p:spPr/>
+      </p:sp>
+      <p:sp>
+        <p:nvSpPr>
+          <p:cNvPr id="3" name="备注占位符 2"/>
+          <p:cNvSpPr>
+            <a:spLocks noGrp="1"/>
+          </p:cNvSpPr>
+          <p:nvPr>
+            <p:ph type="body" idx="1"/>
+          </p:nvPr>
+        </p:nvSpPr>
+        <p:spPr/>
+        <p:txBody>
+          <a:bodyPr/>
+          <a:lstStyle/>
+          <a:p>
+            <a:endParaRPr lang="zh-CN" altLang="en-US" dirty="0"/>
+          </a:p>
+        </p:txBody>
+      </p:sp>
+      <p:sp>
+        <p:nvSpPr>
+          <p:cNvPr id="4" name="灯片编号占位符 3"/>
+          <p:cNvSpPr>
+            <a:spLocks noGrp="1"/>
+          </p:cNvSpPr>
+          <p:nvPr>
+            <p:ph type="sldNum" sz="quarter" idx="5"/>
+          </p:nvPr>
+        </p:nvSpPr>
+        <p:spPr/>
+        <p:txBody>
+          <a:bodyPr/>
+          <a:lstStyle/>
+          <a:p>
+            <a:fld id="{AFABFBDB-6986-4D68-AF78-58D1E535D72E}" type="slidenum">
+              <a:rPr lang="zh-CN" altLang="en-US" smtClean="0"/>
+              <a:t>20</a:t>
+            </a:fld>
+            <a:endParaRPr lang="zh-CN" altLang="en-US"/>
+          </a:p>
+        </p:txBody>
+      </p:sp>
+    </p:spTree>
+    <p:extLst>
+      <p:ext uri="{BB962C8B-B14F-4D97-AF65-F5344CB8AC3E}">
+        <p14:creationId xmlns:p14="http://schemas.microsoft.com/office/powerpoint/2010/main" val="626271165"/>
       </p:ext>
     </p:extLst>
   </p:cSld>
@@ -809,7 +819,7 @@
           <a:p>
             <a:r>
               <a:rPr lang="zh-CN" altLang="en-US" dirty="0"/>
-              <a:t>泛化重构的方式（重组面向对象的源代码以最大利用泛化的能力），</a:t>
+              <a:t>首先介绍下什么是代码异味以及对代码以为进行了分类介绍，然后介绍几类消除代码异味的方法，最后进行总结</a:t>
             </a:r>
           </a:p>
         </p:txBody>
@@ -831,7 +841,7 @@
           <a:p>
             <a:fld id="{AFABFBDB-6986-4D68-AF78-58D1E535D72E}" type="slidenum">
               <a:rPr lang="zh-CN" altLang="en-US" smtClean="0"/>
-              <a:t>9</a:t>
+              <a:t>2</a:t>
             </a:fld>
             <a:endParaRPr lang="zh-CN" altLang="en-US"/>
           </a:p>
@@ -840,7 +850,7 @@
     </p:spTree>
     <p:extLst>
       <p:ext uri="{BB962C8B-B14F-4D97-AF65-F5344CB8AC3E}">
-        <p14:creationId xmlns:p14="http://schemas.microsoft.com/office/powerpoint/2010/main" val="3071986100"/>
+        <p14:creationId xmlns:p14="http://schemas.microsoft.com/office/powerpoint/2010/main" val="2658592410"/>
       </p:ext>
     </p:extLst>
   </p:cSld>
@@ -895,82 +905,14 @@
           <a:lstStyle/>
           <a:p>
             <a:r>
+              <a:rPr lang="en-US" altLang="zh-CN" dirty="0"/>
+              <a:t>Bloaters:</a:t>
+            </a:r>
+            <a:r>
               <a:rPr lang="zh-CN" altLang="en-US" dirty="0"/>
-              <a:t>首先对于不同类组成的类对经过粗略的选择形成候选类对</a:t>
+              <a:t>对应于代码的膨胀结构，比如：长方法、大类</a:t>
             </a:r>
             <a:endParaRPr lang="en-US" altLang="zh-CN" dirty="0"/>
-          </a:p>
-          <a:p>
-            <a:r>
-              <a:rPr lang="zh-CN" altLang="en-US" dirty="0"/>
-              <a:t>然后计算类对中类与类结构上的相似性，然后对于相似程度较大的类根据继承关系分为不同的类别</a:t>
-            </a:r>
-            <a:endParaRPr lang="en-US" altLang="zh-CN" dirty="0"/>
-          </a:p>
-          <a:p>
-            <a:r>
-              <a:rPr lang="en-US" altLang="zh-CN" dirty="0"/>
-              <a:t>Root class</a:t>
-            </a:r>
-            <a:r>
-              <a:rPr lang="zh-CN" altLang="en-US" dirty="0"/>
-              <a:t>：</a:t>
-            </a:r>
-            <a:r>
-              <a:rPr lang="en-US" altLang="zh-CN" dirty="0"/>
-              <a:t>c1</a:t>
-            </a:r>
-            <a:r>
-              <a:rPr lang="zh-CN" altLang="en-US" dirty="0"/>
-              <a:t>和</a:t>
-            </a:r>
-            <a:r>
-              <a:rPr lang="en-US" altLang="zh-CN" dirty="0"/>
-              <a:t>c2</a:t>
-            </a:r>
-            <a:r>
-              <a:rPr lang="zh-CN" altLang="en-US" dirty="0"/>
-              <a:t>无除了</a:t>
-            </a:r>
-            <a:r>
-              <a:rPr lang="en-US" altLang="zh-CN" dirty="0"/>
-              <a:t>Object</a:t>
-            </a:r>
-            <a:r>
-              <a:rPr lang="zh-CN" altLang="en-US" dirty="0"/>
-              <a:t>类外无共同祖先，那么可以设计一个新的父类包含两个类的共同行为，然后进行继承</a:t>
-            </a:r>
-            <a:endParaRPr lang="en-US" altLang="zh-CN" dirty="0"/>
-          </a:p>
-          <a:p>
-            <a:r>
-              <a:rPr lang="en-US" altLang="zh-CN" dirty="0"/>
-              <a:t>Sibling class</a:t>
-            </a:r>
-            <a:r>
-              <a:rPr lang="zh-CN" altLang="en-US" dirty="0"/>
-              <a:t>；两个类有相同的直接父类，那么可以把相同的成员变量或函数进行上移</a:t>
-            </a:r>
-            <a:endParaRPr lang="en-US" altLang="zh-CN" i="0" dirty="0"/>
-          </a:p>
-          <a:p>
-            <a:r>
-              <a:rPr lang="en-US" altLang="zh-CN" i="1" dirty="0"/>
-              <a:t>unrelated classes</a:t>
-            </a:r>
-            <a:r>
-              <a:rPr lang="zh-CN" altLang="en-US" i="1" dirty="0"/>
-              <a:t>：两个类的直接父类均不是</a:t>
-            </a:r>
-            <a:r>
-              <a:rPr lang="en-US" altLang="zh-CN" i="1" dirty="0"/>
-              <a:t>Object</a:t>
-            </a:r>
-            <a:r>
-              <a:rPr lang="zh-CN" altLang="en-US" i="1" dirty="0"/>
-              <a:t>类且不相同，这时候可以将它们的共同行为封装成一个接口</a:t>
-            </a:r>
-            <a:endParaRPr lang="en-US" altLang="zh-CN" i="1" dirty="0"/>
           </a:p>
           <a:p>
             <a:pPr marL="0" marR="0" lvl="0" indent="0" algn="l" defTabSz="914400" rtl="0" eaLnBrk="1" fontAlgn="auto" latinLnBrk="0" hangingPunct="1">
@@ -991,20 +933,174 @@
               <a:defRPr/>
             </a:pPr>
             <a:r>
-              <a:rPr lang="en-US" altLang="zh-CN" i="1" dirty="0"/>
-              <a:t>offspring of the same ancestor</a:t>
-            </a:r>
-            <a:r>
-              <a:rPr lang="zh-CN" altLang="en-US" i="1" dirty="0"/>
-              <a:t>：两个类有非父类的相同祖先，也是将相同方法进行接口的封装</a:t>
-            </a:r>
-            <a:endParaRPr lang="zh-CN" altLang="en-US" dirty="0"/>
-          </a:p>
-          <a:p>
-            <a:endParaRPr lang="en-US" altLang="zh-CN" i="1" dirty="0"/>
-          </a:p>
-          <a:p>
-            <a:endParaRPr lang="en-US" altLang="zh-CN" i="1" dirty="0"/>
+              <a:rPr lang="en-US" altLang="zh-CN" dirty="0"/>
+              <a:t>Object-Orientation Abusers</a:t>
+            </a:r>
+            <a:r>
+              <a:rPr lang="zh-CN" altLang="en-US" dirty="0"/>
+              <a:t>：对应与代码没有使用正确的面向对象编程的原则，比如类中存在临时字段和被拒绝的馈赠（子类并不想继承超类的所有函数和数据）</a:t>
+            </a:r>
+            <a:endParaRPr lang="en-US" altLang="zh-CN" dirty="0"/>
+          </a:p>
+          <a:p>
+            <a:pPr marL="0" marR="0" lvl="0" indent="0" algn="l" defTabSz="914400" rtl="0" eaLnBrk="1" fontAlgn="auto" latinLnBrk="0" hangingPunct="1">
+              <a:lnSpc>
+                <a:spcPct val="100000"/>
+              </a:lnSpc>
+              <a:spcBef>
+                <a:spcPts val="0"/>
+              </a:spcBef>
+              <a:spcAft>
+                <a:spcPts val="0"/>
+              </a:spcAft>
+              <a:buClrTx/>
+              <a:buSzTx/>
+              <a:buFontTx/>
+              <a:buNone/>
+              <a:tabLst/>
+              <a:defRPr/>
+            </a:pPr>
+            <a:r>
+              <a:rPr lang="en-US" altLang="zh-CN" dirty="0"/>
+              <a:t>Change Preventers</a:t>
+            </a:r>
+            <a:r>
+              <a:rPr lang="zh-CN" altLang="en-US" dirty="0"/>
+              <a:t>：对应于维护代码时需要在不同的类中修改，或者新增功能时需要修改很多函数</a:t>
+            </a:r>
+            <a:endParaRPr lang="en-US" altLang="zh-CN" dirty="0"/>
+          </a:p>
+          <a:p>
+            <a:pPr marL="0" marR="0" lvl="0" indent="0" algn="l" defTabSz="914400" rtl="0" eaLnBrk="1" fontAlgn="auto" latinLnBrk="0" hangingPunct="1">
+              <a:lnSpc>
+                <a:spcPct val="100000"/>
+              </a:lnSpc>
+              <a:spcBef>
+                <a:spcPts val="0"/>
+              </a:spcBef>
+              <a:spcAft>
+                <a:spcPts val="0"/>
+              </a:spcAft>
+              <a:buClrTx/>
+              <a:buSzTx/>
+              <a:buFontTx/>
+              <a:buNone/>
+              <a:tabLst/>
+              <a:defRPr/>
+            </a:pPr>
+            <a:r>
+              <a:rPr lang="en-US" altLang="zh-CN" dirty="0" err="1"/>
+              <a:t>Dispensables</a:t>
+            </a:r>
+            <a:r>
+              <a:rPr lang="zh-CN" altLang="en-US" dirty="0"/>
+              <a:t>：代码中存在冗余元素，比如纯数据类</a:t>
+            </a:r>
+            <a:endParaRPr lang="en-US" altLang="zh-CN" dirty="0"/>
+          </a:p>
+          <a:p>
+            <a:pPr marL="0" marR="0" lvl="0" indent="0" algn="l" defTabSz="914400" rtl="0" eaLnBrk="1" fontAlgn="auto" latinLnBrk="0" hangingPunct="1">
+              <a:lnSpc>
+                <a:spcPct val="100000"/>
+              </a:lnSpc>
+              <a:spcBef>
+                <a:spcPts val="0"/>
+              </a:spcBef>
+              <a:spcAft>
+                <a:spcPts val="0"/>
+              </a:spcAft>
+              <a:buClrTx/>
+              <a:buSzTx/>
+              <a:buFontTx/>
+              <a:buNone/>
+              <a:tabLst/>
+              <a:defRPr/>
+            </a:pPr>
+            <a:r>
+              <a:rPr lang="en-US" altLang="zh-CN" dirty="0" err="1"/>
+              <a:t>Encapsulators</a:t>
+            </a:r>
+            <a:r>
+              <a:rPr lang="en-US" altLang="zh-CN" dirty="0"/>
+              <a:t> </a:t>
+            </a:r>
+            <a:r>
+              <a:rPr lang="zh-CN" altLang="en-US" dirty="0"/>
+              <a:t>由于面向对象的特性需要对代码进行封装，封装往往意味着委托，即需要调用其他类的现有方法进行功能实现，但是人们可能过度使用委托，导致了过长的消息链，这样一旦调用链中的对象间关系发生变化，代码会不得不作出修改</a:t>
+            </a:r>
+            <a:endParaRPr lang="en-US" altLang="zh-CN" dirty="0"/>
+          </a:p>
+          <a:p>
+            <a:pPr marL="0" marR="0" lvl="0" indent="0" algn="l" defTabSz="914400" rtl="0" eaLnBrk="1" fontAlgn="auto" latinLnBrk="0" hangingPunct="1">
+              <a:lnSpc>
+                <a:spcPct val="100000"/>
+              </a:lnSpc>
+              <a:spcBef>
+                <a:spcPts val="0"/>
+              </a:spcBef>
+              <a:spcAft>
+                <a:spcPts val="0"/>
+              </a:spcAft>
+              <a:buClrTx/>
+              <a:buSzTx/>
+              <a:buFontTx/>
+              <a:buNone/>
+              <a:tabLst/>
+              <a:defRPr/>
+            </a:pPr>
+            <a:r>
+              <a:rPr lang="en-US" altLang="zh-CN" dirty="0"/>
+              <a:t>Couplers</a:t>
+            </a:r>
+            <a:r>
+              <a:rPr lang="zh-CN" altLang="en-US" dirty="0"/>
+              <a:t>：比如说依恋情结：一个函数跟另一个模块中的函数或者数据交流格外频繁，远胜于在自己所处模块内部的交流</a:t>
+            </a:r>
+            <a:endParaRPr lang="en-US" altLang="zh-CN" dirty="0"/>
+          </a:p>
+          <a:p>
+            <a:pPr marL="0" marR="0" lvl="0" indent="0" algn="l" defTabSz="914400" rtl="0" eaLnBrk="1" fontAlgn="auto" latinLnBrk="0" hangingPunct="1">
+              <a:lnSpc>
+                <a:spcPct val="100000"/>
+              </a:lnSpc>
+              <a:spcBef>
+                <a:spcPts val="0"/>
+              </a:spcBef>
+              <a:spcAft>
+                <a:spcPts val="0"/>
+              </a:spcAft>
+              <a:buClrTx/>
+              <a:buSzTx/>
+              <a:buFontTx/>
+              <a:buNone/>
+              <a:tabLst/>
+              <a:defRPr/>
+            </a:pPr>
+            <a:r>
+              <a:rPr lang="en-US" altLang="zh-CN" dirty="0"/>
+              <a:t>Others</a:t>
+            </a:r>
+            <a:r>
+              <a:rPr lang="zh-CN" altLang="en-US" dirty="0"/>
+              <a:t>：注释有时候过长往往是因为需要解释</a:t>
+            </a:r>
+            <a:r>
+              <a:rPr lang="en-US" altLang="zh-CN" dirty="0"/>
+              <a:t>code smell</a:t>
+            </a:r>
+            <a:r>
+              <a:rPr lang="zh-CN" altLang="en-US" dirty="0"/>
+              <a:t>，</a:t>
+            </a:r>
+            <a:r>
+              <a:rPr lang="en-US" altLang="zh-CN" dirty="0"/>
+              <a:t>Incomplete Library Class </a:t>
+            </a:r>
+            <a:r>
+              <a:rPr lang="zh-CN" altLang="en-US" dirty="0"/>
+              <a:t>指的是封装好的类库中没有需要的函数</a:t>
+            </a:r>
+            <a:endParaRPr lang="en-US" altLang="zh-CN" dirty="0"/>
           </a:p>
         </p:txBody>
       </p:sp>
@@ -1025,7 +1121,7 @@
           <a:p>
             <a:fld id="{AFABFBDB-6986-4D68-AF78-58D1E535D72E}" type="slidenum">
               <a:rPr lang="zh-CN" altLang="en-US" smtClean="0"/>
-              <a:t>10</a:t>
+              <a:t>4</a:t>
             </a:fld>
             <a:endParaRPr lang="zh-CN" altLang="en-US"/>
           </a:p>
@@ -1034,7 +1130,7 @@
     </p:spTree>
     <p:extLst>
       <p:ext uri="{BB962C8B-B14F-4D97-AF65-F5344CB8AC3E}">
-        <p14:creationId xmlns:p14="http://schemas.microsoft.com/office/powerpoint/2010/main" val="3977652495"/>
+        <p14:creationId xmlns:p14="http://schemas.microsoft.com/office/powerpoint/2010/main" val="2418891709"/>
       </p:ext>
     </p:extLst>
   </p:cSld>
@@ -1089,24 +1185,8 @@
           <a:lstStyle/>
           <a:p>
             <a:r>
-              <a:rPr lang="zh-CN" altLang="en-US" dirty="0"/>
-              <a:t>类中包括了</a:t>
-            </a:r>
-            <a:r>
-              <a:rPr lang="en-US" altLang="zh-CN" dirty="0"/>
-              <a:t>4</a:t>
-            </a:r>
-            <a:r>
-              <a:rPr lang="zh-CN" altLang="en-US" dirty="0"/>
-              <a:t>个成员变量和</a:t>
-            </a:r>
-            <a:r>
-              <a:rPr lang="en-US" altLang="zh-CN" dirty="0"/>
-              <a:t>3</a:t>
-            </a:r>
-            <a:r>
-              <a:rPr lang="zh-CN" altLang="en-US" dirty="0"/>
-              <a:t>个成员函数</a:t>
+              <a:rPr lang="zh-CN" altLang="en-US"/>
+              <a:t>将交流比较密切的放在一起其实就是 高内聚，低耦合</a:t>
             </a:r>
           </a:p>
         </p:txBody>
@@ -1128,7 +1208,7 @@
           <a:p>
             <a:fld id="{AFABFBDB-6986-4D68-AF78-58D1E535D72E}" type="slidenum">
               <a:rPr lang="zh-CN" altLang="en-US" smtClean="0"/>
-              <a:t>13</a:t>
+              <a:t>7</a:t>
             </a:fld>
             <a:endParaRPr lang="zh-CN" altLang="en-US"/>
           </a:p>
@@ -1137,7 +1217,7 @@
     </p:spTree>
     <p:extLst>
       <p:ext uri="{BB962C8B-B14F-4D97-AF65-F5344CB8AC3E}">
-        <p14:creationId xmlns:p14="http://schemas.microsoft.com/office/powerpoint/2010/main" val="2009238937"/>
+        <p14:creationId xmlns:p14="http://schemas.microsoft.com/office/powerpoint/2010/main" val="825068520"/>
       </p:ext>
     </p:extLst>
   </p:cSld>
@@ -1191,108 +1271,10 @@
           <a:bodyPr/>
           <a:lstStyle/>
           <a:p>
-            <a:pPr marL="0" marR="0" lvl="0" indent="0" algn="l" defTabSz="914400" rtl="0" eaLnBrk="1" fontAlgn="auto" latinLnBrk="0" hangingPunct="1">
-              <a:lnSpc>
-                <a:spcPct val="100000"/>
-              </a:lnSpc>
-              <a:spcBef>
-                <a:spcPts val="0"/>
-              </a:spcBef>
-              <a:spcAft>
-                <a:spcPts val="0"/>
-              </a:spcAft>
-              <a:buClrTx/>
-              <a:buSzTx/>
-              <a:buFontTx/>
-              <a:buNone/>
-              <a:tabLst/>
-              <a:defRPr/>
-            </a:pPr>
             <a:r>
               <a:rPr lang="zh-CN" altLang="en-US" dirty="0"/>
-              <a:t>首先通过计算不同成员之间的</a:t>
-            </a:r>
-            <a:r>
-              <a:rPr lang="en-US" altLang="zh-CN" dirty="0"/>
-              <a:t>distance</a:t>
-            </a:r>
-            <a:r>
-              <a:rPr lang="zh-CN" altLang="en-US" dirty="0"/>
-              <a:t>来刻画它们之间的相似度，然后利用一种分层聚类的方法，可以得到右下角的聚类树状图，树状图的每一个连接点可以看作是聚类生成的一种抽象的概念</a:t>
-            </a:r>
-            <a:r>
-              <a:rPr lang="en-US" altLang="zh-CN" dirty="0"/>
-              <a:t>(</a:t>
-            </a:r>
-            <a:r>
-              <a:rPr lang="zh-CN" altLang="en-US" dirty="0"/>
-              <a:t>类型</a:t>
-            </a:r>
-            <a:r>
-              <a:rPr lang="en-US" altLang="zh-CN" dirty="0"/>
-              <a:t>)</a:t>
-            </a:r>
-            <a:r>
-              <a:rPr lang="zh-CN" altLang="en-US" dirty="0"/>
-              <a:t>，比如这里的</a:t>
-            </a:r>
-            <a:r>
-              <a:rPr lang="en-US" altLang="zh-CN" dirty="0"/>
-              <a:t>C3</a:t>
-            </a:r>
-            <a:r>
-              <a:rPr lang="zh-CN" altLang="en-US" dirty="0"/>
-              <a:t>和</a:t>
-            </a:r>
-            <a:r>
-              <a:rPr lang="en-US" altLang="zh-CN" dirty="0"/>
-              <a:t>C5</a:t>
-            </a:r>
-            <a:r>
-              <a:rPr lang="zh-CN" altLang="en-US" dirty="0"/>
-              <a:t>的连接点代表的是最顶层的一般性的类型，</a:t>
-            </a:r>
-            <a:r>
-              <a:rPr lang="en-US" altLang="zh-CN" dirty="0"/>
-              <a:t>C1</a:t>
-            </a:r>
-            <a:r>
-              <a:rPr lang="zh-CN" altLang="en-US" dirty="0"/>
-              <a:t>和</a:t>
-            </a:r>
-            <a:r>
-              <a:rPr lang="en-US" altLang="zh-CN" dirty="0"/>
-              <a:t>C2</a:t>
-            </a:r>
-            <a:r>
-              <a:rPr lang="zh-CN" altLang="en-US" dirty="0"/>
-              <a:t>可以看作</a:t>
-            </a:r>
-            <a:r>
-              <a:rPr lang="en-US" altLang="zh-CN" dirty="0"/>
-              <a:t>C3</a:t>
-            </a:r>
-            <a:r>
-              <a:rPr lang="zh-CN" altLang="en-US" dirty="0"/>
-              <a:t>的子类型，然后审视所有可以提取类的机会是否都是有必要的，比如这里的</a:t>
-            </a:r>
-            <a:r>
-              <a:rPr lang="en-US" altLang="zh-CN" dirty="0"/>
-              <a:t>C1</a:t>
-            </a:r>
-            <a:r>
-              <a:rPr lang="zh-CN" altLang="en-US" dirty="0"/>
-              <a:t>类只包含成员变量，所有我们并不把</a:t>
-            </a:r>
-            <a:r>
-              <a:rPr lang="en-US" altLang="zh-CN" dirty="0"/>
-              <a:t>C1</a:t>
-            </a:r>
-            <a:r>
-              <a:rPr lang="zh-CN" altLang="en-US" dirty="0"/>
-              <a:t>再提取一个类出来</a:t>
-            </a:r>
-            <a:endParaRPr lang="en-US" altLang="zh-CN" dirty="0"/>
+              <a:t>泛化重构的方式（重组面向对象的源代码以最大利用泛化的能力），</a:t>
+            </a:r>
           </a:p>
         </p:txBody>
       </p:sp>
@@ -1313,7 +1295,7 @@
           <a:p>
             <a:fld id="{AFABFBDB-6986-4D68-AF78-58D1E535D72E}" type="slidenum">
               <a:rPr lang="zh-CN" altLang="en-US" smtClean="0"/>
-              <a:t>15</a:t>
+              <a:t>9</a:t>
             </a:fld>
             <a:endParaRPr lang="zh-CN" altLang="en-US"/>
           </a:p>
@@ -1322,7 +1304,7 @@
     </p:spTree>
     <p:extLst>
       <p:ext uri="{BB962C8B-B14F-4D97-AF65-F5344CB8AC3E}">
-        <p14:creationId xmlns:p14="http://schemas.microsoft.com/office/powerpoint/2010/main" val="2733813734"/>
+        <p14:creationId xmlns:p14="http://schemas.microsoft.com/office/powerpoint/2010/main" val="3071986100"/>
       </p:ext>
     </p:extLst>
   </p:cSld>
@@ -1378,40 +1360,115 @@
           <a:p>
             <a:r>
               <a:rPr lang="zh-CN" altLang="en-US" dirty="0"/>
-              <a:t>在生成了一系列的可以提取的概念之后，第一步，我们线去掉那些不满足预置条件的重构机会</a:t>
-            </a:r>
-            <a:r>
-              <a:rPr lang="en-US" altLang="zh-CN" dirty="0"/>
-              <a:t>(C1)</a:t>
-            </a:r>
+              <a:t>首先对于不同类组成的类对经过粗略的选择形成候选类对</a:t>
+            </a:r>
+            <a:endParaRPr lang="en-US" altLang="zh-CN" dirty="0"/>
+          </a:p>
+          <a:p>
             <a:r>
               <a:rPr lang="zh-CN" altLang="en-US" dirty="0"/>
-              <a:t>，然后</a:t>
-            </a:r>
-            <a:r>
-              <a:rPr lang="en-US" altLang="zh-CN" dirty="0"/>
-              <a:t>C2</a:t>
+              <a:t>然后计算类对中类与类结构上的相似性，然后对于相似程度较大的类根据继承关系分为不同的类别</a:t>
+            </a:r>
+            <a:endParaRPr lang="en-US" altLang="zh-CN" dirty="0"/>
+          </a:p>
+          <a:p>
+            <a:r>
+              <a:rPr lang="en-US" altLang="zh-CN" dirty="0"/>
+              <a:t>Root class</a:t>
             </a:r>
             <a:r>
               <a:rPr lang="zh-CN" altLang="en-US" dirty="0"/>
-              <a:t>重构也被抛弃了，因为重构</a:t>
-            </a:r>
-            <a:r>
-              <a:rPr lang="en-US" altLang="zh-CN" dirty="0"/>
-              <a:t>C2</a:t>
+              <a:t>：</a:t>
+            </a:r>
+            <a:r>
+              <a:rPr lang="en-US" altLang="zh-CN" dirty="0"/>
+              <a:t>c1</a:t>
             </a:r>
             <a:r>
               <a:rPr lang="zh-CN" altLang="en-US" dirty="0"/>
-              <a:t>类会导致系统的</a:t>
-            </a:r>
-            <a:r>
-              <a:rPr lang="en-US" altLang="zh-CN" dirty="0"/>
-              <a:t>Entity Placement value</a:t>
+              <a:t>和</a:t>
+            </a:r>
+            <a:r>
+              <a:rPr lang="en-US" altLang="zh-CN" dirty="0"/>
+              <a:t>c2</a:t>
             </a:r>
             <a:r>
               <a:rPr lang="zh-CN" altLang="en-US" dirty="0"/>
-              <a:t>值变高</a:t>
-            </a:r>
+              <a:t>无除了</a:t>
+            </a:r>
+            <a:r>
+              <a:rPr lang="en-US" altLang="zh-CN" dirty="0"/>
+              <a:t>Object</a:t>
+            </a:r>
+            <a:r>
+              <a:rPr lang="zh-CN" altLang="en-US" dirty="0"/>
+              <a:t>类外无共同祖先，那么可以设计一个新的父类包含两个类的共同行为，然后进行继承</a:t>
+            </a:r>
+            <a:endParaRPr lang="en-US" altLang="zh-CN" dirty="0"/>
+          </a:p>
+          <a:p>
+            <a:r>
+              <a:rPr lang="en-US" altLang="zh-CN" dirty="0"/>
+              <a:t>Sibling class</a:t>
+            </a:r>
+            <a:r>
+              <a:rPr lang="zh-CN" altLang="en-US" dirty="0"/>
+              <a:t>；两个类有相同的直接父类，那么可以把相同的成员变量或函数进行上移</a:t>
+            </a:r>
+            <a:endParaRPr lang="en-US" altLang="zh-CN" i="0" dirty="0"/>
+          </a:p>
+          <a:p>
+            <a:r>
+              <a:rPr lang="en-US" altLang="zh-CN" i="1" dirty="0"/>
+              <a:t>unrelated classes</a:t>
+            </a:r>
+            <a:r>
+              <a:rPr lang="zh-CN" altLang="en-US" i="1" dirty="0"/>
+              <a:t>：两个类的直接父类均不是</a:t>
+            </a:r>
+            <a:r>
+              <a:rPr lang="en-US" altLang="zh-CN" i="1" dirty="0"/>
+              <a:t>Object</a:t>
+            </a:r>
+            <a:r>
+              <a:rPr lang="zh-CN" altLang="en-US" i="1" dirty="0"/>
+              <a:t>类且不相同，这时候可以将它们的共同行为封装成一个接口</a:t>
+            </a:r>
+            <a:endParaRPr lang="en-US" altLang="zh-CN" i="1" dirty="0"/>
+          </a:p>
+          <a:p>
+            <a:pPr marL="0" marR="0" lvl="0" indent="0" algn="l" defTabSz="914400" rtl="0" eaLnBrk="1" fontAlgn="auto" latinLnBrk="0" hangingPunct="1">
+              <a:lnSpc>
+                <a:spcPct val="100000"/>
+              </a:lnSpc>
+              <a:spcBef>
+                <a:spcPts val="0"/>
+              </a:spcBef>
+              <a:spcAft>
+                <a:spcPts val="0"/>
+              </a:spcAft>
+              <a:buClrTx/>
+              <a:buSzTx/>
+              <a:buFontTx/>
+              <a:buNone/>
+              <a:tabLst/>
+              <a:defRPr/>
+            </a:pPr>
+            <a:r>
+              <a:rPr lang="en-US" altLang="zh-CN" i="1" dirty="0"/>
+              <a:t>offspring of the same ancestor</a:t>
+            </a:r>
+            <a:r>
+              <a:rPr lang="zh-CN" altLang="en-US" i="1" dirty="0"/>
+              <a:t>：两个类有非父类的相同祖先，也是将相同方法进行接口的封装</a:t>
+            </a:r>
+            <a:endParaRPr lang="zh-CN" altLang="en-US" dirty="0"/>
+          </a:p>
+          <a:p>
+            <a:endParaRPr lang="en-US" altLang="zh-CN" i="1" dirty="0"/>
+          </a:p>
+          <a:p>
+            <a:endParaRPr lang="en-US" altLang="zh-CN" i="1" dirty="0"/>
           </a:p>
         </p:txBody>
       </p:sp>
@@ -1432,7 +1489,7 @@
           <a:p>
             <a:fld id="{AFABFBDB-6986-4D68-AF78-58D1E535D72E}" type="slidenum">
               <a:rPr lang="zh-CN" altLang="en-US" smtClean="0"/>
-              <a:t>17</a:t>
+              <a:t>10</a:t>
             </a:fld>
             <a:endParaRPr lang="zh-CN" altLang="en-US"/>
           </a:p>
@@ -1441,7 +1498,7 @@
     </p:spTree>
     <p:extLst>
       <p:ext uri="{BB962C8B-B14F-4D97-AF65-F5344CB8AC3E}">
-        <p14:creationId xmlns:p14="http://schemas.microsoft.com/office/powerpoint/2010/main" val="1928000309"/>
+        <p14:creationId xmlns:p14="http://schemas.microsoft.com/office/powerpoint/2010/main" val="3977652495"/>
       </p:ext>
     </p:extLst>
   </p:cSld>
@@ -1497,39 +1554,23 @@
           <a:p>
             <a:r>
               <a:rPr lang="zh-CN" altLang="en-US" dirty="0"/>
-              <a:t>使用</a:t>
-            </a:r>
-            <a:r>
-              <a:rPr lang="en-US" altLang="zh-CN" dirty="0"/>
-              <a:t>Eclipse</a:t>
+              <a:t>类中包括了</a:t>
+            </a:r>
+            <a:r>
+              <a:rPr lang="en-US" altLang="zh-CN" dirty="0"/>
+              <a:t>4</a:t>
             </a:r>
             <a:r>
               <a:rPr lang="zh-CN" altLang="en-US" dirty="0"/>
-              <a:t>的</a:t>
-            </a:r>
-            <a:r>
-              <a:rPr lang="en-US" altLang="zh-CN" dirty="0"/>
-              <a:t>JDT</a:t>
+              <a:t>个成员变量和</a:t>
+            </a:r>
+            <a:r>
+              <a:rPr lang="en-US" altLang="zh-CN" dirty="0"/>
+              <a:t>3</a:t>
             </a:r>
             <a:r>
               <a:rPr lang="zh-CN" altLang="en-US" dirty="0"/>
-              <a:t>来进行重构，首先从源码构建出</a:t>
-            </a:r>
-            <a:r>
-              <a:rPr lang="en-US" altLang="zh-CN" dirty="0"/>
-              <a:t>AST</a:t>
-            </a:r>
-            <a:r>
-              <a:rPr lang="zh-CN" altLang="en-US" dirty="0"/>
-              <a:t>，然后基于提取类的重构机制修改</a:t>
-            </a:r>
-            <a:r>
-              <a:rPr lang="en-US" altLang="zh-CN" dirty="0"/>
-              <a:t>AST</a:t>
-            </a:r>
-            <a:r>
-              <a:rPr lang="zh-CN" altLang="en-US" dirty="0"/>
-              <a:t>，然后重写代码</a:t>
+              <a:t>个成员函数</a:t>
             </a:r>
           </a:p>
         </p:txBody>
@@ -1551,7 +1592,7 @@
           <a:p>
             <a:fld id="{AFABFBDB-6986-4D68-AF78-58D1E535D72E}" type="slidenum">
               <a:rPr lang="zh-CN" altLang="en-US" smtClean="0"/>
-              <a:t>18</a:t>
+              <a:t>13</a:t>
             </a:fld>
             <a:endParaRPr lang="zh-CN" altLang="en-US"/>
           </a:p>
@@ -1560,7 +1601,7 @@
     </p:spTree>
     <p:extLst>
       <p:ext uri="{BB962C8B-B14F-4D97-AF65-F5344CB8AC3E}">
-        <p14:creationId xmlns:p14="http://schemas.microsoft.com/office/powerpoint/2010/main" val="1821777280"/>
+        <p14:creationId xmlns:p14="http://schemas.microsoft.com/office/powerpoint/2010/main" val="2009238937"/>
       </p:ext>
     </p:extLst>
   </p:cSld>
@@ -1614,7 +1655,108 @@
           <a:bodyPr/>
           <a:lstStyle/>
           <a:p>
-            <a:endParaRPr lang="zh-CN" altLang="en-US" dirty="0"/>
+            <a:pPr marL="0" marR="0" lvl="0" indent="0" algn="l" defTabSz="914400" rtl="0" eaLnBrk="1" fontAlgn="auto" latinLnBrk="0" hangingPunct="1">
+              <a:lnSpc>
+                <a:spcPct val="100000"/>
+              </a:lnSpc>
+              <a:spcBef>
+                <a:spcPts val="0"/>
+              </a:spcBef>
+              <a:spcAft>
+                <a:spcPts val="0"/>
+              </a:spcAft>
+              <a:buClrTx/>
+              <a:buSzTx/>
+              <a:buFontTx/>
+              <a:buNone/>
+              <a:tabLst/>
+              <a:defRPr/>
+            </a:pPr>
+            <a:r>
+              <a:rPr lang="zh-CN" altLang="en-US" dirty="0"/>
+              <a:t>首先通过计算不同成员之间的</a:t>
+            </a:r>
+            <a:r>
+              <a:rPr lang="en-US" altLang="zh-CN" dirty="0"/>
+              <a:t>distance</a:t>
+            </a:r>
+            <a:r>
+              <a:rPr lang="zh-CN" altLang="en-US" dirty="0"/>
+              <a:t>来刻画它们之间的相似度，然后利用一种分层聚类的方法，可以得到右下角的聚类树状图，树状图的每一个连接点可以看作是聚类生成的一种抽象的概念</a:t>
+            </a:r>
+            <a:r>
+              <a:rPr lang="en-US" altLang="zh-CN" dirty="0"/>
+              <a:t>(</a:t>
+            </a:r>
+            <a:r>
+              <a:rPr lang="zh-CN" altLang="en-US" dirty="0"/>
+              <a:t>类型</a:t>
+            </a:r>
+            <a:r>
+              <a:rPr lang="en-US" altLang="zh-CN" dirty="0"/>
+              <a:t>)</a:t>
+            </a:r>
+            <a:r>
+              <a:rPr lang="zh-CN" altLang="en-US" dirty="0"/>
+              <a:t>，比如这里的</a:t>
+            </a:r>
+            <a:r>
+              <a:rPr lang="en-US" altLang="zh-CN" dirty="0"/>
+              <a:t>C3</a:t>
+            </a:r>
+            <a:r>
+              <a:rPr lang="zh-CN" altLang="en-US" dirty="0"/>
+              <a:t>和</a:t>
+            </a:r>
+            <a:r>
+              <a:rPr lang="en-US" altLang="zh-CN" dirty="0"/>
+              <a:t>C5</a:t>
+            </a:r>
+            <a:r>
+              <a:rPr lang="zh-CN" altLang="en-US" dirty="0"/>
+              <a:t>的连接点代表的是最顶层的一般性的类型，</a:t>
+            </a:r>
+            <a:r>
+              <a:rPr lang="en-US" altLang="zh-CN" dirty="0"/>
+              <a:t>C1</a:t>
+            </a:r>
+            <a:r>
+              <a:rPr lang="zh-CN" altLang="en-US" dirty="0"/>
+              <a:t>和</a:t>
+            </a:r>
+            <a:r>
+              <a:rPr lang="en-US" altLang="zh-CN" dirty="0"/>
+              <a:t>C2</a:t>
+            </a:r>
+            <a:r>
+              <a:rPr lang="zh-CN" altLang="en-US" dirty="0"/>
+              <a:t>可以看作</a:t>
+            </a:r>
+            <a:r>
+              <a:rPr lang="en-US" altLang="zh-CN" dirty="0"/>
+              <a:t>C3</a:t>
+            </a:r>
+            <a:r>
+              <a:rPr lang="zh-CN" altLang="en-US" dirty="0"/>
+              <a:t>的子类型，然后审视所有可以提取类的机会是否都是有必要的，比如这里的</a:t>
+            </a:r>
+            <a:r>
+              <a:rPr lang="en-US" altLang="zh-CN" dirty="0"/>
+              <a:t>C1</a:t>
+            </a:r>
+            <a:r>
+              <a:rPr lang="zh-CN" altLang="en-US" dirty="0"/>
+              <a:t>类只包含成员变量，所有我们并不把</a:t>
+            </a:r>
+            <a:r>
+              <a:rPr lang="en-US" altLang="zh-CN" dirty="0"/>
+              <a:t>C1</a:t>
+            </a:r>
+            <a:r>
+              <a:rPr lang="zh-CN" altLang="en-US" dirty="0"/>
+              <a:t>再提取一个类出来</a:t>
+            </a:r>
+            <a:endParaRPr lang="en-US" altLang="zh-CN" dirty="0"/>
           </a:p>
         </p:txBody>
       </p:sp>
@@ -1635,7 +1777,7 @@
           <a:p>
             <a:fld id="{AFABFBDB-6986-4D68-AF78-58D1E535D72E}" type="slidenum">
               <a:rPr lang="zh-CN" altLang="en-US" smtClean="0"/>
-              <a:t>20</a:t>
+              <a:t>15</a:t>
             </a:fld>
             <a:endParaRPr lang="zh-CN" altLang="en-US"/>
           </a:p>
@@ -1644,7 +1786,126 @@
     </p:spTree>
     <p:extLst>
       <p:ext uri="{BB962C8B-B14F-4D97-AF65-F5344CB8AC3E}">
-        <p14:creationId xmlns:p14="http://schemas.microsoft.com/office/powerpoint/2010/main" val="626271165"/>
+        <p14:creationId xmlns:p14="http://schemas.microsoft.com/office/powerpoint/2010/main" val="2733813734"/>
+      </p:ext>
+    </p:extLst>
+  </p:cSld>
+  <p:clrMapOvr>
+    <a:masterClrMapping/>
+  </p:clrMapOvr>
+</p:notes>
+</file>
+
+<file path=ppt/notesSlides/notesSlide9.xml><?xml version="1.0" encoding="utf-8"?>
+<p:notes xmlns:a="http://schemas.openxmlformats.org/drawingml/2006/main" xmlns:r="http://schemas.openxmlformats.org/officeDocument/2006/relationships" xmlns:p="http://schemas.openxmlformats.org/presentationml/2006/main">
+  <p:cSld>
+    <p:spTree>
+      <p:nvGrpSpPr>
+        <p:cNvPr id="1" name=""/>
+        <p:cNvGrpSpPr/>
+        <p:nvPr/>
+      </p:nvGrpSpPr>
+      <p:grpSpPr>
+        <a:xfrm>
+          <a:off x="0" y="0"/>
+          <a:ext cx="0" cy="0"/>
+          <a:chOff x="0" y="0"/>
+          <a:chExt cx="0" cy="0"/>
+        </a:xfrm>
+      </p:grpSpPr>
+      <p:sp>
+        <p:nvSpPr>
+          <p:cNvPr id="2" name="幻灯片图像占位符 1"/>
+          <p:cNvSpPr>
+            <a:spLocks noGrp="1" noRot="1" noChangeAspect="1"/>
+          </p:cNvSpPr>
+          <p:nvPr>
+            <p:ph type="sldImg"/>
+          </p:nvPr>
+        </p:nvSpPr>
+        <p:spPr/>
+      </p:sp>
+      <p:sp>
+        <p:nvSpPr>
+          <p:cNvPr id="3" name="备注占位符 2"/>
+          <p:cNvSpPr>
+            <a:spLocks noGrp="1"/>
+          </p:cNvSpPr>
+          <p:nvPr>
+            <p:ph type="body" idx="1"/>
+          </p:nvPr>
+        </p:nvSpPr>
+        <p:spPr/>
+        <p:txBody>
+          <a:bodyPr/>
+          <a:lstStyle/>
+          <a:p>
+            <a:r>
+              <a:rPr lang="zh-CN" altLang="en-US" dirty="0"/>
+              <a:t>在生成了一系列的可以提取的概念之后，第一步，我们线去掉那些不满足预置条件的重构机会</a:t>
+            </a:r>
+            <a:r>
+              <a:rPr lang="en-US" altLang="zh-CN" dirty="0"/>
+              <a:t>(C1)</a:t>
+            </a:r>
+            <a:r>
+              <a:rPr lang="zh-CN" altLang="en-US" dirty="0"/>
+              <a:t>，然后</a:t>
+            </a:r>
+            <a:r>
+              <a:rPr lang="en-US" altLang="zh-CN" dirty="0"/>
+              <a:t>C2</a:t>
+            </a:r>
+            <a:r>
+              <a:rPr lang="zh-CN" altLang="en-US" dirty="0"/>
+              <a:t>重构也被抛弃了，因为重构</a:t>
+            </a:r>
+            <a:r>
+              <a:rPr lang="en-US" altLang="zh-CN" dirty="0"/>
+              <a:t>C2</a:t>
+            </a:r>
+            <a:r>
+              <a:rPr lang="zh-CN" altLang="en-US" dirty="0"/>
+              <a:t>类会导致系统的</a:t>
+            </a:r>
+            <a:r>
+              <a:rPr lang="en-US" altLang="zh-CN" dirty="0"/>
+              <a:t>Entity Placement value</a:t>
+            </a:r>
+            <a:r>
+              <a:rPr lang="zh-CN" altLang="en-US" dirty="0"/>
+              <a:t>值变高</a:t>
+            </a:r>
+          </a:p>
+        </p:txBody>
+      </p:sp>
+      <p:sp>
+        <p:nvSpPr>
+          <p:cNvPr id="4" name="灯片编号占位符 3"/>
+          <p:cNvSpPr>
+            <a:spLocks noGrp="1"/>
+          </p:cNvSpPr>
+          <p:nvPr>
+            <p:ph type="sldNum" sz="quarter" idx="5"/>
+          </p:nvPr>
+        </p:nvSpPr>
+        <p:spPr/>
+        <p:txBody>
+          <a:bodyPr/>
+          <a:lstStyle/>
+          <a:p>
+            <a:fld id="{AFABFBDB-6986-4D68-AF78-58D1E535D72E}" type="slidenum">
+              <a:rPr lang="zh-CN" altLang="en-US" smtClean="0"/>
+              <a:t>17</a:t>
+            </a:fld>
+            <a:endParaRPr lang="zh-CN" altLang="en-US"/>
+          </a:p>
+        </p:txBody>
+      </p:sp>
+    </p:spTree>
+    <p:extLst>
+      <p:ext uri="{BB962C8B-B14F-4D97-AF65-F5344CB8AC3E}">
+        <p14:creationId xmlns:p14="http://schemas.microsoft.com/office/powerpoint/2010/main" val="1928000309"/>
       </p:ext>
     </p:extLst>
   </p:cSld>
